--- a/Docker for Beginners.pptx
+++ b/Docker for Beginners.pptx
@@ -5,10 +5,10 @@
     <p:sldMasterId id="2147483648" r:id="rId4"/>
   </p:sldMasterIdLst>
   <p:notesMasterIdLst>
-    <p:notesMasterId r:id="rId31"/>
+    <p:notesMasterId r:id="rId32"/>
   </p:notesMasterIdLst>
   <p:handoutMasterIdLst>
-    <p:handoutMasterId r:id="rId32"/>
+    <p:handoutMasterId r:id="rId33"/>
   </p:handoutMasterIdLst>
   <p:sldIdLst>
     <p:sldId id="256" r:id="rId5"/>
@@ -25,18 +25,19 @@
     <p:sldId id="292" r:id="rId16"/>
     <p:sldId id="299" r:id="rId17"/>
     <p:sldId id="294" r:id="rId18"/>
-    <p:sldId id="304" r:id="rId19"/>
-    <p:sldId id="295" r:id="rId20"/>
-    <p:sldId id="297" r:id="rId21"/>
-    <p:sldId id="298" r:id="rId22"/>
-    <p:sldId id="260" r:id="rId23"/>
-    <p:sldId id="302" r:id="rId24"/>
-    <p:sldId id="303" r:id="rId25"/>
-    <p:sldId id="307" r:id="rId26"/>
-    <p:sldId id="305" r:id="rId27"/>
-    <p:sldId id="306" r:id="rId28"/>
-    <p:sldId id="309" r:id="rId29"/>
-    <p:sldId id="269" r:id="rId30"/>
+    <p:sldId id="312" r:id="rId19"/>
+    <p:sldId id="313" r:id="rId20"/>
+    <p:sldId id="295" r:id="rId21"/>
+    <p:sldId id="297" r:id="rId22"/>
+    <p:sldId id="298" r:id="rId23"/>
+    <p:sldId id="260" r:id="rId24"/>
+    <p:sldId id="302" r:id="rId25"/>
+    <p:sldId id="303" r:id="rId26"/>
+    <p:sldId id="307" r:id="rId27"/>
+    <p:sldId id="305" r:id="rId28"/>
+    <p:sldId id="306" r:id="rId29"/>
+    <p:sldId id="309" r:id="rId30"/>
+    <p:sldId id="269" r:id="rId31"/>
   </p:sldIdLst>
   <p:sldSz cx="12192000" cy="6858000"/>
   <p:notesSz cx="6858000" cy="9144000"/>
@@ -934,7 +935,7 @@
           <a:p>
             <a:fld id="{1734D747-9380-41EE-9946-EC9EC0CA5D1E}" type="slidenum">
               <a:rPr lang="en-US" noProof="0" smtClean="0"/>
-              <a:t>16</a:t>
+              <a:t>17</a:t>
             </a:fld>
             <a:endParaRPr lang="en-US" noProof="0" dirty="0"/>
           </a:p>
@@ -25977,8 +25978,8 @@
         </p:nvSpPr>
         <p:spPr>
           <a:xfrm>
-            <a:off x="444499" y="1625385"/>
-            <a:ext cx="9241039" cy="4535718"/>
+            <a:off x="444499" y="1625384"/>
+            <a:ext cx="8438244" cy="5054815"/>
           </a:xfrm>
         </p:spPr>
         <p:txBody>
@@ -25986,7 +25987,14 @@
           <a:lstStyle/>
           <a:p>
             <a:r>
-              <a:rPr lang="en-IN" sz="2000" b="1" dirty="0"/>
+              <a:rPr lang="en-IN" sz="2200" b="1" dirty="0">
+                <a:solidFill>
+                  <a:schemeClr val="accent1">
+                    <a:lumMod val="60000"/>
+                    <a:lumOff val="40000"/>
+                  </a:schemeClr>
+                </a:solidFill>
+              </a:rPr>
               <a:t>Docker Engine</a:t>
             </a:r>
             <a:br>
@@ -26103,21 +26111,33 @@
               </a:rPr>
               <a:t>.</a:t>
             </a:r>
-            <a:br>
-              <a:rPr lang="en-US" sz="2000" spc="-5" dirty="0">
-                <a:latin typeface="Arial"/>
-                <a:cs typeface="Arial"/>
-              </a:rPr>
-            </a:br>
+          </a:p>
+          <a:p>
+            <a:pPr lvl="1">
+              <a:buFont typeface="Wingdings" panose="05000000000000000000" pitchFamily="2" charset="2"/>
+              <a:buChar char="q"/>
+            </a:pPr>
             <a:r>
               <a:rPr lang="en-US" sz="1800" b="1" spc="-5" dirty="0">
+                <a:solidFill>
+                  <a:schemeClr val="accent1">
+                    <a:lumMod val="60000"/>
+                    <a:lumOff val="40000"/>
+                  </a:schemeClr>
+                </a:solidFill>
                 <a:latin typeface="Arial"/>
                 <a:cs typeface="Arial"/>
               </a:rPr>
               <a:t>Docker Daemon</a:t>
             </a:r>
             <a:r>
-              <a:rPr lang="en-US" sz="2000" b="1" spc="-5" dirty="0">
+              <a:rPr lang="en-US" sz="2200" b="1" spc="-5" dirty="0">
+                <a:solidFill>
+                  <a:schemeClr val="accent1">
+                    <a:lumMod val="60000"/>
+                    <a:lumOff val="40000"/>
+                  </a:schemeClr>
+                </a:solidFill>
                 <a:latin typeface="Arial"/>
                 <a:cs typeface="Arial"/>
               </a:rPr>
@@ -26135,36 +26155,35 @@
                 <a:latin typeface="Arial"/>
                 <a:cs typeface="Arial"/>
               </a:rPr>
-              <a:t>Listens for Docker API requests and manages </a:t>
+              <a:t>Listens for Docker API requests and manages Docker objects such as images, containers, networks, and volumes.</a:t>
             </a:r>
-            <a:br>
-              <a:rPr lang="en-US" sz="1800" spc="-5" dirty="0">
-                <a:latin typeface="Arial"/>
-                <a:cs typeface="Arial"/>
-              </a:rPr>
-            </a:br>
-            <a:r>
-              <a:rPr lang="en-US" sz="1800" spc="-5" dirty="0">
-                <a:latin typeface="Arial"/>
-                <a:cs typeface="Arial"/>
-              </a:rPr>
-              <a:t>		     Docker objects such as images, containers, networks, and volumes.</a:t>
-            </a:r>
-            <a:br>
-              <a:rPr lang="en-US" sz="1800" spc="-5" dirty="0">
-                <a:latin typeface="Arial"/>
-                <a:cs typeface="Arial"/>
-              </a:rPr>
-            </a:br>
+          </a:p>
+          <a:p>
+            <a:pPr lvl="1">
+              <a:buFont typeface="Wingdings" panose="05000000000000000000" pitchFamily="2" charset="2"/>
+              <a:buChar char="q"/>
+            </a:pPr>
             <a:r>
               <a:rPr lang="en-US" sz="1800" b="1" spc="-5" dirty="0">
+                <a:solidFill>
+                  <a:schemeClr val="accent1">
+                    <a:lumMod val="60000"/>
+                    <a:lumOff val="40000"/>
+                  </a:schemeClr>
+                </a:solidFill>
                 <a:latin typeface="Arial"/>
                 <a:cs typeface="Arial"/>
               </a:rPr>
               <a:t>Docker Client</a:t>
             </a:r>
             <a:r>
-              <a:rPr lang="en-US" sz="2000" spc="-5" dirty="0">
+              <a:rPr lang="en-US" sz="2200" spc="-5" dirty="0">
+                <a:solidFill>
+                  <a:schemeClr val="accent1">
+                    <a:lumMod val="60000"/>
+                    <a:lumOff val="40000"/>
+                  </a:schemeClr>
+                </a:solidFill>
                 <a:latin typeface="Arial"/>
                 <a:cs typeface="Arial"/>
               </a:rPr>
@@ -26177,15 +26196,21 @@
               </a:rPr>
               <a:t>: Command Line Interface to interact with Docker Daemon. </a:t>
             </a:r>
-            <a:endParaRPr lang="en-IN" sz="1800" b="1" dirty="0"/>
           </a:p>
           <a:p>
             <a:r>
-              <a:rPr lang="en-IN" sz="2000" b="1" dirty="0"/>
+              <a:rPr lang="en-IN" sz="2200" b="1" dirty="0">
+                <a:solidFill>
+                  <a:schemeClr val="accent1">
+                    <a:lumMod val="60000"/>
+                    <a:lumOff val="40000"/>
+                  </a:schemeClr>
+                </a:solidFill>
+              </a:rPr>
               <a:t>Docker Image</a:t>
             </a:r>
             <a:br>
-              <a:rPr lang="en-IN" sz="2000" b="1" dirty="0"/>
+              <a:rPr lang="en-IN" sz="2400" b="1" dirty="0"/>
             </a:br>
             <a:r>
               <a:rPr lang="en-US" sz="1800" spc="-5" dirty="0">
@@ -26254,11 +26279,18 @@
           </a:p>
           <a:p>
             <a:r>
-              <a:rPr lang="en-IN" sz="2000" b="1" dirty="0"/>
+              <a:rPr lang="en-IN" sz="2200" b="1" dirty="0">
+                <a:solidFill>
+                  <a:schemeClr val="accent1">
+                    <a:lumMod val="60000"/>
+                    <a:lumOff val="40000"/>
+                  </a:schemeClr>
+                </a:solidFill>
+              </a:rPr>
               <a:t>Docker Container</a:t>
             </a:r>
             <a:br>
-              <a:rPr lang="en-IN" sz="2000" b="1" dirty="0"/>
+              <a:rPr lang="en-IN" sz="2400" b="1" dirty="0"/>
             </a:br>
             <a:r>
               <a:rPr lang="en-US" sz="1800" spc="-5" dirty="0">
@@ -26309,15 +26341,21 @@
               </a:rPr>
               <a:t>executes.</a:t>
             </a:r>
-            <a:endParaRPr lang="en-IN" sz="2000" b="1" dirty="0"/>
           </a:p>
           <a:p>
             <a:r>
-              <a:rPr lang="en-IN" sz="2000" b="1" dirty="0"/>
+              <a:rPr lang="en-IN" sz="2200" b="1" dirty="0">
+                <a:solidFill>
+                  <a:schemeClr val="accent1">
+                    <a:lumMod val="60000"/>
+                    <a:lumOff val="40000"/>
+                  </a:schemeClr>
+                </a:solidFill>
+              </a:rPr>
               <a:t>Registry Service – Docker Hub</a:t>
             </a:r>
             <a:br>
-              <a:rPr lang="en-IN" sz="2000" b="1" dirty="0"/>
+              <a:rPr lang="en-IN" sz="2400" b="1" dirty="0"/>
             </a:br>
             <a:r>
               <a:rPr lang="en-US" sz="1800" spc="-5" dirty="0">
@@ -26389,13 +26427,10 @@
               </a:rPr>
               <a:t>images.</a:t>
             </a:r>
-            <a:endParaRPr lang="en-US" sz="2000" dirty="0">
+            <a:endParaRPr lang="en-US" sz="2400" dirty="0">
               <a:latin typeface="Arial"/>
               <a:cs typeface="Arial"/>
             </a:endParaRPr>
-          </a:p>
-          <a:p>
-            <a:endParaRPr lang="en-IN" sz="2000" b="1" dirty="0"/>
           </a:p>
         </p:txBody>
       </p:sp>
@@ -26565,31 +26600,35 @@
         <p:spPr>
           <a:xfrm>
             <a:off x="444500" y="1625385"/>
-            <a:ext cx="3418373" cy="4093243"/>
+            <a:ext cx="3418373" cy="4980688"/>
           </a:xfrm>
         </p:spPr>
         <p:txBody>
           <a:bodyPr/>
           <a:lstStyle/>
           <a:p>
+            <a:pPr algn="just"/>
             <a:r>
               <a:rPr lang="en-US" sz="1800" dirty="0"/>
               <a:t>Docker uses a client-server architecture. </a:t>
             </a:r>
           </a:p>
           <a:p>
+            <a:pPr algn="just"/>
             <a:r>
               <a:rPr lang="en-US" sz="1800" dirty="0"/>
               <a:t>Docker client talks to the Docker daemon, which does the heavy lifting of building, running, and distributing the Docker containers. </a:t>
             </a:r>
           </a:p>
           <a:p>
+            <a:pPr algn="just"/>
             <a:r>
               <a:rPr lang="en-US" sz="1800" dirty="0"/>
               <a:t>Docker client and Daemon can run on the same system, or Docker client can be connected to a remote Docker daemon as well. </a:t>
             </a:r>
           </a:p>
           <a:p>
+            <a:pPr algn="just"/>
             <a:r>
               <a:rPr lang="en-US" sz="1800" dirty="0"/>
               <a:t>Communication happens using REST APIs, over UNIX sockets or a network interface.</a:t>
@@ -26698,6 +26737,46 @@
           </a:prstGeom>
         </p:spPr>
       </p:pic>
+      <p:sp>
+        <p:nvSpPr>
+          <p:cNvPr id="5" name="TextBox 4">
+            <a:extLst>
+              <a:ext uri="{FF2B5EF4-FFF2-40B4-BE49-F238E27FC236}">
+                <a16:creationId xmlns:a16="http://schemas.microsoft.com/office/drawing/2014/main" id="{18757D07-D2AE-45B7-87CC-E8864E89432F}"/>
+              </a:ext>
+            </a:extLst>
+          </p:cNvPr>
+          <p:cNvSpPr txBox="1"/>
+          <p:nvPr/>
+        </p:nvSpPr>
+        <p:spPr>
+          <a:xfrm>
+            <a:off x="9927771" y="3946452"/>
+            <a:ext cx="1819729" cy="338554"/>
+          </a:xfrm>
+          <a:prstGeom prst="rect">
+            <a:avLst/>
+          </a:prstGeom>
+          <a:noFill/>
+        </p:spPr>
+        <p:txBody>
+          <a:bodyPr wrap="square" rtlCol="0">
+            <a:spAutoFit/>
+          </a:bodyPr>
+          <a:lstStyle/>
+          <a:p>
+            <a:pPr algn="ctr"/>
+            <a:r>
+              <a:rPr lang="en-IN" sz="1600" dirty="0">
+                <a:solidFill>
+                  <a:schemeClr val="bg1"/>
+                </a:solidFill>
+              </a:rPr>
+              <a:t>Docker Hub</a:t>
+            </a:r>
+          </a:p>
+        </p:txBody>
+      </p:sp>
     </p:spTree>
     <p:extLst>
       <p:ext uri="{BB962C8B-B14F-4D97-AF65-F5344CB8AC3E}">
@@ -27236,14 +27315,22 @@
           <a:bodyPr/>
           <a:lstStyle/>
           <a:p>
-            <a:pPr algn="just"/>
+            <a:pPr algn="just">
+              <a:lnSpc>
+                <a:spcPct val="150000"/>
+              </a:lnSpc>
+            </a:pPr>
             <a:r>
               <a:rPr lang="en-US" sz="1800" dirty="0"/>
               <a:t>A text document which contains all the commands a user could call on the command line to assemble/build an image.</a:t>
             </a:r>
           </a:p>
           <a:p>
-            <a:pPr algn="just"/>
+            <a:pPr algn="just">
+              <a:lnSpc>
+                <a:spcPct val="150000"/>
+              </a:lnSpc>
+            </a:pPr>
             <a:r>
               <a:rPr lang="en-US" sz="1800" dirty="0"/>
               <a:t>Docker image generation needs a </a:t>
@@ -27258,7 +27345,11 @@
             </a:r>
           </a:p>
           <a:p>
-            <a:pPr algn="just"/>
+            <a:pPr algn="just">
+              <a:lnSpc>
+                <a:spcPct val="150000"/>
+              </a:lnSpc>
+            </a:pPr>
             <a:r>
               <a:rPr lang="en-US" sz="1800" dirty="0"/>
               <a:t>The </a:t>
@@ -27289,7 +27380,11 @@
             </a:r>
           </a:p>
           <a:p>
-            <a:pPr algn="just"/>
+            <a:pPr algn="just">
+              <a:lnSpc>
+                <a:spcPct val="150000"/>
+              </a:lnSpc>
+            </a:pPr>
             <a:r>
               <a:rPr lang="en-US" sz="1800" dirty="0"/>
               <a:t>The Generated Image is used by “</a:t>
@@ -27690,7 +27785,7 @@
           <p:cNvPr id="2" name="Title 1">
             <a:extLst>
               <a:ext uri="{FF2B5EF4-FFF2-40B4-BE49-F238E27FC236}">
-                <a16:creationId xmlns:a16="http://schemas.microsoft.com/office/drawing/2014/main" id="{9C33012E-C7FA-4DBA-ABA9-D825000E0C98}"/>
+                <a16:creationId xmlns:a16="http://schemas.microsoft.com/office/drawing/2014/main" id="{72D8F994-C125-4553-93C7-B286C5117240}"/>
               </a:ext>
             </a:extLst>
           </p:cNvPr>
@@ -27712,756 +27807,418 @@
             </a:r>
             <a:r>
               <a:rPr lang="en-IN" dirty="0"/>
-              <a:t> </a:t>
+              <a:t> Instructions - I</a:t>
             </a:r>
-            <a:r>
-              <a:rPr lang="en-IN" dirty="0" err="1"/>
-              <a:t>Intructions</a:t>
-            </a:r>
-            <a:endParaRPr lang="en-IN" dirty="0"/>
           </a:p>
         </p:txBody>
       </p:sp>
       <p:sp>
         <p:nvSpPr>
-          <p:cNvPr id="7" name="Rectangle 3">
-            <a:extLst>
-              <a:ext uri="{FF2B5EF4-FFF2-40B4-BE49-F238E27FC236}">
-                <a16:creationId xmlns:a16="http://schemas.microsoft.com/office/drawing/2014/main" id="{6DB0234F-35B3-454F-8310-1DABE357701F}"/>
+          <p:cNvPr id="3" name="Slide Number Placeholder 2">
+            <a:extLst>
+              <a:ext uri="{FF2B5EF4-FFF2-40B4-BE49-F238E27FC236}">
+                <a16:creationId xmlns:a16="http://schemas.microsoft.com/office/drawing/2014/main" id="{5113DC96-8DDD-4CE9-9ACB-029C8EC8A71D}"/>
               </a:ext>
             </a:extLst>
           </p:cNvPr>
           <p:cNvSpPr>
-            <a:spLocks noGrp="1" noChangeArrowheads="1"/>
+            <a:spLocks noGrp="1"/>
           </p:cNvSpPr>
           <p:nvPr>
-            <p:ph type="body" sz="quarter" idx="13"/>
+            <p:ph type="sldNum" sz="quarter" idx="12"/>
           </p:nvPr>
         </p:nvSpPr>
-        <p:spPr bwMode="auto">
+        <p:spPr/>
+        <p:txBody>
+          <a:bodyPr/>
+          <a:lstStyle/>
+          <a:p>
+            <a:fld id="{C263D6C4-4840-40CC-AC84-17E24B3B7BDE}" type="slidenum">
+              <a:rPr lang="en-US" noProof="0" smtClean="0"/>
+              <a:pPr/>
+              <a:t>15</a:t>
+            </a:fld>
+            <a:endParaRPr lang="en-US" noProof="0" dirty="0"/>
+          </a:p>
+        </p:txBody>
+      </p:sp>
+      <p:sp>
+        <p:nvSpPr>
+          <p:cNvPr id="5" name="Text Placeholder 3">
+            <a:extLst>
+              <a:ext uri="{FF2B5EF4-FFF2-40B4-BE49-F238E27FC236}">
+                <a16:creationId xmlns:a16="http://schemas.microsoft.com/office/drawing/2014/main" id="{FD3FBFE9-8F77-4B3B-B5BA-32C42FD79821}"/>
+              </a:ext>
+            </a:extLst>
+          </p:cNvPr>
+          <p:cNvSpPr txBox="1">
+            <a:spLocks/>
+          </p:cNvSpPr>
+          <p:nvPr/>
+        </p:nvSpPr>
+        <p:spPr>
           <a:xfrm>
-            <a:off x="444500" y="1419323"/>
-            <a:ext cx="11214099" cy="4924425"/>
+            <a:off x="307002" y="1382378"/>
+            <a:ext cx="7530712" cy="5297822"/>
           </a:xfrm>
           <a:prstGeom prst="rect">
             <a:avLst/>
           </a:prstGeom>
-          <a:solidFill>
-            <a:srgbClr val="0D1117"/>
-          </a:solidFill>
-          <a:ln>
-            <a:noFill/>
-          </a:ln>
-          <a:effectLst/>
-          <a:extLst>
-            <a:ext uri="{91240B29-F687-4F45-9708-019B960494DF}">
-              <a14:hiddenLine xmlns:a14="http://schemas.microsoft.com/office/drawing/2010/main" w="9525">
-                <a:solidFill>
-                  <a:schemeClr val="tx1"/>
-                </a:solidFill>
-                <a:miter lim="800000"/>
-                <a:headEnd/>
-                <a:tailEnd/>
-              </a14:hiddenLine>
-            </a:ext>
-            <a:ext uri="{AF507438-7753-43E0-B8FC-AC1667EBCBE1}">
-              <a14:hiddenEffects xmlns:a14="http://schemas.microsoft.com/office/drawing/2010/main">
-                <a:effectLst>
-                  <a:outerShdw dist="35921" dir="2700000" algn="ctr" rotWithShape="0">
-                    <a:schemeClr val="bg2"/>
-                  </a:outerShdw>
-                </a:effectLst>
-              </a14:hiddenEffects>
-            </a:ext>
-          </a:extLst>
         </p:spPr>
         <p:txBody>
-          <a:bodyPr vert="horz" wrap="square" lIns="0" tIns="0" rIns="0" bIns="0" numCol="1" anchor="ctr" anchorCtr="0" compatLnSpc="1">
-            <a:prstTxWarp prst="textNoShape">
-              <a:avLst/>
-            </a:prstTxWarp>
-            <a:spAutoFit/>
+          <a:bodyPr vert="horz" lIns="91440" tIns="45720" rIns="91440" bIns="45720" rtlCol="0">
+            <a:noAutofit/>
           </a:bodyPr>
-          <a:lstStyle/>
-          <a:p>
-            <a:pPr marR="0" lvl="0" algn="l" defTabSz="914400" rtl="0" eaLnBrk="0" fontAlgn="base" latinLnBrk="0" hangingPunct="0">
+          <a:lstStyle>
+            <a:lvl1pPr marL="228600" indent="-228600" algn="l" defTabSz="914400" rtl="0" eaLnBrk="1" latinLnBrk="0" hangingPunct="1">
               <a:lnSpc>
                 <a:spcPct val="100000"/>
               </a:lnSpc>
               <a:spcBef>
-                <a:spcPct val="0"/>
+                <a:spcPts val="600"/>
               </a:spcBef>
               <a:spcAft>
-                <a:spcPct val="0"/>
+                <a:spcPts val="400"/>
               </a:spcAft>
-              <a:buClrTx/>
-              <a:buSzTx/>
-              <a:tabLst/>
+              <a:buClr>
+                <a:schemeClr val="accent2"/>
+              </a:buClr>
+              <a:buFont typeface="Arial" panose="020B0604020202020204" pitchFamily="34" charset="0"/>
+              <a:buChar char="•"/>
+              <a:defRPr sz="1600" kern="1200">
+                <a:solidFill>
+                  <a:schemeClr val="bg1"/>
+                </a:solidFill>
+                <a:latin typeface="+mn-lt"/>
+                <a:ea typeface="+mn-ea"/>
+                <a:cs typeface="Arial" panose="020B0604020202020204" pitchFamily="34" charset="0"/>
+              </a:defRPr>
+            </a:lvl1pPr>
+            <a:lvl2pPr marL="685800" indent="-228600" algn="l" defTabSz="914400" rtl="0" eaLnBrk="1" latinLnBrk="0" hangingPunct="1">
+              <a:lnSpc>
+                <a:spcPct val="100000"/>
+              </a:lnSpc>
+              <a:spcBef>
+                <a:spcPts val="600"/>
+              </a:spcBef>
+              <a:spcAft>
+                <a:spcPts val="400"/>
+              </a:spcAft>
+              <a:buClr>
+                <a:schemeClr val="accent2"/>
+              </a:buClr>
+              <a:buFont typeface="Arial" panose="020B0604020202020204" pitchFamily="34" charset="0"/>
+              <a:buChar char="•"/>
+              <a:defRPr sz="1400" kern="1200">
+                <a:solidFill>
+                  <a:schemeClr val="bg1"/>
+                </a:solidFill>
+                <a:latin typeface="+mn-lt"/>
+                <a:ea typeface="+mn-ea"/>
+                <a:cs typeface="Arial" panose="020B0604020202020204" pitchFamily="34" charset="0"/>
+              </a:defRPr>
+            </a:lvl2pPr>
+            <a:lvl3pPr marL="1143000" indent="-228600" algn="l" defTabSz="914400" rtl="0" eaLnBrk="1" latinLnBrk="0" hangingPunct="1">
+              <a:lnSpc>
+                <a:spcPct val="100000"/>
+              </a:lnSpc>
+              <a:spcBef>
+                <a:spcPts val="600"/>
+              </a:spcBef>
+              <a:spcAft>
+                <a:spcPts val="400"/>
+              </a:spcAft>
+              <a:buClr>
+                <a:schemeClr val="accent2"/>
+              </a:buClr>
+              <a:buFont typeface="Arial" panose="020B0604020202020204" pitchFamily="34" charset="0"/>
+              <a:buChar char="•"/>
+              <a:defRPr sz="1200" kern="1200">
+                <a:solidFill>
+                  <a:schemeClr val="bg1"/>
+                </a:solidFill>
+                <a:latin typeface="+mn-lt"/>
+                <a:ea typeface="+mn-ea"/>
+                <a:cs typeface="Arial" panose="020B0604020202020204" pitchFamily="34" charset="0"/>
+              </a:defRPr>
+            </a:lvl3pPr>
+            <a:lvl4pPr marL="1600200" indent="-228600" algn="l" defTabSz="914400" rtl="0" eaLnBrk="1" latinLnBrk="0" hangingPunct="1">
+              <a:lnSpc>
+                <a:spcPct val="90000"/>
+              </a:lnSpc>
+              <a:spcBef>
+                <a:spcPts val="500"/>
+              </a:spcBef>
+              <a:buClr>
+                <a:schemeClr val="accent2"/>
+              </a:buClr>
+              <a:buFont typeface="Arial" panose="020B0604020202020204" pitchFamily="34" charset="0"/>
+              <a:buChar char="•"/>
+              <a:defRPr sz="1400" kern="1200">
+                <a:solidFill>
+                  <a:schemeClr val="bg1"/>
+                </a:solidFill>
+                <a:latin typeface="Arial" panose="020B0604020202020204" pitchFamily="34" charset="0"/>
+                <a:ea typeface="+mn-ea"/>
+                <a:cs typeface="Arial" panose="020B0604020202020204" pitchFamily="34" charset="0"/>
+              </a:defRPr>
+            </a:lvl4pPr>
+            <a:lvl5pPr marL="2057400" indent="-228600" algn="l" defTabSz="914400" rtl="0" eaLnBrk="1" latinLnBrk="0" hangingPunct="1">
+              <a:lnSpc>
+                <a:spcPct val="90000"/>
+              </a:lnSpc>
+              <a:spcBef>
+                <a:spcPts val="500"/>
+              </a:spcBef>
+              <a:buClr>
+                <a:schemeClr val="accent2"/>
+              </a:buClr>
+              <a:buFont typeface="Arial" panose="020B0604020202020204" pitchFamily="34" charset="0"/>
+              <a:buChar char="•"/>
+              <a:defRPr sz="1400" kern="1200">
+                <a:solidFill>
+                  <a:schemeClr val="bg1"/>
+                </a:solidFill>
+                <a:latin typeface="Arial" panose="020B0604020202020204" pitchFamily="34" charset="0"/>
+                <a:ea typeface="+mn-ea"/>
+                <a:cs typeface="Arial" panose="020B0604020202020204" pitchFamily="34" charset="0"/>
+              </a:defRPr>
+            </a:lvl5pPr>
+            <a:lvl6pPr marL="2514600" indent="-228600" algn="l" defTabSz="914400" rtl="0" eaLnBrk="1" latinLnBrk="0" hangingPunct="1">
+              <a:lnSpc>
+                <a:spcPct val="90000"/>
+              </a:lnSpc>
+              <a:spcBef>
+                <a:spcPts val="500"/>
+              </a:spcBef>
+              <a:buFont typeface="Arial" panose="020B0604020202020204" pitchFamily="34" charset="0"/>
+              <a:buChar char="•"/>
+              <a:defRPr sz="1800" kern="1200">
+                <a:solidFill>
+                  <a:schemeClr val="tx1"/>
+                </a:solidFill>
+                <a:latin typeface="+mn-lt"/>
+                <a:ea typeface="+mn-ea"/>
+                <a:cs typeface="+mn-cs"/>
+              </a:defRPr>
+            </a:lvl6pPr>
+            <a:lvl7pPr marL="2971800" indent="-228600" algn="l" defTabSz="914400" rtl="0" eaLnBrk="1" latinLnBrk="0" hangingPunct="1">
+              <a:lnSpc>
+                <a:spcPct val="90000"/>
+              </a:lnSpc>
+              <a:spcBef>
+                <a:spcPts val="500"/>
+              </a:spcBef>
+              <a:buFont typeface="Arial" panose="020B0604020202020204" pitchFamily="34" charset="0"/>
+              <a:buChar char="•"/>
+              <a:defRPr sz="1800" kern="1200">
+                <a:solidFill>
+                  <a:schemeClr val="tx1"/>
+                </a:solidFill>
+                <a:latin typeface="+mn-lt"/>
+                <a:ea typeface="+mn-ea"/>
+                <a:cs typeface="+mn-cs"/>
+              </a:defRPr>
+            </a:lvl7pPr>
+            <a:lvl8pPr marL="3429000" indent="-228600" algn="l" defTabSz="914400" rtl="0" eaLnBrk="1" latinLnBrk="0" hangingPunct="1">
+              <a:lnSpc>
+                <a:spcPct val="90000"/>
+              </a:lnSpc>
+              <a:spcBef>
+                <a:spcPts val="500"/>
+              </a:spcBef>
+              <a:buFont typeface="Arial" panose="020B0604020202020204" pitchFamily="34" charset="0"/>
+              <a:buChar char="•"/>
+              <a:defRPr sz="1800" kern="1200">
+                <a:solidFill>
+                  <a:schemeClr val="tx1"/>
+                </a:solidFill>
+                <a:latin typeface="+mn-lt"/>
+                <a:ea typeface="+mn-ea"/>
+                <a:cs typeface="+mn-cs"/>
+              </a:defRPr>
+            </a:lvl8pPr>
+            <a:lvl9pPr marL="3886200" indent="-228600" algn="l" defTabSz="914400" rtl="0" eaLnBrk="1" latinLnBrk="0" hangingPunct="1">
+              <a:lnSpc>
+                <a:spcPct val="90000"/>
+              </a:lnSpc>
+              <a:spcBef>
+                <a:spcPts val="500"/>
+              </a:spcBef>
+              <a:buFont typeface="Arial" panose="020B0604020202020204" pitchFamily="34" charset="0"/>
+              <a:buChar char="•"/>
+              <a:defRPr sz="1800" kern="1200">
+                <a:solidFill>
+                  <a:schemeClr val="tx1"/>
+                </a:solidFill>
+                <a:latin typeface="+mn-lt"/>
+                <a:ea typeface="+mn-ea"/>
+                <a:cs typeface="+mn-cs"/>
+              </a:defRPr>
+            </a:lvl9pPr>
+          </a:lstStyle>
+          <a:p>
+            <a:pPr algn="just">
+              <a:lnSpc>
+                <a:spcPct val="150000"/>
+              </a:lnSpc>
             </a:pPr>
             <a:r>
-              <a:rPr lang="en-US" altLang="en-US" sz="2000" dirty="0">
+              <a:rPr lang="en-US" sz="1800" b="1" dirty="0">
                 <a:solidFill>
                   <a:schemeClr val="accent1">
                     <a:lumMod val="60000"/>
                     <a:lumOff val="40000"/>
                   </a:schemeClr>
                 </a:solidFill>
-                <a:latin typeface="-apple-system"/>
               </a:rPr>
-              <a:t>(dot)</a:t>
+              <a:t>.</a:t>
             </a:r>
             <a:r>
-              <a:rPr lang="en-US" altLang="en-US" sz="2000" dirty="0" err="1">
+              <a:rPr lang="en-US" sz="1800" b="1" dirty="0" err="1">
                 <a:solidFill>
                   <a:schemeClr val="accent1">
                     <a:lumMod val="60000"/>
                     <a:lumOff val="40000"/>
                   </a:schemeClr>
                 </a:solidFill>
-                <a:latin typeface="-apple-system"/>
               </a:rPr>
               <a:t>dockerignore</a:t>
             </a:r>
             <a:r>
-              <a:rPr lang="en-US" altLang="en-US" sz="2000" dirty="0">
+              <a:rPr lang="en-US" sz="1800" b="1" dirty="0">
                 <a:solidFill>
                   <a:schemeClr val="accent1">
                     <a:lumMod val="60000"/>
                     <a:lumOff val="40000"/>
                   </a:schemeClr>
                 </a:solidFill>
-                <a:latin typeface="-apple-system"/>
               </a:rPr>
               <a:t> </a:t>
             </a:r>
             <a:r>
-              <a:rPr lang="en-US" altLang="en-US" sz="2000" dirty="0">
-                <a:solidFill>
-                  <a:srgbClr val="C9D1D9"/>
-                </a:solidFill>
-                <a:latin typeface="-apple-system"/>
-              </a:rPr>
-              <a:t>-</a:t>
+              <a:rPr lang="en-US" sz="1800" dirty="0"/>
+              <a:t>- Modifies context to exclude files and directories sent to Docker</a:t>
             </a:r>
-            <a:r>
-              <a:rPr kumimoji="0" lang="en-US" altLang="en-US" sz="2000" i="0" u="none" strike="noStrike" cap="none" normalizeH="0" baseline="0" dirty="0">
-                <a:ln>
-                  <a:noFill/>
-                </a:ln>
-                <a:solidFill>
-                  <a:srgbClr val="C9D1D9"/>
-                </a:solidFill>
-                <a:effectLst/>
-                <a:latin typeface="-apple-system"/>
-              </a:rPr>
-              <a:t> Modifies context to exclude files and directories sent to Docker</a:t>
-            </a:r>
-          </a:p>
-          <a:p>
-            <a:pPr marR="0" lvl="0" algn="l" defTabSz="914400" rtl="0" eaLnBrk="0" fontAlgn="base" latinLnBrk="0" hangingPunct="0">
+          </a:p>
+          <a:p>
+            <a:pPr algn="just">
               <a:lnSpc>
-                <a:spcPct val="100000"/>
+                <a:spcPct val="150000"/>
               </a:lnSpc>
-              <a:spcBef>
-                <a:spcPct val="0"/>
-              </a:spcBef>
-              <a:spcAft>
-                <a:spcPct val="0"/>
-              </a:spcAft>
-              <a:buClrTx/>
-              <a:buSzTx/>
-              <a:tabLst/>
             </a:pPr>
             <a:r>
-              <a:rPr lang="en-US" altLang="en-US" sz="2000" dirty="0">
+              <a:rPr lang="en-US" sz="1800" b="1" dirty="0">
                 <a:solidFill>
                   <a:schemeClr val="accent1">
                     <a:lumMod val="60000"/>
                     <a:lumOff val="40000"/>
                   </a:schemeClr>
                 </a:solidFill>
-                <a:latin typeface="-apple-system"/>
               </a:rPr>
-              <a:t>FROM </a:t>
+              <a:t>FROM</a:t>
             </a:r>
             <a:r>
-              <a:rPr lang="en-US" altLang="en-US" sz="2000" dirty="0">
-                <a:latin typeface="-apple-system"/>
-              </a:rPr>
-              <a:t>-</a:t>
+              <a:rPr lang="en-US" sz="1800" dirty="0"/>
+              <a:t> - Sets the Base Image for subsequent instructions.</a:t>
             </a:r>
+          </a:p>
+          <a:p>
+            <a:pPr algn="just">
+              <a:lnSpc>
+                <a:spcPct val="150000"/>
+              </a:lnSpc>
+            </a:pPr>
             <a:r>
-              <a:rPr lang="en-US" altLang="en-US" sz="2000" dirty="0">
+              <a:rPr lang="en-US" sz="1800" b="1" dirty="0">
                 <a:solidFill>
                   <a:schemeClr val="accent1">
                     <a:lumMod val="60000"/>
                     <a:lumOff val="40000"/>
                   </a:schemeClr>
                 </a:solidFill>
-                <a:latin typeface="-apple-system"/>
               </a:rPr>
-              <a:t> </a:t>
+              <a:t>RUN</a:t>
             </a:r>
             <a:r>
-              <a:rPr kumimoji="0" lang="en-US" altLang="en-US" sz="2000" i="0" u="none" strike="noStrike" cap="none" normalizeH="0" baseline="0" dirty="0">
-                <a:ln>
-                  <a:noFill/>
-                </a:ln>
-                <a:solidFill>
-                  <a:srgbClr val="C9D1D9"/>
-                </a:solidFill>
-                <a:effectLst/>
-                <a:latin typeface="-apple-system"/>
-              </a:rPr>
-              <a:t>Sets the Base Image for subsequent instructions.</a:t>
+              <a:rPr lang="en-US" sz="1800" dirty="0"/>
+              <a:t> - Execute any commands in a new layer on top of the current image and commit the results.</a:t>
             </a:r>
           </a:p>
           <a:p>
-            <a:pPr marR="0" lvl="0" algn="l" defTabSz="914400" rtl="0" eaLnBrk="0" fontAlgn="base" latinLnBrk="0" hangingPunct="0">
+            <a:pPr algn="just">
               <a:lnSpc>
-                <a:spcPct val="100000"/>
+                <a:spcPct val="150000"/>
               </a:lnSpc>
-              <a:spcBef>
-                <a:spcPct val="0"/>
-              </a:spcBef>
-              <a:spcAft>
-                <a:spcPct val="0"/>
-              </a:spcAft>
-              <a:buClrTx/>
-              <a:buSzTx/>
-              <a:tabLst/>
             </a:pPr>
             <a:r>
-              <a:rPr lang="en-US" altLang="en-US" sz="2000" dirty="0">
+              <a:rPr lang="en-US" sz="1800" b="1" dirty="0">
                 <a:solidFill>
                   <a:schemeClr val="accent1">
                     <a:lumMod val="60000"/>
                     <a:lumOff val="40000"/>
                   </a:schemeClr>
                 </a:solidFill>
-                <a:latin typeface="-apple-system"/>
               </a:rPr>
-              <a:t>RUN</a:t>
+              <a:t>CMD</a:t>
             </a:r>
             <a:r>
-              <a:rPr kumimoji="0" lang="en-US" altLang="en-US" sz="2000" i="0" u="none" strike="noStrike" cap="none" normalizeH="0" baseline="0" dirty="0">
-                <a:ln>
-                  <a:noFill/>
-                </a:ln>
-                <a:solidFill>
-                  <a:srgbClr val="C9D1D9"/>
-                </a:solidFill>
-                <a:effectLst/>
-                <a:latin typeface="-apple-system"/>
-              </a:rPr>
-              <a:t> - Execute any commands in a new layer on top of the current image and commit the results.</a:t>
+              <a:rPr lang="en-US" sz="1800" dirty="0"/>
+              <a:t> - Provide defaults for an executing container.</a:t>
             </a:r>
           </a:p>
           <a:p>
-            <a:pPr marR="0" lvl="0" algn="l" defTabSz="914400" rtl="0" eaLnBrk="0" fontAlgn="base" latinLnBrk="0" hangingPunct="0">
+            <a:pPr algn="just">
               <a:lnSpc>
-                <a:spcPct val="100000"/>
+                <a:spcPct val="150000"/>
               </a:lnSpc>
-              <a:spcBef>
-                <a:spcPct val="0"/>
-              </a:spcBef>
-              <a:spcAft>
-                <a:spcPct val="0"/>
-              </a:spcAft>
-              <a:buClrTx/>
-              <a:buSzTx/>
-              <a:tabLst/>
             </a:pPr>
             <a:r>
-              <a:rPr lang="en-US" altLang="en-US" sz="2000" dirty="0">
+              <a:rPr lang="en-US" sz="1800" b="1" dirty="0">
                 <a:solidFill>
                   <a:schemeClr val="accent1">
                     <a:lumMod val="60000"/>
                     <a:lumOff val="40000"/>
                   </a:schemeClr>
                 </a:solidFill>
-                <a:latin typeface="-apple-system"/>
               </a:rPr>
-              <a:t>CMD </a:t>
+              <a:t>EXPOSE</a:t>
             </a:r>
             <a:r>
-              <a:rPr lang="en-US" altLang="en-US" sz="2000" dirty="0">
-                <a:latin typeface="-apple-system"/>
-              </a:rPr>
-              <a:t>-</a:t>
+              <a:rPr lang="en-US" sz="1800" dirty="0"/>
+              <a:t> - Informs Docker that the container listens on the specified network ports at runtime. NOTE: does not actually make ports accessible. Use –p while running Container. Used for Documentation purposes.</a:t>
             </a:r>
+          </a:p>
+          <a:p>
+            <a:pPr algn="just">
+              <a:lnSpc>
+                <a:spcPct val="150000"/>
+              </a:lnSpc>
+            </a:pPr>
             <a:r>
-              <a:rPr lang="en-US" altLang="en-US" sz="2000" dirty="0">
+              <a:rPr lang="en-US" sz="1800" b="1" dirty="0">
                 <a:solidFill>
                   <a:schemeClr val="accent1">
                     <a:lumMod val="60000"/>
                     <a:lumOff val="40000"/>
                   </a:schemeClr>
                 </a:solidFill>
-                <a:latin typeface="-apple-system"/>
-              </a:rPr>
-              <a:t> </a:t>
-            </a:r>
-            <a:r>
-              <a:rPr lang="en-US" altLang="en-US" sz="2000" dirty="0">
-                <a:solidFill>
-                  <a:srgbClr val="C9D1D9"/>
-                </a:solidFill>
-                <a:latin typeface="-apple-system"/>
-              </a:rPr>
-              <a:t>P</a:t>
-            </a:r>
-            <a:r>
-              <a:rPr kumimoji="0" lang="en-US" altLang="en-US" sz="2000" i="0" u="none" strike="noStrike" cap="none" normalizeH="0" baseline="0" dirty="0">
-                <a:ln>
-                  <a:noFill/>
-                </a:ln>
-                <a:solidFill>
-                  <a:srgbClr val="C9D1D9"/>
-                </a:solidFill>
-                <a:effectLst/>
-                <a:latin typeface="-apple-system"/>
-              </a:rPr>
-              <a:t>rovide defaults for an executing container.</a:t>
-            </a:r>
-          </a:p>
-          <a:p>
-            <a:pPr marR="0" lvl="0" algn="l" defTabSz="914400" rtl="0" eaLnBrk="0" fontAlgn="base" latinLnBrk="0" hangingPunct="0">
-              <a:lnSpc>
-                <a:spcPct val="100000"/>
-              </a:lnSpc>
-              <a:spcBef>
-                <a:spcPct val="0"/>
-              </a:spcBef>
-              <a:spcAft>
-                <a:spcPct val="0"/>
-              </a:spcAft>
-              <a:buClrTx/>
-              <a:buSzTx/>
-              <a:tabLst/>
-            </a:pPr>
-            <a:r>
-              <a:rPr lang="en-US" altLang="en-US" sz="2000" dirty="0">
-                <a:solidFill>
-                  <a:schemeClr val="accent1">
-                    <a:lumMod val="60000"/>
-                    <a:lumOff val="40000"/>
-                  </a:schemeClr>
-                </a:solidFill>
-                <a:latin typeface="-apple-system"/>
-              </a:rPr>
-              <a:t>EXPOSE</a:t>
-            </a:r>
-            <a:r>
-              <a:rPr kumimoji="0" lang="en-US" altLang="en-US" sz="2000" i="0" u="none" strike="noStrike" cap="none" normalizeH="0" baseline="0" dirty="0">
-                <a:ln>
-                  <a:noFill/>
-                </a:ln>
-                <a:solidFill>
-                  <a:srgbClr val="C9D1D9"/>
-                </a:solidFill>
-                <a:effectLst/>
-                <a:latin typeface="-apple-system"/>
-              </a:rPr>
-              <a:t> - Informs Docker that the container listens on the specified network ports at runtime. NOTE: does not actually make ports accessible. Use –p while running Container. Used for Documentation purposes.</a:t>
-            </a:r>
-          </a:p>
-          <a:p>
-            <a:pPr marR="0" lvl="0" algn="l" defTabSz="914400" rtl="0" eaLnBrk="0" fontAlgn="base" latinLnBrk="0" hangingPunct="0">
-              <a:lnSpc>
-                <a:spcPct val="100000"/>
-              </a:lnSpc>
-              <a:spcBef>
-                <a:spcPct val="0"/>
-              </a:spcBef>
-              <a:spcAft>
-                <a:spcPct val="0"/>
-              </a:spcAft>
-              <a:buClrTx/>
-              <a:buSzTx/>
-              <a:tabLst/>
-            </a:pPr>
-            <a:r>
-              <a:rPr lang="en-US" altLang="en-US" sz="2000" dirty="0">
-                <a:solidFill>
-                  <a:schemeClr val="accent1">
-                    <a:lumMod val="60000"/>
-                    <a:lumOff val="40000"/>
-                  </a:schemeClr>
-                </a:solidFill>
-                <a:latin typeface="-apple-system"/>
               </a:rPr>
               <a:t>ENV</a:t>
             </a:r>
             <a:r>
-              <a:rPr kumimoji="0" lang="en-US" altLang="en-US" sz="2000" i="0" u="none" strike="noStrike" cap="none" normalizeH="0" baseline="0" dirty="0">
-                <a:ln>
-                  <a:noFill/>
-                </a:ln>
-                <a:solidFill>
-                  <a:srgbClr val="C9D1D9"/>
-                </a:solidFill>
-                <a:effectLst/>
-                <a:latin typeface="-apple-system"/>
-              </a:rPr>
+              <a:rPr lang="en-US" sz="1800" dirty="0"/>
               <a:t> - Sets environment variable.</a:t>
             </a:r>
-          </a:p>
-          <a:p>
-            <a:pPr marR="0" lvl="0" algn="l" defTabSz="914400" rtl="0" eaLnBrk="0" fontAlgn="base" latinLnBrk="0" hangingPunct="0">
-              <a:lnSpc>
-                <a:spcPct val="100000"/>
-              </a:lnSpc>
-              <a:spcBef>
-                <a:spcPct val="0"/>
-              </a:spcBef>
-              <a:spcAft>
-                <a:spcPct val="0"/>
-              </a:spcAft>
-              <a:buClrTx/>
-              <a:buSzTx/>
-              <a:tabLst/>
-            </a:pPr>
-            <a:r>
-              <a:rPr lang="en-US" altLang="en-US" sz="2000" dirty="0">
-                <a:solidFill>
-                  <a:schemeClr val="accent1">
-                    <a:lumMod val="60000"/>
-                    <a:lumOff val="40000"/>
-                  </a:schemeClr>
-                </a:solidFill>
-                <a:latin typeface="-apple-system"/>
-              </a:rPr>
-              <a:t>ADD</a:t>
-            </a:r>
-            <a:r>
-              <a:rPr kumimoji="0" lang="en-US" altLang="en-US" sz="2000" i="0" u="none" strike="noStrike" cap="none" normalizeH="0" baseline="0" dirty="0">
-                <a:ln>
-                  <a:noFill/>
-                </a:ln>
-                <a:solidFill>
-                  <a:srgbClr val="C9D1D9"/>
-                </a:solidFill>
-                <a:effectLst/>
-                <a:latin typeface="-apple-system"/>
-              </a:rPr>
-              <a:t> - Copies new files, directories or remote file to container. Invalidates caches. Avoid ADD and use COPY instead.</a:t>
-            </a:r>
-          </a:p>
-          <a:p>
-            <a:pPr marR="0" lvl="0" algn="l" defTabSz="914400" rtl="0" eaLnBrk="0" fontAlgn="base" latinLnBrk="0" hangingPunct="0">
-              <a:lnSpc>
-                <a:spcPct val="100000"/>
-              </a:lnSpc>
-              <a:spcBef>
-                <a:spcPct val="0"/>
-              </a:spcBef>
-              <a:spcAft>
-                <a:spcPct val="0"/>
-              </a:spcAft>
-              <a:buClrTx/>
-              <a:buSzTx/>
-              <a:tabLst/>
-            </a:pPr>
-            <a:r>
-              <a:rPr lang="en-US" altLang="en-US" sz="2000" dirty="0">
-                <a:solidFill>
-                  <a:schemeClr val="accent1">
-                    <a:lumMod val="60000"/>
-                    <a:lumOff val="40000"/>
-                  </a:schemeClr>
-                </a:solidFill>
-                <a:latin typeface="-apple-system"/>
-              </a:rPr>
-              <a:t>COPY</a:t>
-            </a:r>
-            <a:r>
-              <a:rPr kumimoji="0" lang="en-US" altLang="en-US" sz="2000" i="0" u="none" strike="noStrike" cap="none" normalizeH="0" baseline="0" dirty="0">
-                <a:ln>
-                  <a:noFill/>
-                </a:ln>
-                <a:solidFill>
-                  <a:srgbClr val="C9D1D9"/>
-                </a:solidFill>
-                <a:effectLst/>
-                <a:latin typeface="-apple-system"/>
-              </a:rPr>
-              <a:t> - Copies new files or directories to container. By default this copies as root regardless of the USER/WORKDIR settings.</a:t>
-            </a:r>
-          </a:p>
-          <a:p>
-            <a:pPr marR="0" lvl="0" algn="l" defTabSz="914400" rtl="0" eaLnBrk="0" fontAlgn="base" latinLnBrk="0" hangingPunct="0">
-              <a:lnSpc>
-                <a:spcPct val="100000"/>
-              </a:lnSpc>
-              <a:spcBef>
-                <a:spcPct val="0"/>
-              </a:spcBef>
-              <a:spcAft>
-                <a:spcPct val="0"/>
-              </a:spcAft>
-              <a:buClrTx/>
-              <a:buSzTx/>
-              <a:tabLst/>
-            </a:pPr>
-            <a:r>
-              <a:rPr lang="en-US" altLang="en-US" sz="2000" dirty="0">
-                <a:solidFill>
-                  <a:schemeClr val="accent1">
-                    <a:lumMod val="60000"/>
-                    <a:lumOff val="40000"/>
-                  </a:schemeClr>
-                </a:solidFill>
-                <a:latin typeface="-apple-system"/>
-              </a:rPr>
-              <a:t>ENTRYPOINT</a:t>
-            </a:r>
-            <a:r>
-              <a:rPr kumimoji="0" lang="en-US" altLang="en-US" sz="2000" i="0" u="none" strike="noStrike" cap="none" normalizeH="0" baseline="0" dirty="0">
-                <a:ln>
-                  <a:noFill/>
-                </a:ln>
-                <a:solidFill>
-                  <a:srgbClr val="C9D1D9"/>
-                </a:solidFill>
-                <a:effectLst/>
-                <a:latin typeface="-apple-system"/>
-              </a:rPr>
-              <a:t> - Configures a container that will run as an executable.</a:t>
-            </a:r>
-          </a:p>
-          <a:p>
-            <a:pPr marR="0" lvl="0" algn="l" defTabSz="914400" rtl="0" eaLnBrk="0" fontAlgn="base" latinLnBrk="0" hangingPunct="0">
-              <a:lnSpc>
-                <a:spcPct val="100000"/>
-              </a:lnSpc>
-              <a:spcBef>
-                <a:spcPct val="0"/>
-              </a:spcBef>
-              <a:spcAft>
-                <a:spcPct val="0"/>
-              </a:spcAft>
-              <a:buClrTx/>
-              <a:buSzTx/>
-              <a:tabLst/>
-            </a:pPr>
-            <a:r>
-              <a:rPr lang="en-US" altLang="en-US" sz="2000" dirty="0">
-                <a:solidFill>
-                  <a:schemeClr val="accent1">
-                    <a:lumMod val="60000"/>
-                    <a:lumOff val="40000"/>
-                  </a:schemeClr>
-                </a:solidFill>
-                <a:latin typeface="-apple-system"/>
-              </a:rPr>
-              <a:t>VOLUME</a:t>
-            </a:r>
-            <a:r>
-              <a:rPr kumimoji="0" lang="en-US" altLang="en-US" sz="2000" i="0" u="none" strike="noStrike" cap="none" normalizeH="0" baseline="0" dirty="0">
-                <a:ln>
-                  <a:noFill/>
-                </a:ln>
-                <a:solidFill>
-                  <a:srgbClr val="C9D1D9"/>
-                </a:solidFill>
-                <a:effectLst/>
-                <a:latin typeface="-apple-system"/>
-              </a:rPr>
-              <a:t> - Creates a mount point for externally mounted volumes or other containers.</a:t>
-            </a:r>
-          </a:p>
-          <a:p>
-            <a:pPr marR="0" lvl="0" algn="l" defTabSz="914400" rtl="0" eaLnBrk="0" fontAlgn="base" latinLnBrk="0" hangingPunct="0">
-              <a:lnSpc>
-                <a:spcPct val="100000"/>
-              </a:lnSpc>
-              <a:spcBef>
-                <a:spcPct val="0"/>
-              </a:spcBef>
-              <a:spcAft>
-                <a:spcPct val="0"/>
-              </a:spcAft>
-              <a:buClrTx/>
-              <a:buSzTx/>
-              <a:tabLst/>
-            </a:pPr>
-            <a:r>
-              <a:rPr lang="en-US" altLang="en-US" sz="2000" dirty="0">
-                <a:solidFill>
-                  <a:schemeClr val="accent1">
-                    <a:lumMod val="60000"/>
-                    <a:lumOff val="40000"/>
-                  </a:schemeClr>
-                </a:solidFill>
-                <a:latin typeface="-apple-system"/>
-              </a:rPr>
-              <a:t>USER</a:t>
-            </a:r>
-            <a:r>
-              <a:rPr kumimoji="0" lang="en-US" altLang="en-US" sz="2000" i="0" u="none" strike="noStrike" cap="none" normalizeH="0" baseline="0" dirty="0">
-                <a:ln>
-                  <a:noFill/>
-                </a:ln>
-                <a:solidFill>
-                  <a:srgbClr val="C9D1D9"/>
-                </a:solidFill>
-                <a:effectLst/>
-                <a:latin typeface="-apple-system"/>
-              </a:rPr>
-              <a:t> - Sets the user name for following RUN / CMD / ENTRYPOINT commands.</a:t>
-            </a:r>
-          </a:p>
-          <a:p>
-            <a:pPr marR="0" lvl="0" algn="l" defTabSz="914400" rtl="0" eaLnBrk="0" fontAlgn="base" latinLnBrk="0" hangingPunct="0">
-              <a:lnSpc>
-                <a:spcPct val="100000"/>
-              </a:lnSpc>
-              <a:spcBef>
-                <a:spcPct val="0"/>
-              </a:spcBef>
-              <a:spcAft>
-                <a:spcPct val="0"/>
-              </a:spcAft>
-              <a:buClrTx/>
-              <a:buSzTx/>
-              <a:tabLst/>
-            </a:pPr>
-            <a:r>
-              <a:rPr lang="en-US" altLang="en-US" sz="2000" dirty="0">
-                <a:solidFill>
-                  <a:schemeClr val="accent1">
-                    <a:lumMod val="60000"/>
-                    <a:lumOff val="40000"/>
-                  </a:schemeClr>
-                </a:solidFill>
-                <a:latin typeface="-apple-system"/>
-              </a:rPr>
-              <a:t>WORKDIR</a:t>
-            </a:r>
-            <a:r>
-              <a:rPr kumimoji="0" lang="en-US" altLang="en-US" sz="2000" i="0" u="none" strike="noStrike" cap="none" normalizeH="0" baseline="0" dirty="0">
-                <a:ln>
-                  <a:noFill/>
-                </a:ln>
-                <a:solidFill>
-                  <a:srgbClr val="C9D1D9"/>
-                </a:solidFill>
-                <a:effectLst/>
-                <a:latin typeface="-apple-system"/>
-              </a:rPr>
-              <a:t> - Sets the working directory.</a:t>
-            </a:r>
-          </a:p>
-          <a:p>
-            <a:pPr marR="0" lvl="0" algn="l" defTabSz="914400" rtl="0" eaLnBrk="0" fontAlgn="base" latinLnBrk="0" hangingPunct="0">
-              <a:lnSpc>
-                <a:spcPct val="100000"/>
-              </a:lnSpc>
-              <a:spcBef>
-                <a:spcPct val="0"/>
-              </a:spcBef>
-              <a:spcAft>
-                <a:spcPct val="0"/>
-              </a:spcAft>
-              <a:buClrTx/>
-              <a:buSzTx/>
-              <a:tabLst/>
-            </a:pPr>
-            <a:r>
-              <a:rPr lang="en-US" altLang="en-US" sz="2000" dirty="0">
-                <a:solidFill>
-                  <a:schemeClr val="accent1">
-                    <a:lumMod val="60000"/>
-                    <a:lumOff val="40000"/>
-                  </a:schemeClr>
-                </a:solidFill>
-                <a:latin typeface="-apple-system"/>
-              </a:rPr>
-              <a:t>ARG</a:t>
-            </a:r>
-            <a:r>
-              <a:rPr kumimoji="0" lang="en-US" altLang="en-US" sz="2000" i="0" u="none" strike="noStrike" cap="none" normalizeH="0" baseline="0" dirty="0">
-                <a:ln>
-                  <a:noFill/>
-                </a:ln>
-                <a:solidFill>
-                  <a:srgbClr val="C9D1D9"/>
-                </a:solidFill>
-                <a:effectLst/>
-                <a:latin typeface="-apple-system"/>
-              </a:rPr>
-              <a:t> - Defines a build-time variable.</a:t>
-            </a:r>
-          </a:p>
-        </p:txBody>
-      </p:sp>
-      <p:sp>
-        <p:nvSpPr>
-          <p:cNvPr id="8" name="TextBox 7">
-            <a:extLst>
-              <a:ext uri="{FF2B5EF4-FFF2-40B4-BE49-F238E27FC236}">
-                <a16:creationId xmlns:a16="http://schemas.microsoft.com/office/drawing/2014/main" id="{4EC3F852-7766-481C-A1F8-CD7522937501}"/>
-              </a:ext>
-            </a:extLst>
-          </p:cNvPr>
-          <p:cNvSpPr txBox="1"/>
-          <p:nvPr/>
-        </p:nvSpPr>
-        <p:spPr>
-          <a:xfrm>
-            <a:off x="10370975" y="6343748"/>
-            <a:ext cx="1287624" cy="307777"/>
-          </a:xfrm>
-          <a:prstGeom prst="rect">
-            <a:avLst/>
-          </a:prstGeom>
-          <a:noFill/>
-        </p:spPr>
-        <p:txBody>
-          <a:bodyPr wrap="square" rtlCol="0">
-            <a:spAutoFit/>
-          </a:bodyPr>
-          <a:lstStyle/>
-          <a:p>
-            <a:pPr algn="r"/>
-            <a:r>
-              <a:rPr lang="en-IN" sz="1400" dirty="0">
-                <a:solidFill>
-                  <a:schemeClr val="bg1"/>
-                </a:solidFill>
-              </a:rPr>
-              <a:t>More @ </a:t>
-            </a:r>
-            <a:r>
-              <a:rPr lang="en-IN" sz="1400" dirty="0">
-                <a:solidFill>
-                  <a:schemeClr val="bg1"/>
-                </a:solidFill>
-                <a:hlinkClick r:id="rId2">
-                  <a:extLst>
-                    <a:ext uri="{A12FA001-AC4F-418D-AE19-62706E023703}">
-                      <ahyp:hlinkClr xmlns:ahyp="http://schemas.microsoft.com/office/drawing/2018/hyperlinkcolor" val="tx"/>
-                    </a:ext>
-                  </a:extLst>
-                </a:hlinkClick>
-              </a:rPr>
-              <a:t>Here</a:t>
-            </a:r>
-            <a:endParaRPr lang="en-IN" dirty="0">
-              <a:solidFill>
-                <a:schemeClr val="bg1"/>
-              </a:solidFill>
-            </a:endParaRPr>
           </a:p>
         </p:txBody>
       </p:sp>
       <p:pic>
         <p:nvPicPr>
-          <p:cNvPr id="9" name="Picture 2" descr="Script - Free seo and web icons">
-            <a:extLst>
-              <a:ext uri="{FF2B5EF4-FFF2-40B4-BE49-F238E27FC236}">
-                <a16:creationId xmlns:a16="http://schemas.microsoft.com/office/drawing/2014/main" id="{9EF27ACC-A35B-4073-96B6-8769736A7A48}"/>
+          <p:cNvPr id="3074" name="Picture 2" descr="Free Instructions Line Icon - Available in SVG, PNG, EPS, AI &amp;amp; Icon fonts">
+            <a:extLst>
+              <a:ext uri="{FF2B5EF4-FFF2-40B4-BE49-F238E27FC236}">
+                <a16:creationId xmlns:a16="http://schemas.microsoft.com/office/drawing/2014/main" id="{97B0B580-014A-4757-A7F1-F1643FA04C6B}"/>
               </a:ext>
             </a:extLst>
           </p:cNvPr>
@@ -28471,7 +28228,7 @@
           <p:nvPr/>
         </p:nvPicPr>
         <p:blipFill>
-          <a:blip r:embed="rId3">
+          <a:blip r:embed="rId2">
             <a:extLst>
               <a:ext uri="{28A0092B-C50C-407E-A947-70E740481C1C}">
                 <a14:useLocalDpi xmlns:a14="http://schemas.microsoft.com/office/drawing/2010/main" val="0"/>
@@ -28485,8 +28242,8 @@
         </p:blipFill>
         <p:spPr bwMode="auto">
           <a:xfrm>
-            <a:off x="11109541" y="542925"/>
-            <a:ext cx="691718" cy="691718"/>
+            <a:off x="10960584" y="470298"/>
+            <a:ext cx="924414" cy="924414"/>
           </a:xfrm>
           <a:prstGeom prst="rect">
             <a:avLst/>
@@ -28506,20 +28263,20 @@
     </p:spTree>
     <p:extLst>
       <p:ext uri="{BB962C8B-B14F-4D97-AF65-F5344CB8AC3E}">
-        <p14:creationId xmlns:p14="http://schemas.microsoft.com/office/powerpoint/2010/main" val="4268074901"/>
+        <p14:creationId xmlns:p14="http://schemas.microsoft.com/office/powerpoint/2010/main" val="4043023925"/>
       </p:ext>
     </p:extLst>
   </p:cSld>
   <p:clrMapOvr>
     <a:masterClrMapping/>
   </p:clrMapOvr>
-  <mc:AlternateContent xmlns:mc="http://schemas.openxmlformats.org/markup-compatibility/2006" xmlns:p14="http://schemas.microsoft.com/office/powerpoint/2010/main">
-    <mc:Choice Requires="p14">
+  <mc:AlternateContent xmlns:mc="http://schemas.openxmlformats.org/markup-compatibility/2006">
+    <mc:Choice xmlns:p14="http://schemas.microsoft.com/office/powerpoint/2010/main" Requires="p14">
       <p:transition spd="med" p14:dur="700">
         <p:fade/>
       </p:transition>
     </mc:Choice>
-    <mc:Fallback xmlns="">
+    <mc:Fallback>
       <p:transition spd="med">
         <p:fade/>
       </p:transition>
@@ -28550,7 +28307,7 @@
           <p:cNvPr id="2" name="Title 1">
             <a:extLst>
               <a:ext uri="{FF2B5EF4-FFF2-40B4-BE49-F238E27FC236}">
-                <a16:creationId xmlns:a16="http://schemas.microsoft.com/office/drawing/2014/main" id="{216BE67B-5E05-4486-ABEC-CD24E09B0355}"/>
+                <a16:creationId xmlns:a16="http://schemas.microsoft.com/office/drawing/2014/main" id="{72D8F994-C125-4553-93C7-B286C5117240}"/>
               </a:ext>
             </a:extLst>
           </p:cNvPr>
@@ -28567,6 +28324,367 @@
           <a:lstStyle/>
           <a:p>
             <a:r>
+              <a:rPr lang="en-IN" dirty="0" err="1"/>
+              <a:t>Dockerfile</a:t>
+            </a:r>
+            <a:r>
+              <a:rPr lang="en-IN" dirty="0"/>
+              <a:t> Instructions - II</a:t>
+            </a:r>
+          </a:p>
+        </p:txBody>
+      </p:sp>
+      <p:sp>
+        <p:nvSpPr>
+          <p:cNvPr id="4" name="Text Placeholder 3">
+            <a:extLst>
+              <a:ext uri="{FF2B5EF4-FFF2-40B4-BE49-F238E27FC236}">
+                <a16:creationId xmlns:a16="http://schemas.microsoft.com/office/drawing/2014/main" id="{F386223C-6EEB-4A62-8E9D-889AF62D4240}"/>
+              </a:ext>
+            </a:extLst>
+          </p:cNvPr>
+          <p:cNvSpPr>
+            <a:spLocks noGrp="1"/>
+          </p:cNvSpPr>
+          <p:nvPr>
+            <p:ph type="body" sz="quarter" idx="13"/>
+          </p:nvPr>
+        </p:nvSpPr>
+        <p:spPr>
+          <a:xfrm>
+            <a:off x="444500" y="1306358"/>
+            <a:ext cx="7215933" cy="5373841"/>
+          </a:xfrm>
+        </p:spPr>
+        <p:txBody>
+          <a:bodyPr/>
+          <a:lstStyle/>
+          <a:p>
+            <a:pPr algn="just">
+              <a:lnSpc>
+                <a:spcPct val="150000"/>
+              </a:lnSpc>
+            </a:pPr>
+            <a:r>
+              <a:rPr lang="en-US" sz="1800" b="1" dirty="0">
+                <a:solidFill>
+                  <a:schemeClr val="accent1">
+                    <a:lumMod val="60000"/>
+                    <a:lumOff val="40000"/>
+                  </a:schemeClr>
+                </a:solidFill>
+              </a:rPr>
+              <a:t>ADD</a:t>
+            </a:r>
+            <a:r>
+              <a:rPr lang="en-US" sz="1800" dirty="0"/>
+              <a:t> - Copies new files, directories or remote file to container. Invalidates caches. Avoid ADD and use COPY instead.</a:t>
+            </a:r>
+          </a:p>
+          <a:p>
+            <a:pPr algn="just">
+              <a:lnSpc>
+                <a:spcPct val="150000"/>
+              </a:lnSpc>
+            </a:pPr>
+            <a:r>
+              <a:rPr lang="en-US" sz="1800" b="1" dirty="0">
+                <a:solidFill>
+                  <a:schemeClr val="accent1">
+                    <a:lumMod val="60000"/>
+                    <a:lumOff val="40000"/>
+                  </a:schemeClr>
+                </a:solidFill>
+              </a:rPr>
+              <a:t>COPY</a:t>
+            </a:r>
+            <a:r>
+              <a:rPr lang="en-US" sz="1800" dirty="0"/>
+              <a:t> - Copies new files or directories to container. </a:t>
+            </a:r>
+          </a:p>
+          <a:p>
+            <a:pPr algn="just">
+              <a:lnSpc>
+                <a:spcPct val="150000"/>
+              </a:lnSpc>
+            </a:pPr>
+            <a:r>
+              <a:rPr lang="en-US" sz="1800" b="1" dirty="0">
+                <a:solidFill>
+                  <a:schemeClr val="accent1">
+                    <a:lumMod val="60000"/>
+                    <a:lumOff val="40000"/>
+                  </a:schemeClr>
+                </a:solidFill>
+              </a:rPr>
+              <a:t>ENTRYPOINT</a:t>
+            </a:r>
+            <a:r>
+              <a:rPr lang="en-US" sz="1800" dirty="0"/>
+              <a:t> - Configures a container that will run as an executable.</a:t>
+            </a:r>
+          </a:p>
+          <a:p>
+            <a:pPr algn="just">
+              <a:lnSpc>
+                <a:spcPct val="150000"/>
+              </a:lnSpc>
+            </a:pPr>
+            <a:r>
+              <a:rPr lang="en-US" sz="1800" b="1" dirty="0">
+                <a:solidFill>
+                  <a:schemeClr val="accent1">
+                    <a:lumMod val="60000"/>
+                    <a:lumOff val="40000"/>
+                  </a:schemeClr>
+                </a:solidFill>
+              </a:rPr>
+              <a:t>VOLUME</a:t>
+            </a:r>
+            <a:r>
+              <a:rPr lang="en-US" sz="1800" dirty="0"/>
+              <a:t> - Creates a mount point for externally mounted volumes or other containers.</a:t>
+            </a:r>
+          </a:p>
+          <a:p>
+            <a:pPr algn="just">
+              <a:lnSpc>
+                <a:spcPct val="150000"/>
+              </a:lnSpc>
+            </a:pPr>
+            <a:r>
+              <a:rPr lang="en-US" sz="1800" b="1" dirty="0">
+                <a:solidFill>
+                  <a:schemeClr val="accent1">
+                    <a:lumMod val="60000"/>
+                    <a:lumOff val="40000"/>
+                  </a:schemeClr>
+                </a:solidFill>
+              </a:rPr>
+              <a:t>USER</a:t>
+            </a:r>
+            <a:r>
+              <a:rPr lang="en-US" sz="1800" dirty="0"/>
+              <a:t> - Sets the user name for following RUN / CMD / ENTRYPOINT commands.</a:t>
+            </a:r>
+          </a:p>
+          <a:p>
+            <a:pPr algn="just">
+              <a:lnSpc>
+                <a:spcPct val="150000"/>
+              </a:lnSpc>
+            </a:pPr>
+            <a:r>
+              <a:rPr lang="en-US" sz="1800" b="1" dirty="0">
+                <a:solidFill>
+                  <a:schemeClr val="accent1">
+                    <a:lumMod val="60000"/>
+                    <a:lumOff val="40000"/>
+                  </a:schemeClr>
+                </a:solidFill>
+              </a:rPr>
+              <a:t>WORKDIR</a:t>
+            </a:r>
+            <a:r>
+              <a:rPr lang="en-US" sz="1800" dirty="0"/>
+              <a:t> - Sets the working directory.</a:t>
+            </a:r>
+          </a:p>
+          <a:p>
+            <a:pPr algn="just">
+              <a:lnSpc>
+                <a:spcPct val="150000"/>
+              </a:lnSpc>
+            </a:pPr>
+            <a:r>
+              <a:rPr lang="en-US" sz="1800" b="1" dirty="0">
+                <a:solidFill>
+                  <a:schemeClr val="accent1">
+                    <a:lumMod val="60000"/>
+                    <a:lumOff val="40000"/>
+                  </a:schemeClr>
+                </a:solidFill>
+              </a:rPr>
+              <a:t>ARG</a:t>
+            </a:r>
+            <a:r>
+              <a:rPr lang="en-US" sz="1800" dirty="0"/>
+              <a:t> - Defines a build-time variable.</a:t>
+            </a:r>
+          </a:p>
+        </p:txBody>
+      </p:sp>
+      <p:pic>
+        <p:nvPicPr>
+          <p:cNvPr id="7" name="Picture 2" descr="Free Instructions Line Icon - Available in SVG, PNG, EPS, AI &amp;amp; Icon fonts">
+            <a:extLst>
+              <a:ext uri="{FF2B5EF4-FFF2-40B4-BE49-F238E27FC236}">
+                <a16:creationId xmlns:a16="http://schemas.microsoft.com/office/drawing/2014/main" id="{924FBC00-0166-495E-B1EE-40F25CDE3438}"/>
+              </a:ext>
+            </a:extLst>
+          </p:cNvPr>
+          <p:cNvPicPr>
+            <a:picLocks noChangeAspect="1" noChangeArrowheads="1"/>
+          </p:cNvPicPr>
+          <p:nvPr/>
+        </p:nvPicPr>
+        <p:blipFill>
+          <a:blip r:embed="rId2">
+            <a:extLst>
+              <a:ext uri="{28A0092B-C50C-407E-A947-70E740481C1C}">
+                <a14:useLocalDpi xmlns:a14="http://schemas.microsoft.com/office/drawing/2010/main" val="0"/>
+              </a:ext>
+            </a:extLst>
+          </a:blip>
+          <a:srcRect/>
+          <a:stretch>
+            <a:fillRect/>
+          </a:stretch>
+        </p:blipFill>
+        <p:spPr bwMode="auto">
+          <a:xfrm>
+            <a:off x="10960584" y="470298"/>
+            <a:ext cx="924414" cy="924414"/>
+          </a:xfrm>
+          <a:prstGeom prst="rect">
+            <a:avLst/>
+          </a:prstGeom>
+          <a:noFill/>
+          <a:extLst>
+            <a:ext uri="{909E8E84-426E-40DD-AFC4-6F175D3DCCD1}">
+              <a14:hiddenFill xmlns:a14="http://schemas.microsoft.com/office/drawing/2010/main">
+                <a:solidFill>
+                  <a:srgbClr val="FFFFFF"/>
+                </a:solidFill>
+              </a14:hiddenFill>
+            </a:ext>
+          </a:extLst>
+        </p:spPr>
+      </p:pic>
+      <p:sp>
+        <p:nvSpPr>
+          <p:cNvPr id="8" name="TextBox 7">
+            <a:extLst>
+              <a:ext uri="{FF2B5EF4-FFF2-40B4-BE49-F238E27FC236}">
+                <a16:creationId xmlns:a16="http://schemas.microsoft.com/office/drawing/2014/main" id="{BD2F77E2-4A0A-480D-8394-342A6FC8D350}"/>
+              </a:ext>
+            </a:extLst>
+          </p:cNvPr>
+          <p:cNvSpPr txBox="1"/>
+          <p:nvPr/>
+        </p:nvSpPr>
+        <p:spPr>
+          <a:xfrm>
+            <a:off x="10597281" y="6315075"/>
+            <a:ext cx="1285680" cy="307777"/>
+          </a:xfrm>
+          <a:prstGeom prst="rect">
+            <a:avLst/>
+          </a:prstGeom>
+          <a:noFill/>
+        </p:spPr>
+        <p:txBody>
+          <a:bodyPr wrap="square" rtlCol="0">
+            <a:spAutoFit/>
+          </a:bodyPr>
+          <a:lstStyle/>
+          <a:p>
+            <a:r>
+              <a:rPr lang="en-IN" sz="1400" dirty="0">
+                <a:solidFill>
+                  <a:schemeClr val="bg1"/>
+                </a:solidFill>
+              </a:rPr>
+              <a:t>More @ </a:t>
+            </a:r>
+            <a:r>
+              <a:rPr lang="en-IN" sz="1400" dirty="0">
+                <a:solidFill>
+                  <a:schemeClr val="bg1"/>
+                </a:solidFill>
+                <a:hlinkClick r:id="rId3">
+                  <a:extLst>
+                    <a:ext uri="{A12FA001-AC4F-418D-AE19-62706E023703}">
+                      <ahyp:hlinkClr xmlns:ahyp="http://schemas.microsoft.com/office/drawing/2018/hyperlinkcolor" val="tx"/>
+                    </a:ext>
+                  </a:extLst>
+                </a:hlinkClick>
+              </a:rPr>
+              <a:t>Here</a:t>
+            </a:r>
+            <a:endParaRPr lang="en-IN" sz="1400" dirty="0">
+              <a:solidFill>
+                <a:schemeClr val="bg1"/>
+              </a:solidFill>
+            </a:endParaRPr>
+          </a:p>
+        </p:txBody>
+      </p:sp>
+    </p:spTree>
+    <p:extLst>
+      <p:ext uri="{BB962C8B-B14F-4D97-AF65-F5344CB8AC3E}">
+        <p14:creationId xmlns:p14="http://schemas.microsoft.com/office/powerpoint/2010/main" val="1959105682"/>
+      </p:ext>
+    </p:extLst>
+  </p:cSld>
+  <p:clrMapOvr>
+    <a:masterClrMapping/>
+  </p:clrMapOvr>
+  <mc:AlternateContent xmlns:mc="http://schemas.openxmlformats.org/markup-compatibility/2006">
+    <mc:Choice xmlns:p14="http://schemas.microsoft.com/office/powerpoint/2010/main" Requires="p14">
+      <p:transition spd="med" p14:dur="700">
+        <p:fade/>
+      </p:transition>
+    </mc:Choice>
+    <mc:Fallback>
+      <p:transition spd="med">
+        <p:fade/>
+      </p:transition>
+    </mc:Fallback>
+  </mc:AlternateContent>
+</p:sld>
+</file>
+
+<file path=ppt/slides/slide17.xml><?xml version="1.0" encoding="utf-8"?>
+<p:sld xmlns:a="http://schemas.openxmlformats.org/drawingml/2006/main" xmlns:r="http://schemas.openxmlformats.org/officeDocument/2006/relationships" xmlns:p="http://schemas.openxmlformats.org/presentationml/2006/main">
+  <p:cSld>
+    <p:spTree>
+      <p:nvGrpSpPr>
+        <p:cNvPr id="1" name=""/>
+        <p:cNvGrpSpPr/>
+        <p:nvPr/>
+      </p:nvGrpSpPr>
+      <p:grpSpPr>
+        <a:xfrm>
+          <a:off x="0" y="0"/>
+          <a:ext cx="0" cy="0"/>
+          <a:chOff x="0" y="0"/>
+          <a:chExt cx="0" cy="0"/>
+        </a:xfrm>
+      </p:grpSpPr>
+      <p:sp>
+        <p:nvSpPr>
+          <p:cNvPr id="2" name="Title 1">
+            <a:extLst>
+              <a:ext uri="{FF2B5EF4-FFF2-40B4-BE49-F238E27FC236}">
+                <a16:creationId xmlns:a16="http://schemas.microsoft.com/office/drawing/2014/main" id="{216BE67B-5E05-4486-ABEC-CD24E09B0355}"/>
+              </a:ext>
+            </a:extLst>
+          </p:cNvPr>
+          <p:cNvSpPr>
+            <a:spLocks noGrp="1"/>
+          </p:cNvSpPr>
+          <p:nvPr>
+            <p:ph type="title"/>
+          </p:nvPr>
+        </p:nvSpPr>
+        <p:spPr/>
+        <p:txBody>
+          <a:bodyPr/>
+          <a:lstStyle/>
+          <a:p>
+            <a:r>
               <a:rPr lang="en-IN" dirty="0"/>
               <a:t>Some Code Maybe ?</a:t>
             </a:r>
@@ -28597,7 +28715,7 @@
             <a:fld id="{C263D6C4-4840-40CC-AC84-17E24B3B7BDE}" type="slidenum">
               <a:rPr lang="en-US" noProof="0" smtClean="0"/>
               <a:pPr/>
-              <a:t>16</a:t>
+              <a:t>17</a:t>
             </a:fld>
             <a:endParaRPr lang="en-US" noProof="0" dirty="0"/>
           </a:p>
@@ -29023,7 +29141,7 @@
 </p:sld>
 </file>
 
-<file path=ppt/slides/slide17.xml><?xml version="1.0" encoding="utf-8"?>
+<file path=ppt/slides/slide18.xml><?xml version="1.0" encoding="utf-8"?>
 <p:sld xmlns:a="http://schemas.openxmlformats.org/drawingml/2006/main" xmlns:r="http://schemas.openxmlformats.org/officeDocument/2006/relationships" xmlns:p="http://schemas.openxmlformats.org/presentationml/2006/main">
   <p:cSld>
     <p:spTree>
@@ -29097,7 +29215,7 @@
             <a:fld id="{C263D6C4-4840-40CC-AC84-17E24B3B7BDE}" type="slidenum">
               <a:rPr lang="en-US" noProof="0" smtClean="0"/>
               <a:pPr/>
-              <a:t>17</a:t>
+              <a:t>18</a:t>
             </a:fld>
             <a:endParaRPr lang="en-US" noProof="0" dirty="0"/>
           </a:p>
@@ -29129,6 +29247,7 @@
           <a:bodyPr/>
           <a:lstStyle/>
           <a:p>
+            <a:pPr algn="just"/>
             <a:r>
               <a:rPr lang="en-US" sz="1800" dirty="0">
                 <a:solidFill>
@@ -29155,6 +29274,7 @@
             </a:r>
           </a:p>
           <a:p>
+            <a:pPr algn="just"/>
             <a:r>
               <a:rPr lang="en-US" sz="1800" dirty="0">
                 <a:solidFill>
@@ -29197,6 +29317,7 @@
             </a:r>
           </a:p>
           <a:p>
+            <a:pPr algn="just"/>
             <a:r>
               <a:rPr lang="en-US" sz="1800" dirty="0">
                 <a:solidFill>
@@ -29343,7 +29464,7 @@
 </p:sld>
 </file>
 
-<file path=ppt/slides/slide18.xml><?xml version="1.0" encoding="utf-8"?>
+<file path=ppt/slides/slide19.xml><?xml version="1.0" encoding="utf-8"?>
 <p:sld xmlns:a="http://schemas.openxmlformats.org/drawingml/2006/main" xmlns:r="http://schemas.openxmlformats.org/officeDocument/2006/relationships" xmlns:p="http://schemas.openxmlformats.org/presentationml/2006/main">
   <p:cSld>
     <p:spTree>
@@ -29417,7 +29538,7 @@
             <a:fld id="{C263D6C4-4840-40CC-AC84-17E24B3B7BDE}" type="slidenum">
               <a:rPr lang="en-US" noProof="0" smtClean="0"/>
               <a:pPr/>
-              <a:t>18</a:t>
+              <a:t>19</a:t>
             </a:fld>
             <a:endParaRPr lang="en-US" noProof="0" dirty="0"/>
           </a:p>
@@ -29449,24 +29570,28 @@
           <a:bodyPr/>
           <a:lstStyle/>
           <a:p>
+            <a:pPr algn="just"/>
             <a:r>
               <a:rPr lang="en-US" sz="1800" dirty="0"/>
               <a:t>Processes the Image file supplied and starts a Container.</a:t>
             </a:r>
           </a:p>
           <a:p>
+            <a:pPr algn="just"/>
             <a:r>
               <a:rPr lang="en-US" sz="1800" dirty="0"/>
               <a:t>Container started is always Isolated. </a:t>
             </a:r>
           </a:p>
           <a:p>
+            <a:pPr algn="just"/>
             <a:r>
               <a:rPr lang="en-US" sz="1800" dirty="0"/>
               <a:t>Container host may be local or remote. </a:t>
             </a:r>
           </a:p>
           <a:p>
+            <a:pPr algn="just"/>
             <a:r>
               <a:rPr lang="en-US" sz="1800" dirty="0"/>
               <a:t>Container process has its own file system, its own networking, and its own isolated process tree separate from the host.</a:t>
@@ -29606,7 +29731,597 @@
 </p:sld>
 </file>
 
-<file path=ppt/slides/slide19.xml><?xml version="1.0" encoding="utf-8"?>
+<file path=ppt/slides/slide2.xml><?xml version="1.0" encoding="utf-8"?>
+<p:sld xmlns:a="http://schemas.openxmlformats.org/drawingml/2006/main" xmlns:r="http://schemas.openxmlformats.org/officeDocument/2006/relationships" xmlns:p="http://schemas.openxmlformats.org/presentationml/2006/main">
+  <p:cSld>
+    <p:spTree>
+      <p:nvGrpSpPr>
+        <p:cNvPr id="1" name=""/>
+        <p:cNvGrpSpPr/>
+        <p:nvPr/>
+      </p:nvGrpSpPr>
+      <p:grpSpPr>
+        <a:xfrm>
+          <a:off x="0" y="0"/>
+          <a:ext cx="0" cy="0"/>
+          <a:chOff x="0" y="0"/>
+          <a:chExt cx="0" cy="0"/>
+        </a:xfrm>
+      </p:grpSpPr>
+      <p:sp>
+        <p:nvSpPr>
+          <p:cNvPr id="2" name="Title 1">
+            <a:extLst>
+              <a:ext uri="{FF2B5EF4-FFF2-40B4-BE49-F238E27FC236}">
+                <a16:creationId xmlns:a16="http://schemas.microsoft.com/office/drawing/2014/main" id="{49E64E99-7290-4280-B414-459FAE1A7120}"/>
+              </a:ext>
+            </a:extLst>
+          </p:cNvPr>
+          <p:cNvSpPr>
+            <a:spLocks noGrp="1"/>
+          </p:cNvSpPr>
+          <p:nvPr>
+            <p:ph type="title"/>
+          </p:nvPr>
+        </p:nvSpPr>
+        <p:spPr/>
+        <p:txBody>
+          <a:bodyPr/>
+          <a:lstStyle/>
+          <a:p>
+            <a:r>
+              <a:rPr lang="en-IN" dirty="0"/>
+              <a:t>What is in the Box for me Today?</a:t>
+            </a:r>
+          </a:p>
+        </p:txBody>
+      </p:sp>
+      <p:sp>
+        <p:nvSpPr>
+          <p:cNvPr id="3" name="Slide Number Placeholder 2">
+            <a:extLst>
+              <a:ext uri="{FF2B5EF4-FFF2-40B4-BE49-F238E27FC236}">
+                <a16:creationId xmlns:a16="http://schemas.microsoft.com/office/drawing/2014/main" id="{E1EDE621-46EB-47DE-92C7-BC9A83A8BFAF}"/>
+              </a:ext>
+            </a:extLst>
+          </p:cNvPr>
+          <p:cNvSpPr>
+            <a:spLocks noGrp="1"/>
+          </p:cNvSpPr>
+          <p:nvPr>
+            <p:ph type="sldNum" sz="quarter" idx="12"/>
+          </p:nvPr>
+        </p:nvSpPr>
+        <p:spPr/>
+        <p:txBody>
+          <a:bodyPr/>
+          <a:lstStyle/>
+          <a:p>
+            <a:fld id="{C263D6C4-4840-40CC-AC84-17E24B3B7BDE}" type="slidenum">
+              <a:rPr lang="en-US" noProof="0" smtClean="0"/>
+              <a:pPr/>
+              <a:t>2</a:t>
+            </a:fld>
+            <a:endParaRPr lang="en-US" noProof="0" dirty="0"/>
+          </a:p>
+        </p:txBody>
+      </p:sp>
+      <p:sp>
+        <p:nvSpPr>
+          <p:cNvPr id="4" name="Text Placeholder 3">
+            <a:extLst>
+              <a:ext uri="{FF2B5EF4-FFF2-40B4-BE49-F238E27FC236}">
+                <a16:creationId xmlns:a16="http://schemas.microsoft.com/office/drawing/2014/main" id="{09180970-2B4C-45B2-A331-0AB1F7902355}"/>
+              </a:ext>
+            </a:extLst>
+          </p:cNvPr>
+          <p:cNvSpPr>
+            <a:spLocks noGrp="1"/>
+          </p:cNvSpPr>
+          <p:nvPr>
+            <p:ph type="body" sz="quarter" idx="13"/>
+          </p:nvPr>
+        </p:nvSpPr>
+        <p:spPr>
+          <a:xfrm>
+            <a:off x="547136" y="2620000"/>
+            <a:ext cx="4248799" cy="2832792"/>
+          </a:xfrm>
+        </p:spPr>
+        <p:txBody>
+          <a:bodyPr/>
+          <a:lstStyle/>
+          <a:p>
+            <a:pPr algn="just">
+              <a:lnSpc>
+                <a:spcPct val="150000"/>
+              </a:lnSpc>
+            </a:pPr>
+            <a:r>
+              <a:rPr lang="en-IN" sz="1800" dirty="0"/>
+              <a:t>The What, Why and Where of Docker</a:t>
+            </a:r>
+          </a:p>
+          <a:p>
+            <a:pPr algn="just">
+              <a:lnSpc>
+                <a:spcPct val="150000"/>
+              </a:lnSpc>
+            </a:pPr>
+            <a:r>
+              <a:rPr lang="en-IN" sz="1800" dirty="0"/>
+              <a:t>Docker Containers</a:t>
+            </a:r>
+          </a:p>
+          <a:p>
+            <a:pPr algn="just">
+              <a:lnSpc>
+                <a:spcPct val="150000"/>
+              </a:lnSpc>
+            </a:pPr>
+            <a:r>
+              <a:rPr lang="en-IN" sz="1800" dirty="0"/>
+              <a:t>Containers vs Virtual Machines</a:t>
+            </a:r>
+          </a:p>
+          <a:p>
+            <a:pPr algn="just">
+              <a:lnSpc>
+                <a:spcPct val="150000"/>
+              </a:lnSpc>
+            </a:pPr>
+            <a:r>
+              <a:rPr lang="en-IN" sz="1800" dirty="0"/>
+              <a:t>Overall Docker System Visualization and Architecture</a:t>
+            </a:r>
+          </a:p>
+          <a:p>
+            <a:pPr algn="just">
+              <a:lnSpc>
+                <a:spcPct val="150000"/>
+              </a:lnSpc>
+            </a:pPr>
+            <a:r>
+              <a:rPr lang="en-IN" sz="1800" dirty="0"/>
+              <a:t>Why is Docker so popular</a:t>
+            </a:r>
+          </a:p>
+          <a:p>
+            <a:pPr algn="just">
+              <a:lnSpc>
+                <a:spcPct val="150000"/>
+              </a:lnSpc>
+            </a:pPr>
+            <a:r>
+              <a:rPr lang="en-IN" sz="1800" dirty="0"/>
+              <a:t>Terminologies &amp; Commands </a:t>
+            </a:r>
+          </a:p>
+          <a:p>
+            <a:endParaRPr lang="en-IN" dirty="0"/>
+          </a:p>
+          <a:p>
+            <a:pPr marL="0" indent="0">
+              <a:buNone/>
+            </a:pPr>
+            <a:endParaRPr lang="en-IN" dirty="0"/>
+          </a:p>
+          <a:p>
+            <a:endParaRPr lang="en-IN" dirty="0"/>
+          </a:p>
+        </p:txBody>
+      </p:sp>
+      <p:sp>
+        <p:nvSpPr>
+          <p:cNvPr id="5" name="TextBox 4">
+            <a:extLst>
+              <a:ext uri="{FF2B5EF4-FFF2-40B4-BE49-F238E27FC236}">
+                <a16:creationId xmlns:a16="http://schemas.microsoft.com/office/drawing/2014/main" id="{23A41CCB-3CAF-4271-BDE6-18A5348F0B45}"/>
+              </a:ext>
+            </a:extLst>
+          </p:cNvPr>
+          <p:cNvSpPr txBox="1"/>
+          <p:nvPr/>
+        </p:nvSpPr>
+        <p:spPr>
+          <a:xfrm>
+            <a:off x="547136" y="2047604"/>
+            <a:ext cx="3844212" cy="400110"/>
+          </a:xfrm>
+          <a:prstGeom prst="rect">
+            <a:avLst/>
+          </a:prstGeom>
+          <a:noFill/>
+        </p:spPr>
+        <p:txBody>
+          <a:bodyPr wrap="square" rtlCol="0">
+            <a:spAutoFit/>
+          </a:bodyPr>
+          <a:lstStyle/>
+          <a:p>
+            <a:r>
+              <a:rPr lang="en-IN" sz="2000" b="1" dirty="0">
+                <a:solidFill>
+                  <a:schemeClr val="bg1"/>
+                </a:solidFill>
+              </a:rPr>
+              <a:t>Today We’ll Learn :</a:t>
+            </a:r>
+          </a:p>
+        </p:txBody>
+      </p:sp>
+      <p:pic>
+        <p:nvPicPr>
+          <p:cNvPr id="1026" name="Picture 2" descr="Box Icons – Free Vector Download, PNG, SVG, GIF">
+            <a:extLst>
+              <a:ext uri="{FF2B5EF4-FFF2-40B4-BE49-F238E27FC236}">
+                <a16:creationId xmlns:a16="http://schemas.microsoft.com/office/drawing/2014/main" id="{780BD2D5-2DC8-4F5E-A6CE-5AABEEE3EE68}"/>
+              </a:ext>
+            </a:extLst>
+          </p:cNvPr>
+          <p:cNvPicPr>
+            <a:picLocks noChangeAspect="1" noChangeArrowheads="1"/>
+          </p:cNvPicPr>
+          <p:nvPr/>
+        </p:nvPicPr>
+        <p:blipFill>
+          <a:blip r:embed="rId2">
+            <a:extLst>
+              <a:ext uri="{28A0092B-C50C-407E-A947-70E740481C1C}">
+                <a14:useLocalDpi xmlns:a14="http://schemas.microsoft.com/office/drawing/2010/main" val="0"/>
+              </a:ext>
+            </a:extLst>
+          </a:blip>
+          <a:srcRect/>
+          <a:stretch>
+            <a:fillRect/>
+          </a:stretch>
+        </p:blipFill>
+        <p:spPr bwMode="auto">
+          <a:xfrm>
+            <a:off x="10688900" y="312630"/>
+            <a:ext cx="1039290" cy="1039290"/>
+          </a:xfrm>
+          <a:prstGeom prst="rect">
+            <a:avLst/>
+          </a:prstGeom>
+          <a:noFill/>
+          <a:extLst>
+            <a:ext uri="{909E8E84-426E-40DD-AFC4-6F175D3DCCD1}">
+              <a14:hiddenFill xmlns:a14="http://schemas.microsoft.com/office/drawing/2010/main">
+                <a:solidFill>
+                  <a:srgbClr val="FFFFFF"/>
+                </a:solidFill>
+              </a14:hiddenFill>
+            </a:ext>
+          </a:extLst>
+        </p:spPr>
+      </p:pic>
+      <p:sp>
+        <p:nvSpPr>
+          <p:cNvPr id="7" name="Text Placeholder 3">
+            <a:extLst>
+              <a:ext uri="{FF2B5EF4-FFF2-40B4-BE49-F238E27FC236}">
+                <a16:creationId xmlns:a16="http://schemas.microsoft.com/office/drawing/2014/main" id="{68FD076A-6B56-4331-8315-CCC1F6F07246}"/>
+              </a:ext>
+            </a:extLst>
+          </p:cNvPr>
+          <p:cNvSpPr txBox="1">
+            <a:spLocks/>
+          </p:cNvSpPr>
+          <p:nvPr/>
+        </p:nvSpPr>
+        <p:spPr>
+          <a:xfrm>
+            <a:off x="5413184" y="2657320"/>
+            <a:ext cx="3721486" cy="3695075"/>
+          </a:xfrm>
+          <a:prstGeom prst="rect">
+            <a:avLst/>
+          </a:prstGeom>
+        </p:spPr>
+        <p:txBody>
+          <a:bodyPr vert="horz" lIns="91440" tIns="45720" rIns="91440" bIns="45720" rtlCol="0">
+            <a:noAutofit/>
+          </a:bodyPr>
+          <a:lstStyle>
+            <a:lvl1pPr marL="228600" indent="-228600" algn="l" defTabSz="914400" rtl="0" eaLnBrk="1" latinLnBrk="0" hangingPunct="1">
+              <a:lnSpc>
+                <a:spcPct val="100000"/>
+              </a:lnSpc>
+              <a:spcBef>
+                <a:spcPts val="600"/>
+              </a:spcBef>
+              <a:spcAft>
+                <a:spcPts val="400"/>
+              </a:spcAft>
+              <a:buClr>
+                <a:schemeClr val="accent2"/>
+              </a:buClr>
+              <a:buFont typeface="Arial" panose="020B0604020202020204" pitchFamily="34" charset="0"/>
+              <a:buChar char="•"/>
+              <a:defRPr sz="1600" kern="1200">
+                <a:solidFill>
+                  <a:schemeClr val="bg1"/>
+                </a:solidFill>
+                <a:latin typeface="+mn-lt"/>
+                <a:ea typeface="+mn-ea"/>
+                <a:cs typeface="Arial" panose="020B0604020202020204" pitchFamily="34" charset="0"/>
+              </a:defRPr>
+            </a:lvl1pPr>
+            <a:lvl2pPr marL="685800" indent="-228600" algn="l" defTabSz="914400" rtl="0" eaLnBrk="1" latinLnBrk="0" hangingPunct="1">
+              <a:lnSpc>
+                <a:spcPct val="100000"/>
+              </a:lnSpc>
+              <a:spcBef>
+                <a:spcPts val="600"/>
+              </a:spcBef>
+              <a:spcAft>
+                <a:spcPts val="400"/>
+              </a:spcAft>
+              <a:buClr>
+                <a:schemeClr val="accent2"/>
+              </a:buClr>
+              <a:buFont typeface="Arial" panose="020B0604020202020204" pitchFamily="34" charset="0"/>
+              <a:buChar char="•"/>
+              <a:defRPr sz="1400" kern="1200">
+                <a:solidFill>
+                  <a:schemeClr val="bg1"/>
+                </a:solidFill>
+                <a:latin typeface="+mn-lt"/>
+                <a:ea typeface="+mn-ea"/>
+                <a:cs typeface="Arial" panose="020B0604020202020204" pitchFamily="34" charset="0"/>
+              </a:defRPr>
+            </a:lvl2pPr>
+            <a:lvl3pPr marL="1143000" indent="-228600" algn="l" defTabSz="914400" rtl="0" eaLnBrk="1" latinLnBrk="0" hangingPunct="1">
+              <a:lnSpc>
+                <a:spcPct val="100000"/>
+              </a:lnSpc>
+              <a:spcBef>
+                <a:spcPts val="600"/>
+              </a:spcBef>
+              <a:spcAft>
+                <a:spcPts val="400"/>
+              </a:spcAft>
+              <a:buClr>
+                <a:schemeClr val="accent2"/>
+              </a:buClr>
+              <a:buFont typeface="Arial" panose="020B0604020202020204" pitchFamily="34" charset="0"/>
+              <a:buChar char="•"/>
+              <a:defRPr sz="1200" kern="1200">
+                <a:solidFill>
+                  <a:schemeClr val="bg1"/>
+                </a:solidFill>
+                <a:latin typeface="+mn-lt"/>
+                <a:ea typeface="+mn-ea"/>
+                <a:cs typeface="Arial" panose="020B0604020202020204" pitchFamily="34" charset="0"/>
+              </a:defRPr>
+            </a:lvl3pPr>
+            <a:lvl4pPr marL="1600200" indent="-228600" algn="l" defTabSz="914400" rtl="0" eaLnBrk="1" latinLnBrk="0" hangingPunct="1">
+              <a:lnSpc>
+                <a:spcPct val="90000"/>
+              </a:lnSpc>
+              <a:spcBef>
+                <a:spcPts val="500"/>
+              </a:spcBef>
+              <a:buClr>
+                <a:schemeClr val="accent2"/>
+              </a:buClr>
+              <a:buFont typeface="Arial" panose="020B0604020202020204" pitchFamily="34" charset="0"/>
+              <a:buChar char="•"/>
+              <a:defRPr sz="1400" kern="1200">
+                <a:solidFill>
+                  <a:schemeClr val="bg1"/>
+                </a:solidFill>
+                <a:latin typeface="Arial" panose="020B0604020202020204" pitchFamily="34" charset="0"/>
+                <a:ea typeface="+mn-ea"/>
+                <a:cs typeface="Arial" panose="020B0604020202020204" pitchFamily="34" charset="0"/>
+              </a:defRPr>
+            </a:lvl4pPr>
+            <a:lvl5pPr marL="2057400" indent="-228600" algn="l" defTabSz="914400" rtl="0" eaLnBrk="1" latinLnBrk="0" hangingPunct="1">
+              <a:lnSpc>
+                <a:spcPct val="90000"/>
+              </a:lnSpc>
+              <a:spcBef>
+                <a:spcPts val="500"/>
+              </a:spcBef>
+              <a:buClr>
+                <a:schemeClr val="accent2"/>
+              </a:buClr>
+              <a:buFont typeface="Arial" panose="020B0604020202020204" pitchFamily="34" charset="0"/>
+              <a:buChar char="•"/>
+              <a:defRPr sz="1400" kern="1200">
+                <a:solidFill>
+                  <a:schemeClr val="bg1"/>
+                </a:solidFill>
+                <a:latin typeface="Arial" panose="020B0604020202020204" pitchFamily="34" charset="0"/>
+                <a:ea typeface="+mn-ea"/>
+                <a:cs typeface="Arial" panose="020B0604020202020204" pitchFamily="34" charset="0"/>
+              </a:defRPr>
+            </a:lvl5pPr>
+            <a:lvl6pPr marL="2514600" indent="-228600" algn="l" defTabSz="914400" rtl="0" eaLnBrk="1" latinLnBrk="0" hangingPunct="1">
+              <a:lnSpc>
+                <a:spcPct val="90000"/>
+              </a:lnSpc>
+              <a:spcBef>
+                <a:spcPts val="500"/>
+              </a:spcBef>
+              <a:buFont typeface="Arial" panose="020B0604020202020204" pitchFamily="34" charset="0"/>
+              <a:buChar char="•"/>
+              <a:defRPr sz="1800" kern="1200">
+                <a:solidFill>
+                  <a:schemeClr val="tx1"/>
+                </a:solidFill>
+                <a:latin typeface="+mn-lt"/>
+                <a:ea typeface="+mn-ea"/>
+                <a:cs typeface="+mn-cs"/>
+              </a:defRPr>
+            </a:lvl6pPr>
+            <a:lvl7pPr marL="2971800" indent="-228600" algn="l" defTabSz="914400" rtl="0" eaLnBrk="1" latinLnBrk="0" hangingPunct="1">
+              <a:lnSpc>
+                <a:spcPct val="90000"/>
+              </a:lnSpc>
+              <a:spcBef>
+                <a:spcPts val="500"/>
+              </a:spcBef>
+              <a:buFont typeface="Arial" panose="020B0604020202020204" pitchFamily="34" charset="0"/>
+              <a:buChar char="•"/>
+              <a:defRPr sz="1800" kern="1200">
+                <a:solidFill>
+                  <a:schemeClr val="tx1"/>
+                </a:solidFill>
+                <a:latin typeface="+mn-lt"/>
+                <a:ea typeface="+mn-ea"/>
+                <a:cs typeface="+mn-cs"/>
+              </a:defRPr>
+            </a:lvl7pPr>
+            <a:lvl8pPr marL="3429000" indent="-228600" algn="l" defTabSz="914400" rtl="0" eaLnBrk="1" latinLnBrk="0" hangingPunct="1">
+              <a:lnSpc>
+                <a:spcPct val="90000"/>
+              </a:lnSpc>
+              <a:spcBef>
+                <a:spcPts val="500"/>
+              </a:spcBef>
+              <a:buFont typeface="Arial" panose="020B0604020202020204" pitchFamily="34" charset="0"/>
+              <a:buChar char="•"/>
+              <a:defRPr sz="1800" kern="1200">
+                <a:solidFill>
+                  <a:schemeClr val="tx1"/>
+                </a:solidFill>
+                <a:latin typeface="+mn-lt"/>
+                <a:ea typeface="+mn-ea"/>
+                <a:cs typeface="+mn-cs"/>
+              </a:defRPr>
+            </a:lvl8pPr>
+            <a:lvl9pPr marL="3886200" indent="-228600" algn="l" defTabSz="914400" rtl="0" eaLnBrk="1" latinLnBrk="0" hangingPunct="1">
+              <a:lnSpc>
+                <a:spcPct val="90000"/>
+              </a:lnSpc>
+              <a:spcBef>
+                <a:spcPts val="500"/>
+              </a:spcBef>
+              <a:buFont typeface="Arial" panose="020B0604020202020204" pitchFamily="34" charset="0"/>
+              <a:buChar char="•"/>
+              <a:defRPr sz="1800" kern="1200">
+                <a:solidFill>
+                  <a:schemeClr val="tx1"/>
+                </a:solidFill>
+                <a:latin typeface="+mn-lt"/>
+                <a:ea typeface="+mn-ea"/>
+                <a:cs typeface="+mn-cs"/>
+              </a:defRPr>
+            </a:lvl9pPr>
+          </a:lstStyle>
+          <a:p>
+            <a:pPr algn="just">
+              <a:lnSpc>
+                <a:spcPct val="150000"/>
+              </a:lnSpc>
+            </a:pPr>
+            <a:r>
+              <a:rPr lang="en-IN" sz="1800" dirty="0" err="1"/>
+              <a:t>Dockerfile</a:t>
+            </a:r>
+            <a:r>
+              <a:rPr lang="en-IN" sz="1800" dirty="0"/>
+              <a:t> and it’s Instructions</a:t>
+            </a:r>
+          </a:p>
+          <a:p>
+            <a:pPr algn="just">
+              <a:lnSpc>
+                <a:spcPct val="150000"/>
+              </a:lnSpc>
+            </a:pPr>
+            <a:r>
+              <a:rPr lang="en-IN" sz="1800" dirty="0"/>
+              <a:t>Docker Build &amp; Docker Run with examples</a:t>
+            </a:r>
+          </a:p>
+          <a:p>
+            <a:pPr algn="just">
+              <a:lnSpc>
+                <a:spcPct val="150000"/>
+              </a:lnSpc>
+            </a:pPr>
+            <a:r>
+              <a:rPr lang="en-IN" sz="1800" dirty="0"/>
+              <a:t>Docker Volumes</a:t>
+            </a:r>
+          </a:p>
+          <a:p>
+            <a:pPr algn="just">
+              <a:lnSpc>
+                <a:spcPct val="150000"/>
+              </a:lnSpc>
+            </a:pPr>
+            <a:r>
+              <a:rPr lang="en-IN" sz="1800" dirty="0"/>
+              <a:t>Port Mapping</a:t>
+            </a:r>
+          </a:p>
+          <a:p>
+            <a:pPr algn="just">
+              <a:lnSpc>
+                <a:spcPct val="150000"/>
+              </a:lnSpc>
+            </a:pPr>
+            <a:r>
+              <a:rPr lang="en-IN" sz="1800" dirty="0"/>
+              <a:t>Docker Save &amp; Load</a:t>
+            </a:r>
+          </a:p>
+          <a:p>
+            <a:pPr algn="just">
+              <a:lnSpc>
+                <a:spcPct val="150000"/>
+              </a:lnSpc>
+            </a:pPr>
+            <a:r>
+              <a:rPr lang="en-IN" sz="1800" dirty="0"/>
+              <a:t>Hands On…</a:t>
+            </a:r>
+          </a:p>
+          <a:p>
+            <a:endParaRPr lang="en-IN" dirty="0"/>
+          </a:p>
+          <a:p>
+            <a:endParaRPr lang="en-IN" dirty="0"/>
+          </a:p>
+          <a:p>
+            <a:endParaRPr lang="en-IN" dirty="0"/>
+          </a:p>
+          <a:p>
+            <a:endParaRPr lang="en-IN" dirty="0"/>
+          </a:p>
+        </p:txBody>
+      </p:sp>
+    </p:spTree>
+    <p:extLst>
+      <p:ext uri="{BB962C8B-B14F-4D97-AF65-F5344CB8AC3E}">
+        <p14:creationId xmlns:p14="http://schemas.microsoft.com/office/powerpoint/2010/main" val="2087485272"/>
+      </p:ext>
+    </p:extLst>
+  </p:cSld>
+  <p:clrMapOvr>
+    <a:masterClrMapping/>
+  </p:clrMapOvr>
+  <mc:AlternateContent xmlns:mc="http://schemas.openxmlformats.org/markup-compatibility/2006" xmlns:p14="http://schemas.microsoft.com/office/powerpoint/2010/main">
+    <mc:Choice Requires="p14">
+      <p:transition spd="med" p14:dur="700">
+        <p:fade/>
+      </p:transition>
+    </mc:Choice>
+    <mc:Fallback xmlns="">
+      <p:transition spd="med">
+        <p:fade/>
+      </p:transition>
+    </mc:Fallback>
+  </mc:AlternateContent>
+</p:sld>
+</file>
+
+<file path=ppt/slides/slide20.xml><?xml version="1.0" encoding="utf-8"?>
 <p:sld xmlns:a="http://schemas.openxmlformats.org/drawingml/2006/main" xmlns:r="http://schemas.openxmlformats.org/officeDocument/2006/relationships" xmlns:p="http://schemas.openxmlformats.org/presentationml/2006/main">
   <p:cSld>
     <p:spTree>
@@ -29680,7 +30395,7 @@
             <a:fld id="{C263D6C4-4840-40CC-AC84-17E24B3B7BDE}" type="slidenum">
               <a:rPr lang="en-US" smtClean="0"/>
               <a:pPr/>
-              <a:t>19</a:t>
+              <a:t>20</a:t>
             </a:fld>
             <a:endParaRPr lang="en-US" dirty="0"/>
           </a:p>
@@ -29711,7 +30426,7 @@
 </p:sld>
 </file>
 
-<file path=ppt/slides/slide2.xml><?xml version="1.0" encoding="utf-8"?>
+<file path=ppt/slides/slide21.xml><?xml version="1.0" encoding="utf-8"?>
 <p:sld xmlns:a="http://schemas.openxmlformats.org/drawingml/2006/main" xmlns:r="http://schemas.openxmlformats.org/officeDocument/2006/relationships" xmlns:p="http://schemas.openxmlformats.org/presentationml/2006/main">
   <p:cSld>
     <p:spTree>
@@ -29733,7 +30448,7 @@
           <p:cNvPr id="2" name="Title 1">
             <a:extLst>
               <a:ext uri="{FF2B5EF4-FFF2-40B4-BE49-F238E27FC236}">
-                <a16:creationId xmlns:a16="http://schemas.microsoft.com/office/drawing/2014/main" id="{49E64E99-7290-4280-B414-459FAE1A7120}"/>
+                <a16:creationId xmlns:a16="http://schemas.microsoft.com/office/drawing/2014/main" id="{7B00DB20-C9D9-4375-A8E4-ECABFC1E2564}"/>
               </a:ext>
             </a:extLst>
           </p:cNvPr>
@@ -29751,7 +30466,7 @@
           <a:p>
             <a:r>
               <a:rPr lang="en-IN" dirty="0"/>
-              <a:t>What is in the Box for me Today?</a:t>
+              <a:t>How to Share/Persist Data OR What if Container Dies ?</a:t>
             </a:r>
           </a:p>
         </p:txBody>
@@ -29761,7 +30476,7 @@
           <p:cNvPr id="3" name="Slide Number Placeholder 2">
             <a:extLst>
               <a:ext uri="{FF2B5EF4-FFF2-40B4-BE49-F238E27FC236}">
-                <a16:creationId xmlns:a16="http://schemas.microsoft.com/office/drawing/2014/main" id="{E1EDE621-46EB-47DE-92C7-BC9A83A8BFAF}"/>
+                <a16:creationId xmlns:a16="http://schemas.microsoft.com/office/drawing/2014/main" id="{AAB59373-F31A-46C4-A9D6-2B1BFD8BBD99}"/>
               </a:ext>
             </a:extLst>
           </p:cNvPr>
@@ -29780,308 +30495,7 @@
             <a:fld id="{C263D6C4-4840-40CC-AC84-17E24B3B7BDE}" type="slidenum">
               <a:rPr lang="en-US" noProof="0" smtClean="0"/>
               <a:pPr/>
-              <a:t>2</a:t>
-            </a:fld>
-            <a:endParaRPr lang="en-US" noProof="0" dirty="0"/>
-          </a:p>
-        </p:txBody>
-      </p:sp>
-      <p:sp>
-        <p:nvSpPr>
-          <p:cNvPr id="4" name="Text Placeholder 3">
-            <a:extLst>
-              <a:ext uri="{FF2B5EF4-FFF2-40B4-BE49-F238E27FC236}">
-                <a16:creationId xmlns:a16="http://schemas.microsoft.com/office/drawing/2014/main" id="{09180970-2B4C-45B2-A331-0AB1F7902355}"/>
-              </a:ext>
-            </a:extLst>
-          </p:cNvPr>
-          <p:cNvSpPr>
-            <a:spLocks noGrp="1"/>
-          </p:cNvSpPr>
-          <p:nvPr>
-            <p:ph type="body" sz="quarter" idx="13"/>
-          </p:nvPr>
-        </p:nvSpPr>
-        <p:spPr>
-          <a:xfrm>
-            <a:off x="752410" y="1625384"/>
-            <a:ext cx="6718300" cy="4532819"/>
-          </a:xfrm>
-        </p:spPr>
-        <p:txBody>
-          <a:bodyPr/>
-          <a:lstStyle/>
-          <a:p>
-            <a:r>
-              <a:rPr lang="en-IN" sz="1800" dirty="0"/>
-              <a:t>The What, Why and Where of Docker</a:t>
-            </a:r>
-          </a:p>
-          <a:p>
-            <a:r>
-              <a:rPr lang="en-IN" sz="1800" dirty="0"/>
-              <a:t>What are Containers and why have they become so mainstream</a:t>
-            </a:r>
-          </a:p>
-          <a:p>
-            <a:r>
-              <a:rPr lang="en-IN" sz="1800" dirty="0"/>
-              <a:t>Containers vs Virtual Machines</a:t>
-            </a:r>
-          </a:p>
-          <a:p>
-            <a:r>
-              <a:rPr lang="en-IN" sz="1800" dirty="0"/>
-              <a:t>Overall Docker System Visualization and Architecture</a:t>
-            </a:r>
-          </a:p>
-          <a:p>
-            <a:r>
-              <a:rPr lang="en-IN" sz="1800" dirty="0"/>
-              <a:t>Why is Docker so popular</a:t>
-            </a:r>
-          </a:p>
-          <a:p>
-            <a:r>
-              <a:rPr lang="en-IN" sz="1800" dirty="0"/>
-              <a:t>Terminologies &amp; Commands </a:t>
-            </a:r>
-          </a:p>
-          <a:p>
-            <a:r>
-              <a:rPr lang="en-IN" sz="1800" dirty="0" err="1"/>
-              <a:t>Dockerfile</a:t>
-            </a:r>
-            <a:r>
-              <a:rPr lang="en-IN" sz="1800" dirty="0"/>
-              <a:t> and it’s Instructions</a:t>
-            </a:r>
-          </a:p>
-          <a:p>
-            <a:r>
-              <a:rPr lang="en-IN" sz="1800" dirty="0"/>
-              <a:t>Docker Build &amp; Docker Run with examples</a:t>
-            </a:r>
-          </a:p>
-          <a:p>
-            <a:r>
-              <a:rPr lang="en-IN" sz="1800" dirty="0"/>
-              <a:t>Docker Volumes</a:t>
-            </a:r>
-          </a:p>
-          <a:p>
-            <a:r>
-              <a:rPr lang="en-IN" sz="1800" dirty="0"/>
-              <a:t>Port Mapping</a:t>
-            </a:r>
-          </a:p>
-          <a:p>
-            <a:r>
-              <a:rPr lang="en-IN" sz="1800" dirty="0"/>
-              <a:t>Docker Save &amp; Load</a:t>
-            </a:r>
-          </a:p>
-          <a:p>
-            <a:r>
-              <a:rPr lang="en-IN" sz="1800" dirty="0"/>
-              <a:t>Hands On…</a:t>
-            </a:r>
-          </a:p>
-          <a:p>
-            <a:endParaRPr lang="en-IN" dirty="0"/>
-          </a:p>
-          <a:p>
-            <a:endParaRPr lang="en-IN" dirty="0"/>
-          </a:p>
-          <a:p>
-            <a:endParaRPr lang="en-IN" dirty="0"/>
-          </a:p>
-          <a:p>
-            <a:endParaRPr lang="en-IN" dirty="0"/>
-          </a:p>
-        </p:txBody>
-      </p:sp>
-      <p:sp>
-        <p:nvSpPr>
-          <p:cNvPr id="5" name="TextBox 4">
-            <a:extLst>
-              <a:ext uri="{FF2B5EF4-FFF2-40B4-BE49-F238E27FC236}">
-                <a16:creationId xmlns:a16="http://schemas.microsoft.com/office/drawing/2014/main" id="{23A41CCB-3CAF-4271-BDE6-18A5348F0B45}"/>
-              </a:ext>
-            </a:extLst>
-          </p:cNvPr>
-          <p:cNvSpPr txBox="1"/>
-          <p:nvPr/>
-        </p:nvSpPr>
-        <p:spPr>
-          <a:xfrm>
-            <a:off x="472622" y="1151865"/>
-            <a:ext cx="3844212" cy="400110"/>
-          </a:xfrm>
-          <a:prstGeom prst="rect">
-            <a:avLst/>
-          </a:prstGeom>
-          <a:noFill/>
-        </p:spPr>
-        <p:txBody>
-          <a:bodyPr wrap="square" rtlCol="0">
-            <a:spAutoFit/>
-          </a:bodyPr>
-          <a:lstStyle/>
-          <a:p>
-            <a:r>
-              <a:rPr lang="en-IN" sz="2000" dirty="0">
-                <a:solidFill>
-                  <a:schemeClr val="bg1"/>
-                </a:solidFill>
-              </a:rPr>
-              <a:t>Today We’ll Learn :</a:t>
-            </a:r>
-          </a:p>
-        </p:txBody>
-      </p:sp>
-      <p:pic>
-        <p:nvPicPr>
-          <p:cNvPr id="1026" name="Picture 2" descr="Box Icons – Free Vector Download, PNG, SVG, GIF">
-            <a:extLst>
-              <a:ext uri="{FF2B5EF4-FFF2-40B4-BE49-F238E27FC236}">
-                <a16:creationId xmlns:a16="http://schemas.microsoft.com/office/drawing/2014/main" id="{780BD2D5-2DC8-4F5E-A6CE-5AABEEE3EE68}"/>
-              </a:ext>
-            </a:extLst>
-          </p:cNvPr>
-          <p:cNvPicPr>
-            <a:picLocks noChangeAspect="1" noChangeArrowheads="1"/>
-          </p:cNvPicPr>
-          <p:nvPr/>
-        </p:nvPicPr>
-        <p:blipFill>
-          <a:blip r:embed="rId2">
-            <a:extLst>
-              <a:ext uri="{28A0092B-C50C-407E-A947-70E740481C1C}">
-                <a14:useLocalDpi xmlns:a14="http://schemas.microsoft.com/office/drawing/2010/main" val="0"/>
-              </a:ext>
-            </a:extLst>
-          </a:blip>
-          <a:srcRect/>
-          <a:stretch>
-            <a:fillRect/>
-          </a:stretch>
-        </p:blipFill>
-        <p:spPr bwMode="auto">
-          <a:xfrm>
-            <a:off x="10688900" y="312630"/>
-            <a:ext cx="1039290" cy="1039290"/>
-          </a:xfrm>
-          <a:prstGeom prst="rect">
-            <a:avLst/>
-          </a:prstGeom>
-          <a:noFill/>
-          <a:extLst>
-            <a:ext uri="{909E8E84-426E-40DD-AFC4-6F175D3DCCD1}">
-              <a14:hiddenFill xmlns:a14="http://schemas.microsoft.com/office/drawing/2010/main">
-                <a:solidFill>
-                  <a:srgbClr val="FFFFFF"/>
-                </a:solidFill>
-              </a14:hiddenFill>
-            </a:ext>
-          </a:extLst>
-        </p:spPr>
-      </p:pic>
-    </p:spTree>
-    <p:extLst>
-      <p:ext uri="{BB962C8B-B14F-4D97-AF65-F5344CB8AC3E}">
-        <p14:creationId xmlns:p14="http://schemas.microsoft.com/office/powerpoint/2010/main" val="2087485272"/>
-      </p:ext>
-    </p:extLst>
-  </p:cSld>
-  <p:clrMapOvr>
-    <a:masterClrMapping/>
-  </p:clrMapOvr>
-  <mc:AlternateContent xmlns:mc="http://schemas.openxmlformats.org/markup-compatibility/2006">
-    <mc:Choice xmlns:p14="http://schemas.microsoft.com/office/powerpoint/2010/main" Requires="p14">
-      <p:transition spd="med" p14:dur="700">
-        <p:fade/>
-      </p:transition>
-    </mc:Choice>
-    <mc:Fallback>
-      <p:transition spd="med">
-        <p:fade/>
-      </p:transition>
-    </mc:Fallback>
-  </mc:AlternateContent>
-</p:sld>
-</file>
-
-<file path=ppt/slides/slide20.xml><?xml version="1.0" encoding="utf-8"?>
-<p:sld xmlns:a="http://schemas.openxmlformats.org/drawingml/2006/main" xmlns:r="http://schemas.openxmlformats.org/officeDocument/2006/relationships" xmlns:p="http://schemas.openxmlformats.org/presentationml/2006/main">
-  <p:cSld>
-    <p:spTree>
-      <p:nvGrpSpPr>
-        <p:cNvPr id="1" name=""/>
-        <p:cNvGrpSpPr/>
-        <p:nvPr/>
-      </p:nvGrpSpPr>
-      <p:grpSpPr>
-        <a:xfrm>
-          <a:off x="0" y="0"/>
-          <a:ext cx="0" cy="0"/>
-          <a:chOff x="0" y="0"/>
-          <a:chExt cx="0" cy="0"/>
-        </a:xfrm>
-      </p:grpSpPr>
-      <p:sp>
-        <p:nvSpPr>
-          <p:cNvPr id="2" name="Title 1">
-            <a:extLst>
-              <a:ext uri="{FF2B5EF4-FFF2-40B4-BE49-F238E27FC236}">
-                <a16:creationId xmlns:a16="http://schemas.microsoft.com/office/drawing/2014/main" id="{7B00DB20-C9D9-4375-A8E4-ECABFC1E2564}"/>
-              </a:ext>
-            </a:extLst>
-          </p:cNvPr>
-          <p:cNvSpPr>
-            <a:spLocks noGrp="1"/>
-          </p:cNvSpPr>
-          <p:nvPr>
-            <p:ph type="title"/>
-          </p:nvPr>
-        </p:nvSpPr>
-        <p:spPr/>
-        <p:txBody>
-          <a:bodyPr/>
-          <a:lstStyle/>
-          <a:p>
-            <a:r>
-              <a:rPr lang="en-IN" dirty="0"/>
-              <a:t>How to Share/Persist Data OR What if Container Dies ?</a:t>
-            </a:r>
-          </a:p>
-        </p:txBody>
-      </p:sp>
-      <p:sp>
-        <p:nvSpPr>
-          <p:cNvPr id="3" name="Slide Number Placeholder 2">
-            <a:extLst>
-              <a:ext uri="{FF2B5EF4-FFF2-40B4-BE49-F238E27FC236}">
-                <a16:creationId xmlns:a16="http://schemas.microsoft.com/office/drawing/2014/main" id="{AAB59373-F31A-46C4-A9D6-2B1BFD8BBD99}"/>
-              </a:ext>
-            </a:extLst>
-          </p:cNvPr>
-          <p:cNvSpPr>
-            <a:spLocks noGrp="1"/>
-          </p:cNvSpPr>
-          <p:nvPr>
-            <p:ph type="sldNum" sz="quarter" idx="12"/>
-          </p:nvPr>
-        </p:nvSpPr>
-        <p:spPr/>
-        <p:txBody>
-          <a:bodyPr/>
-          <a:lstStyle/>
-          <a:p>
-            <a:fld id="{C263D6C4-4840-40CC-AC84-17E24B3B7BDE}" type="slidenum">
-              <a:rPr lang="en-US" noProof="0" smtClean="0"/>
-              <a:pPr/>
-              <a:t>20</a:t>
+              <a:t>21</a:t>
             </a:fld>
             <a:endParaRPr lang="en-US" noProof="0" dirty="0"/>
           </a:p>
@@ -30113,6 +30527,11 @@
           <a:bodyPr/>
           <a:lstStyle/>
           <a:p>
+            <a:pPr algn="just">
+              <a:lnSpc>
+                <a:spcPct val="150000"/>
+              </a:lnSpc>
+            </a:pPr>
             <a:r>
               <a:rPr lang="en-US" sz="1800" b="1" dirty="0">
                 <a:solidFill>
@@ -30158,12 +30577,22 @@
             </a:r>
           </a:p>
           <a:p>
+            <a:pPr algn="just">
+              <a:lnSpc>
+                <a:spcPct val="150000"/>
+              </a:lnSpc>
+            </a:pPr>
             <a:r>
               <a:rPr lang="en-US" sz="1800" dirty="0"/>
               <a:t>Volumes mount a directory on the host into the container at a specific location.</a:t>
             </a:r>
           </a:p>
           <a:p>
+            <a:pPr algn="just">
+              <a:lnSpc>
+                <a:spcPct val="150000"/>
+              </a:lnSpc>
+            </a:pPr>
             <a:r>
               <a:rPr lang="en-US" sz="1800" dirty="0"/>
               <a:t>Enables Developer to Share/Persist Container Data even If Container is Lost or Stopped.</a:t>
@@ -30176,6 +30605,11 @@
             </a:endParaRPr>
           </a:p>
           <a:p>
+            <a:pPr algn="just">
+              <a:lnSpc>
+                <a:spcPct val="150000"/>
+              </a:lnSpc>
+            </a:pPr>
             <a:r>
               <a:rPr lang="en-US" sz="1800" dirty="0"/>
               <a:t>E</a:t>
@@ -30191,17 +30625,11 @@
             </a:r>
           </a:p>
           <a:p>
-            <a:r>
-              <a:rPr lang="en-US" sz="1800" i="0" dirty="0">
-                <a:solidFill>
-                  <a:schemeClr val="bg1"/>
-                </a:solidFill>
-                <a:effectLst/>
-              </a:rPr>
-              <a:t>Can be managed using Docker CLI commands or the Docker API.</a:t>
-            </a:r>
-          </a:p>
-          <a:p>
+            <a:pPr algn="just">
+              <a:lnSpc>
+                <a:spcPct val="150000"/>
+              </a:lnSpc>
+            </a:pPr>
             <a:r>
               <a:rPr lang="en-US" sz="1800" i="0" dirty="0">
                 <a:solidFill>
@@ -30213,20 +30641,14 @@
             </a:r>
           </a:p>
           <a:p>
-            <a:r>
-              <a:rPr lang="en-US" sz="1800" i="0" dirty="0">
-                <a:solidFill>
-                  <a:schemeClr val="bg1"/>
-                </a:solidFill>
-                <a:effectLst/>
-              </a:rPr>
-              <a:t>New volumes can have their content pre-populated by a container.</a:t>
-            </a:r>
-          </a:p>
-          <a:p>
+            <a:pPr algn="just">
+              <a:lnSpc>
+                <a:spcPct val="150000"/>
+              </a:lnSpc>
+            </a:pPr>
             <a:r>
               <a:rPr lang="en-US" sz="1800" dirty="0"/>
-              <a:t>In addition, volumes are often a better choice than persisting data in a container’s writable layer, because a volume does not increase the size of the containers using it, and the volume’s contents exist outside the lifecycle of a given container.</a:t>
+              <a:t>Does not increase the size of the containers as the contents exist outside the lifecycle of the given container.</a:t>
             </a:r>
             <a:endParaRPr lang="en-IN" sz="1800" dirty="0"/>
           </a:p>
@@ -30304,7 +30726,7 @@
 </p:sld>
 </file>
 
-<file path=ppt/slides/slide21.xml><?xml version="1.0" encoding="utf-8"?>
+<file path=ppt/slides/slide22.xml><?xml version="1.0" encoding="utf-8"?>
 <p:sld xmlns:a="http://schemas.openxmlformats.org/drawingml/2006/main" xmlns:r="http://schemas.openxmlformats.org/officeDocument/2006/relationships" xmlns:p="http://schemas.openxmlformats.org/presentationml/2006/main">
   <p:cSld>
     <p:spTree>
@@ -30373,7 +30795,7 @@
             <a:fld id="{C263D6C4-4840-40CC-AC84-17E24B3B7BDE}" type="slidenum">
               <a:rPr lang="en-US" noProof="0" smtClean="0"/>
               <a:pPr/>
-              <a:t>21</a:t>
+              <a:t>22</a:t>
             </a:fld>
             <a:endParaRPr lang="en-US" noProof="0" dirty="0"/>
           </a:p>
@@ -30831,7 +31253,7 @@
 </p:sld>
 </file>
 
-<file path=ppt/slides/slide22.xml><?xml version="1.0" encoding="utf-8"?>
+<file path=ppt/slides/slide23.xml><?xml version="1.0" encoding="utf-8"?>
 <p:sld xmlns:a="http://schemas.openxmlformats.org/drawingml/2006/main" xmlns:r="http://schemas.openxmlformats.org/officeDocument/2006/relationships" xmlns:p="http://schemas.openxmlformats.org/presentationml/2006/main">
   <p:cSld>
     <p:spTree>
@@ -30900,7 +31322,7 @@
             <a:fld id="{C263D6C4-4840-40CC-AC84-17E24B3B7BDE}" type="slidenum">
               <a:rPr lang="en-US" noProof="0" smtClean="0"/>
               <a:pPr/>
-              <a:t>22</a:t>
+              <a:t>23</a:t>
             </a:fld>
             <a:endParaRPr lang="en-US" noProof="0" dirty="0"/>
           </a:p>
@@ -30925,19 +31347,21 @@
         <p:spPr>
           <a:xfrm>
             <a:off x="444500" y="1351921"/>
-            <a:ext cx="7915729" cy="2265480"/>
+            <a:ext cx="7281247" cy="2265480"/>
           </a:xfrm>
         </p:spPr>
         <p:txBody>
           <a:bodyPr/>
           <a:lstStyle/>
           <a:p>
+            <a:pPr algn="just"/>
             <a:r>
               <a:rPr lang="en-US" sz="1800" dirty="0"/>
               <a:t>By default, a container does not publish any of its ports to the outside world. </a:t>
             </a:r>
           </a:p>
           <a:p>
+            <a:pPr algn="just"/>
             <a:r>
               <a:rPr lang="en-US" sz="1800" dirty="0"/>
               <a:t>Use the </a:t>
@@ -30960,6 +31384,7 @@
             </a:r>
           </a:p>
           <a:p>
+            <a:pPr algn="just"/>
             <a:r>
               <a:rPr lang="en-US" sz="1800" dirty="0"/>
               <a:t>Above flag creates a firewall rule which maps a container port to a port on the Docker host to the outside world.</a:t>
@@ -31110,7 +31535,7 @@
 </p:sld>
 </file>
 
-<file path=ppt/slides/slide23.xml><?xml version="1.0" encoding="utf-8"?>
+<file path=ppt/slides/slide24.xml><?xml version="1.0" encoding="utf-8"?>
 <p:sld xmlns:a="http://schemas.openxmlformats.org/drawingml/2006/main" xmlns:r="http://schemas.openxmlformats.org/officeDocument/2006/relationships" xmlns:p="http://schemas.openxmlformats.org/presentationml/2006/main">
   <p:cSld>
     <p:spTree>
@@ -31179,7 +31604,7 @@
             <a:fld id="{C263D6C4-4840-40CC-AC84-17E24B3B7BDE}" type="slidenum">
               <a:rPr lang="en-US" noProof="0" smtClean="0"/>
               <a:pPr/>
-              <a:t>23</a:t>
+              <a:t>24</a:t>
             </a:fld>
             <a:endParaRPr lang="en-US" noProof="0" dirty="0"/>
           </a:p>
@@ -31203,14 +31628,15 @@
         </p:nvSpPr>
         <p:spPr>
           <a:xfrm>
-            <a:off x="444500" y="1625386"/>
-            <a:ext cx="4920602" cy="2321464"/>
+            <a:off x="444500" y="1625385"/>
+            <a:ext cx="4920602" cy="3011929"/>
           </a:xfrm>
         </p:spPr>
         <p:txBody>
           <a:bodyPr/>
           <a:lstStyle/>
           <a:p>
+            <a:pPr algn="just"/>
             <a:r>
               <a:rPr lang="en-IN" sz="1800" b="1" dirty="0"/>
               <a:t>Docker Save </a:t>
@@ -31221,9 +31647,17 @@
             </a:r>
           </a:p>
           <a:p>
+            <a:pPr algn="just"/>
             <a:r>
               <a:rPr lang="en-US" sz="1800" dirty="0"/>
-              <a:t>Produces a tarred repository to the standard output stream. Contains all parent layers, and all tags + versions, or specified </a:t>
+              <a:t>Produces a tarred repository to the standard output stream. </a:t>
+            </a:r>
+          </a:p>
+          <a:p>
+            <a:pPr algn="just"/>
+            <a:r>
+              <a:rPr lang="en-US" sz="1800" dirty="0"/>
+              <a:t>Contains all parent layers, and all tags + versions, or specified </a:t>
             </a:r>
             <a:r>
               <a:rPr lang="en-US" sz="1800" dirty="0" err="1"/>
@@ -31235,9 +31669,14 @@
             </a:r>
           </a:p>
           <a:p>
+            <a:pPr algn="just"/>
             <a:r>
               <a:rPr lang="en-US" sz="1800" dirty="0"/>
-              <a:t>The created backup can be used by Docker Load.</a:t>
+              <a:t>The created backup can be used by </a:t>
+            </a:r>
+            <a:r>
+              <a:rPr lang="en-US" sz="1800" b="1" dirty="0"/>
+              <a:t>Docker Load.</a:t>
             </a:r>
           </a:p>
         </p:txBody>
@@ -31501,7 +31940,7 @@
 </p:sld>
 </file>
 
-<file path=ppt/slides/slide24.xml><?xml version="1.0" encoding="utf-8"?>
+<file path=ppt/slides/slide25.xml><?xml version="1.0" encoding="utf-8"?>
 <p:sld xmlns:a="http://schemas.openxmlformats.org/drawingml/2006/main" xmlns:r="http://schemas.openxmlformats.org/officeDocument/2006/relationships" xmlns:p="http://schemas.openxmlformats.org/presentationml/2006/main">
   <p:cSld>
     <p:spTree>
@@ -31570,7 +32009,7 @@
             <a:fld id="{C263D6C4-4840-40CC-AC84-17E24B3B7BDE}" type="slidenum">
               <a:rPr lang="en-US" noProof="0" smtClean="0"/>
               <a:pPr/>
-              <a:t>24</a:t>
+              <a:t>25</a:t>
             </a:fld>
             <a:endParaRPr lang="en-US" noProof="0" dirty="0"/>
           </a:p>
@@ -31592,11 +32031,17 @@
             <p:ph type="body" sz="quarter" idx="13"/>
           </p:nvPr>
         </p:nvSpPr>
-        <p:spPr/>
+        <p:spPr>
+          <a:xfrm>
+            <a:off x="444500" y="1625385"/>
+            <a:ext cx="6217557" cy="1416395"/>
+          </a:xfrm>
+        </p:spPr>
         <p:txBody>
           <a:bodyPr/>
           <a:lstStyle/>
           <a:p>
+            <a:pPr algn="just"/>
             <a:r>
               <a:rPr lang="en-US" sz="1800" b="1" dirty="0"/>
               <a:t>Docker Load</a:t>
@@ -31607,25 +32052,17 @@
             </a:r>
           </a:p>
           <a:p>
+            <a:pPr algn="just"/>
             <a:r>
               <a:rPr lang="en-US" sz="1800" dirty="0"/>
-              <a:t>Load an image or repository from a tar archive (even if compressed with </a:t>
+              <a:t>Load an image or repository from a tar archive or STDIN. </a:t>
             </a:r>
-            <a:r>
-              <a:rPr lang="en-US" sz="1800" dirty="0" err="1"/>
-              <a:t>gzip</a:t>
-            </a:r>
+          </a:p>
+          <a:p>
+            <a:pPr algn="just"/>
             <a:r>
               <a:rPr lang="en-US" sz="1800" dirty="0"/>
-              <a:t>, bzip2, or </a:t>
-            </a:r>
-            <a:r>
-              <a:rPr lang="en-US" sz="1800" dirty="0" err="1"/>
-              <a:t>xz</a:t>
-            </a:r>
-            <a:r>
-              <a:rPr lang="en-US" sz="1800" dirty="0"/>
-              <a:t>) from a file or STDIN. It restores both images and tags.</a:t>
+              <a:t>It restores both images and tags.</a:t>
             </a:r>
           </a:p>
           <a:p>
@@ -31735,7 +32172,7 @@
 </p:sld>
 </file>
 
-<file path=ppt/slides/slide25.xml><?xml version="1.0" encoding="utf-8"?>
+<file path=ppt/slides/slide26.xml><?xml version="1.0" encoding="utf-8"?>
 <p:sld xmlns:a="http://schemas.openxmlformats.org/drawingml/2006/main" xmlns:r="http://schemas.openxmlformats.org/officeDocument/2006/relationships" xmlns:p="http://schemas.openxmlformats.org/presentationml/2006/main">
   <p:cSld>
     <p:spTree>
@@ -31776,7 +32213,7 @@
             <a:fld id="{C263D6C4-4840-40CC-AC84-17E24B3B7BDE}" type="slidenum">
               <a:rPr lang="en-US" noProof="0" smtClean="0"/>
               <a:pPr/>
-              <a:t>25</a:t>
+              <a:t>26</a:t>
             </a:fld>
             <a:endParaRPr lang="en-US" noProof="0" dirty="0"/>
           </a:p>
@@ -32232,7 +32669,7 @@
 </p:sld>
 </file>
 
-<file path=ppt/slides/slide26.xml><?xml version="1.0" encoding="utf-8"?>
+<file path=ppt/slides/slide27.xml><?xml version="1.0" encoding="utf-8"?>
 <p:sld xmlns:a="http://schemas.openxmlformats.org/drawingml/2006/main" xmlns:r="http://schemas.openxmlformats.org/officeDocument/2006/relationships" xmlns:p="http://schemas.openxmlformats.org/presentationml/2006/main">
   <p:cSld>
     <p:spTree>
@@ -32566,13 +33003,18 @@
         <p:spPr>
           <a:xfrm>
             <a:off x="453378" y="1625385"/>
-            <a:ext cx="6824500" cy="4093243"/>
+            <a:ext cx="6824500" cy="3907667"/>
           </a:xfrm>
         </p:spPr>
         <p:txBody>
           <a:bodyPr/>
           <a:lstStyle/>
           <a:p>
+            <a:pPr algn="just">
+              <a:lnSpc>
+                <a:spcPct val="150000"/>
+              </a:lnSpc>
+            </a:pPr>
             <a:r>
               <a:rPr lang="en-US" sz="1800" dirty="0"/>
               <a:t>Open-source platform for </a:t>
@@ -32603,24 +33045,44 @@
             </a:r>
           </a:p>
           <a:p>
+            <a:pPr algn="just">
+              <a:lnSpc>
+                <a:spcPct val="150000"/>
+              </a:lnSpc>
+            </a:pPr>
             <a:r>
               <a:rPr lang="en-US" sz="1800" dirty="0"/>
               <a:t>Separates the applications from their underlying Infrastructure.</a:t>
             </a:r>
           </a:p>
           <a:p>
+            <a:pPr algn="just">
+              <a:lnSpc>
+                <a:spcPct val="150000"/>
+              </a:lnSpc>
+            </a:pPr>
             <a:r>
               <a:rPr lang="en-US" sz="1800" dirty="0"/>
               <a:t>Helps in delivering the software quickly.</a:t>
             </a:r>
           </a:p>
           <a:p>
+            <a:pPr algn="just">
+              <a:lnSpc>
+                <a:spcPct val="150000"/>
+              </a:lnSpc>
+            </a:pPr>
             <a:r>
               <a:rPr lang="en-US" sz="1800" dirty="0"/>
               <a:t>Enables to manage the infrastructure in the same ways one manages their applications, thus providing more control.</a:t>
             </a:r>
           </a:p>
           <a:p>
+            <a:pPr algn="just">
+              <a:lnSpc>
+                <a:spcPct val="150000"/>
+              </a:lnSpc>
+            </a:pPr>
             <a:r>
               <a:rPr lang="en-US" sz="1800" dirty="0"/>
               <a:t>Makes use of </a:t>
@@ -32798,17 +33260,24 @@
             <p:ph type="body" sz="quarter" idx="13"/>
           </p:nvPr>
         </p:nvSpPr>
-        <p:spPr/>
+        <p:spPr>
+          <a:xfrm>
+            <a:off x="444499" y="1625385"/>
+            <a:ext cx="6758733" cy="4616795"/>
+          </a:xfrm>
+        </p:spPr>
         <p:txBody>
           <a:bodyPr/>
           <a:lstStyle/>
           <a:p>
+            <a:pPr algn="just"/>
             <a:r>
               <a:rPr lang="en-US" sz="1800" dirty="0"/>
-              <a:t>Standardized unit of software that allows developers to isolate their app from its environment.</a:t>
+              <a:t>Allows developers to isolate their app from its environment.</a:t>
             </a:r>
           </a:p>
           <a:p>
+            <a:pPr algn="just"/>
             <a:r>
               <a:rPr lang="en-US" sz="1800" dirty="0"/>
               <a:t>Solve the headache of </a:t>
@@ -32823,30 +33292,30 @@
             </a:r>
           </a:p>
           <a:p>
+            <a:pPr algn="just"/>
             <a:r>
               <a:rPr lang="en-US" sz="1800" dirty="0"/>
               <a:t>Package software as well as all of the related dependencies in one place.</a:t>
             </a:r>
           </a:p>
           <a:p>
+            <a:pPr algn="just"/>
             <a:r>
               <a:rPr lang="en-US" sz="1800" dirty="0"/>
               <a:t>Loosely Isolated and provides security.</a:t>
             </a:r>
           </a:p>
           <a:p>
+            <a:pPr algn="just"/>
             <a:r>
-              <a:rPr lang="en-US" sz="1800" b="1" dirty="0"/>
-              <a:t>Standard</a:t>
-            </a:r>
-            <a:r>
-              <a:rPr lang="en-US" sz="1800" dirty="0"/>
-              <a:t>: Docker created the industry standard for containers, so they can be ported to anywhere.</a:t>
-            </a:r>
-          </a:p>
-          <a:p>
-            <a:r>
-              <a:rPr lang="en-US" sz="1800" b="1" dirty="0"/>
+              <a:rPr lang="en-US" sz="1800" b="1" dirty="0">
+                <a:solidFill>
+                  <a:schemeClr val="accent1">
+                    <a:lumMod val="60000"/>
+                    <a:lumOff val="40000"/>
+                  </a:schemeClr>
+                </a:solidFill>
+              </a:rPr>
               <a:t>Lightweight</a:t>
             </a:r>
             <a:r>
@@ -32855,8 +33324,16 @@
             </a:r>
           </a:p>
           <a:p>
+            <a:pPr algn="just"/>
             <a:r>
-              <a:rPr lang="en-US" sz="1800" b="1" dirty="0"/>
+              <a:rPr lang="en-US" sz="1800" b="1" dirty="0">
+                <a:solidFill>
+                  <a:schemeClr val="accent1">
+                    <a:lumMod val="60000"/>
+                    <a:lumOff val="40000"/>
+                  </a:schemeClr>
+                </a:solidFill>
+              </a:rPr>
               <a:t>Secure</a:t>
             </a:r>
             <a:r>
@@ -33834,7 +34311,7 @@
             <a:pPr algn="ctr"/>
             <a:r>
               <a:rPr lang="en-IN" sz="1400" dirty="0"/>
-              <a:t>Docker Registry</a:t>
+              <a:t>Docker Hub</a:t>
             </a:r>
             <a:endParaRPr lang="en-IN" dirty="0"/>
           </a:p>
@@ -35053,20 +35530,20 @@
 </file>
 
 <file path=customXml/item1.xml><?xml version="1.0" encoding="utf-8"?>
-<p:properties xmlns:p="http://schemas.microsoft.com/office/2006/metadata/properties" xmlns:xsi="http://www.w3.org/2001/XMLSchema-instance" xmlns:pc="http://schemas.microsoft.com/office/infopath/2007/PartnerControls">
-  <documentManagement>
-    <MediaServiceKeyPoints xmlns="71af3243-3dd4-4a8d-8c0d-dd76da1f02a5" xsi:nil="true"/>
-  </documentManagement>
-</p:properties>
-</file>
-
-<file path=customXml/item2.xml><?xml version="1.0" encoding="utf-8"?>
 <?mso-contentType ?>
 <FormTemplates xmlns="http://schemas.microsoft.com/sharepoint/v3/contenttype/forms">
   <Display>DocumentLibraryForm</Display>
   <Edit>DocumentLibraryForm</Edit>
   <New>DocumentLibraryForm</New>
 </FormTemplates>
+</file>
+
+<file path=customXml/item2.xml><?xml version="1.0" encoding="utf-8"?>
+<p:properties xmlns:p="http://schemas.microsoft.com/office/2006/metadata/properties" xmlns:xsi="http://www.w3.org/2001/XMLSchema-instance" xmlns:pc="http://schemas.microsoft.com/office/infopath/2007/PartnerControls">
+  <documentManagement>
+    <MediaServiceKeyPoints xmlns="71af3243-3dd4-4a8d-8c0d-dd76da1f02a5" xsi:nil="true"/>
+  </documentManagement>
+</p:properties>
 </file>
 
 <file path=customXml/item3.xml><?xml version="1.0" encoding="utf-8"?>
@@ -35281,19 +35758,19 @@
 </file>
 
 <file path=customXml/itemProps1.xml><?xml version="1.0" encoding="utf-8"?>
+<ds:datastoreItem xmlns:ds="http://schemas.openxmlformats.org/officeDocument/2006/customXml" ds:itemID="{5B26E0C9-B2AA-42E6-97B6-E1B7D9EAF129}">
+  <ds:schemaRefs>
+    <ds:schemaRef ds:uri="http://schemas.microsoft.com/sharepoint/v3/contenttype/forms"/>
+  </ds:schemaRefs>
+</ds:datastoreItem>
+</file>
+
+<file path=customXml/itemProps2.xml><?xml version="1.0" encoding="utf-8"?>
 <ds:datastoreItem xmlns:ds="http://schemas.openxmlformats.org/officeDocument/2006/customXml" ds:itemID="{F5757914-1161-4661-9696-421FD6935CDD}">
   <ds:schemaRefs>
     <ds:schemaRef ds:uri="http://schemas.microsoft.com/office/2006/metadata/properties"/>
     <ds:schemaRef ds:uri="http://schemas.microsoft.com/office/infopath/2007/PartnerControls"/>
     <ds:schemaRef ds:uri="71af3243-3dd4-4a8d-8c0d-dd76da1f02a5"/>
-  </ds:schemaRefs>
-</ds:datastoreItem>
-</file>
-
-<file path=customXml/itemProps2.xml><?xml version="1.0" encoding="utf-8"?>
-<ds:datastoreItem xmlns:ds="http://schemas.openxmlformats.org/officeDocument/2006/customXml" ds:itemID="{5B26E0C9-B2AA-42E6-97B6-E1B7D9EAF129}">
-  <ds:schemaRefs>
-    <ds:schemaRef ds:uri="http://schemas.microsoft.com/sharepoint/v3/contenttype/forms"/>
   </ds:schemaRefs>
 </ds:datastoreItem>
 </file>

--- a/Docker for Beginners.pptx
+++ b/Docker for Beginners.pptx
@@ -5,39 +5,40 @@
     <p:sldMasterId id="2147483648" r:id="rId4"/>
   </p:sldMasterIdLst>
   <p:notesMasterIdLst>
-    <p:notesMasterId r:id="rId32"/>
+    <p:notesMasterId r:id="rId33"/>
   </p:notesMasterIdLst>
   <p:handoutMasterIdLst>
-    <p:handoutMasterId r:id="rId33"/>
+    <p:handoutMasterId r:id="rId34"/>
   </p:handoutMasterIdLst>
   <p:sldIdLst>
     <p:sldId id="256" r:id="rId5"/>
     <p:sldId id="311" r:id="rId6"/>
-    <p:sldId id="257" r:id="rId7"/>
-    <p:sldId id="286" r:id="rId8"/>
-    <p:sldId id="287" r:id="rId9"/>
-    <p:sldId id="288" r:id="rId10"/>
-    <p:sldId id="289" r:id="rId11"/>
-    <p:sldId id="291" r:id="rId12"/>
-    <p:sldId id="293" r:id="rId13"/>
-    <p:sldId id="290" r:id="rId14"/>
-    <p:sldId id="301" r:id="rId15"/>
-    <p:sldId id="292" r:id="rId16"/>
-    <p:sldId id="299" r:id="rId17"/>
-    <p:sldId id="294" r:id="rId18"/>
-    <p:sldId id="312" r:id="rId19"/>
-    <p:sldId id="313" r:id="rId20"/>
-    <p:sldId id="295" r:id="rId21"/>
-    <p:sldId id="297" r:id="rId22"/>
-    <p:sldId id="298" r:id="rId23"/>
-    <p:sldId id="260" r:id="rId24"/>
-    <p:sldId id="302" r:id="rId25"/>
-    <p:sldId id="303" r:id="rId26"/>
-    <p:sldId id="307" r:id="rId27"/>
-    <p:sldId id="305" r:id="rId28"/>
-    <p:sldId id="306" r:id="rId29"/>
-    <p:sldId id="309" r:id="rId30"/>
-    <p:sldId id="269" r:id="rId31"/>
+    <p:sldId id="314" r:id="rId7"/>
+    <p:sldId id="257" r:id="rId8"/>
+    <p:sldId id="286" r:id="rId9"/>
+    <p:sldId id="287" r:id="rId10"/>
+    <p:sldId id="288" r:id="rId11"/>
+    <p:sldId id="289" r:id="rId12"/>
+    <p:sldId id="291" r:id="rId13"/>
+    <p:sldId id="293" r:id="rId14"/>
+    <p:sldId id="290" r:id="rId15"/>
+    <p:sldId id="301" r:id="rId16"/>
+    <p:sldId id="292" r:id="rId17"/>
+    <p:sldId id="299" r:id="rId18"/>
+    <p:sldId id="294" r:id="rId19"/>
+    <p:sldId id="312" r:id="rId20"/>
+    <p:sldId id="313" r:id="rId21"/>
+    <p:sldId id="295" r:id="rId22"/>
+    <p:sldId id="297" r:id="rId23"/>
+    <p:sldId id="298" r:id="rId24"/>
+    <p:sldId id="260" r:id="rId25"/>
+    <p:sldId id="302" r:id="rId26"/>
+    <p:sldId id="303" r:id="rId27"/>
+    <p:sldId id="307" r:id="rId28"/>
+    <p:sldId id="305" r:id="rId29"/>
+    <p:sldId id="306" r:id="rId30"/>
+    <p:sldId id="309" r:id="rId31"/>
+    <p:sldId id="269" r:id="rId32"/>
   </p:sldIdLst>
   <p:sldSz cx="12192000" cy="6858000"/>
   <p:notesSz cx="6858000" cy="9144000"/>
@@ -252,7 +253,7 @@
           <a:p>
             <a:fld id="{1CA5457B-CDAE-4DEB-AEC8-C82DE2312E37}" type="datetimeFigureOut">
               <a:rPr lang="en-US" smtClean="0"/>
-              <a:t>8/13/2021</a:t>
+              <a:t>1/3/2022</a:t>
             </a:fld>
             <a:endParaRPr lang="en-US" dirty="0"/>
           </a:p>
@@ -429,7 +430,7 @@
           <a:p>
             <a:fld id="{090B78EA-28CE-41D8-9043-90E391E5F567}" type="datetimeFigureOut">
               <a:rPr lang="en-US" noProof="0" smtClean="0"/>
-              <a:t>8/13/2021</a:t>
+              <a:t>1/3/2022</a:t>
             </a:fld>
             <a:endParaRPr lang="en-US" noProof="0" dirty="0"/>
           </a:p>
@@ -740,10 +741,7 @@
           <a:bodyPr/>
           <a:lstStyle/>
           <a:p>
-            <a:r>
-              <a:rPr lang="en-IN" dirty="0"/>
-              <a:t>More At : https://tinyurl.com/hmhh8xex</a:t>
-            </a:r>
+            <a:endParaRPr lang="en-IN" dirty="0"/>
           </a:p>
         </p:txBody>
       </p:sp>
@@ -764,7 +762,7 @@
           <a:p>
             <a:fld id="{1734D747-9380-41EE-9946-EC9EC0CA5D1E}" type="slidenum">
               <a:rPr lang="en-US" noProof="0" smtClean="0"/>
-              <a:t>12</a:t>
+              <a:t>7</a:t>
             </a:fld>
             <a:endParaRPr lang="en-US" noProof="0" dirty="0"/>
           </a:p>
@@ -773,7 +771,7 @@
     </p:spTree>
     <p:extLst>
       <p:ext uri="{BB962C8B-B14F-4D97-AF65-F5344CB8AC3E}">
-        <p14:creationId xmlns:p14="http://schemas.microsoft.com/office/powerpoint/2010/main" val="2546006949"/>
+        <p14:creationId xmlns:p14="http://schemas.microsoft.com/office/powerpoint/2010/main" val="872454355"/>
       </p:ext>
     </p:extLst>
   </p:cSld>
@@ -827,7 +825,10 @@
           <a:bodyPr/>
           <a:lstStyle/>
           <a:p>
-            <a:endParaRPr lang="en-IN" dirty="0"/>
+            <a:r>
+              <a:rPr lang="en-IN" dirty="0"/>
+              <a:t>More At : https://tinyurl.com/hmhh8xex</a:t>
+            </a:r>
           </a:p>
         </p:txBody>
       </p:sp>
@@ -848,7 +849,7 @@
           <a:p>
             <a:fld id="{1734D747-9380-41EE-9946-EC9EC0CA5D1E}" type="slidenum">
               <a:rPr lang="en-US" noProof="0" smtClean="0"/>
-              <a:t>14</a:t>
+              <a:t>13</a:t>
             </a:fld>
             <a:endParaRPr lang="en-US" noProof="0" dirty="0"/>
           </a:p>
@@ -857,7 +858,7 @@
     </p:spTree>
     <p:extLst>
       <p:ext uri="{BB962C8B-B14F-4D97-AF65-F5344CB8AC3E}">
-        <p14:creationId xmlns:p14="http://schemas.microsoft.com/office/powerpoint/2010/main" val="4122275658"/>
+        <p14:creationId xmlns:p14="http://schemas.microsoft.com/office/powerpoint/2010/main" val="2546006949"/>
       </p:ext>
     </p:extLst>
   </p:cSld>
@@ -911,10 +912,7 @@
           <a:bodyPr/>
           <a:lstStyle/>
           <a:p>
-            <a:r>
-              <a:rPr lang="en-IN" dirty="0"/>
-              <a:t>Copy Requirements.txt first as Code will have frequent changes to speed up builds and use Docker Layering Effectively.</a:t>
-            </a:r>
+            <a:endParaRPr lang="en-IN" dirty="0"/>
           </a:p>
         </p:txBody>
       </p:sp>
@@ -935,7 +933,94 @@
           <a:p>
             <a:fld id="{1734D747-9380-41EE-9946-EC9EC0CA5D1E}" type="slidenum">
               <a:rPr lang="en-US" noProof="0" smtClean="0"/>
-              <a:t>17</a:t>
+              <a:t>15</a:t>
+            </a:fld>
+            <a:endParaRPr lang="en-US" noProof="0" dirty="0"/>
+          </a:p>
+        </p:txBody>
+      </p:sp>
+    </p:spTree>
+    <p:extLst>
+      <p:ext uri="{BB962C8B-B14F-4D97-AF65-F5344CB8AC3E}">
+        <p14:creationId xmlns:p14="http://schemas.microsoft.com/office/powerpoint/2010/main" val="4122275658"/>
+      </p:ext>
+    </p:extLst>
+  </p:cSld>
+  <p:clrMapOvr>
+    <a:masterClrMapping/>
+  </p:clrMapOvr>
+</p:notes>
+</file>
+
+<file path=ppt/notesSlides/notesSlide4.xml><?xml version="1.0" encoding="utf-8"?>
+<p:notes xmlns:a="http://schemas.openxmlformats.org/drawingml/2006/main" xmlns:r="http://schemas.openxmlformats.org/officeDocument/2006/relationships" xmlns:p="http://schemas.openxmlformats.org/presentationml/2006/main">
+  <p:cSld>
+    <p:spTree>
+      <p:nvGrpSpPr>
+        <p:cNvPr id="1" name=""/>
+        <p:cNvGrpSpPr/>
+        <p:nvPr/>
+      </p:nvGrpSpPr>
+      <p:grpSpPr>
+        <a:xfrm>
+          <a:off x="0" y="0"/>
+          <a:ext cx="0" cy="0"/>
+          <a:chOff x="0" y="0"/>
+          <a:chExt cx="0" cy="0"/>
+        </a:xfrm>
+      </p:grpSpPr>
+      <p:sp>
+        <p:nvSpPr>
+          <p:cNvPr id="2" name="Slide Image Placeholder 1"/>
+          <p:cNvSpPr>
+            <a:spLocks noGrp="1" noRot="1" noChangeAspect="1"/>
+          </p:cNvSpPr>
+          <p:nvPr>
+            <p:ph type="sldImg"/>
+          </p:nvPr>
+        </p:nvSpPr>
+        <p:spPr/>
+      </p:sp>
+      <p:sp>
+        <p:nvSpPr>
+          <p:cNvPr id="3" name="Notes Placeholder 2"/>
+          <p:cNvSpPr>
+            <a:spLocks noGrp="1"/>
+          </p:cNvSpPr>
+          <p:nvPr>
+            <p:ph type="body" idx="1"/>
+          </p:nvPr>
+        </p:nvSpPr>
+        <p:spPr/>
+        <p:txBody>
+          <a:bodyPr/>
+          <a:lstStyle/>
+          <a:p>
+            <a:r>
+              <a:rPr lang="en-IN" dirty="0"/>
+              <a:t>Copy Requirements.txt first as Code will have frequent changes to speed up builds and use Docker Layering Effectively.</a:t>
+            </a:r>
+          </a:p>
+        </p:txBody>
+      </p:sp>
+      <p:sp>
+        <p:nvSpPr>
+          <p:cNvPr id="4" name="Slide Number Placeholder 3"/>
+          <p:cNvSpPr>
+            <a:spLocks noGrp="1"/>
+          </p:cNvSpPr>
+          <p:nvPr>
+            <p:ph type="sldNum" sz="quarter" idx="5"/>
+          </p:nvPr>
+        </p:nvSpPr>
+        <p:spPr/>
+        <p:txBody>
+          <a:bodyPr/>
+          <a:lstStyle/>
+          <a:p>
+            <a:fld id="{1734D747-9380-41EE-9946-EC9EC0CA5D1E}" type="slidenum">
+              <a:rPr lang="en-US" noProof="0" smtClean="0"/>
+              <a:t>18</a:t>
             </a:fld>
             <a:endParaRPr lang="en-US" noProof="0" dirty="0"/>
           </a:p>
@@ -25904,6 +25989,113 @@
       </p:grpSpPr>
       <p:sp>
         <p:nvSpPr>
+          <p:cNvPr id="3" name="Slide Number Placeholder 2">
+            <a:extLst>
+              <a:ext uri="{FF2B5EF4-FFF2-40B4-BE49-F238E27FC236}">
+                <a16:creationId xmlns:a16="http://schemas.microsoft.com/office/drawing/2014/main" id="{7C8C6B33-923F-4577-9BB5-BA8073EB45E9}"/>
+              </a:ext>
+            </a:extLst>
+          </p:cNvPr>
+          <p:cNvSpPr>
+            <a:spLocks noGrp="1"/>
+          </p:cNvSpPr>
+          <p:nvPr>
+            <p:ph type="sldNum" sz="quarter" idx="12"/>
+          </p:nvPr>
+        </p:nvSpPr>
+        <p:spPr/>
+        <p:txBody>
+          <a:bodyPr/>
+          <a:lstStyle/>
+          <a:p>
+            <a:fld id="{C263D6C4-4840-40CC-AC84-17E24B3B7BDE}" type="slidenum">
+              <a:rPr lang="en-US" noProof="0" smtClean="0"/>
+              <a:pPr/>
+              <a:t>10</a:t>
+            </a:fld>
+            <a:endParaRPr lang="en-US" noProof="0" dirty="0"/>
+          </a:p>
+        </p:txBody>
+      </p:sp>
+      <p:sp>
+        <p:nvSpPr>
+          <p:cNvPr id="4" name="Title 3">
+            <a:extLst>
+              <a:ext uri="{FF2B5EF4-FFF2-40B4-BE49-F238E27FC236}">
+                <a16:creationId xmlns:a16="http://schemas.microsoft.com/office/drawing/2014/main" id="{9E711C83-067D-451A-9841-EE7D32C9E887}"/>
+              </a:ext>
+            </a:extLst>
+          </p:cNvPr>
+          <p:cNvSpPr>
+            <a:spLocks noGrp="1"/>
+          </p:cNvSpPr>
+          <p:nvPr>
+            <p:ph type="title"/>
+          </p:nvPr>
+        </p:nvSpPr>
+        <p:spPr>
+          <a:xfrm>
+            <a:off x="583529" y="2740981"/>
+            <a:ext cx="7781544" cy="859055"/>
+          </a:xfrm>
+        </p:spPr>
+        <p:txBody>
+          <a:bodyPr>
+            <a:normAutofit/>
+          </a:bodyPr>
+          <a:lstStyle/>
+          <a:p>
+            <a:r>
+              <a:rPr lang="en-IN" dirty="0"/>
+              <a:t>Shall we Begin ?</a:t>
+            </a:r>
+          </a:p>
+        </p:txBody>
+      </p:sp>
+    </p:spTree>
+    <p:extLst>
+      <p:ext uri="{BB962C8B-B14F-4D97-AF65-F5344CB8AC3E}">
+        <p14:creationId xmlns:p14="http://schemas.microsoft.com/office/powerpoint/2010/main" val="2078919340"/>
+      </p:ext>
+    </p:extLst>
+  </p:cSld>
+  <p:clrMapOvr>
+    <a:masterClrMapping/>
+  </p:clrMapOvr>
+  <mc:AlternateContent xmlns:mc="http://schemas.openxmlformats.org/markup-compatibility/2006" xmlns:p14="http://schemas.microsoft.com/office/powerpoint/2010/main">
+    <mc:Choice Requires="p14">
+      <p:transition spd="med" p14:dur="700">
+        <p:fade/>
+      </p:transition>
+    </mc:Choice>
+    <mc:Fallback xmlns="">
+      <p:transition spd="med">
+        <p:fade/>
+      </p:transition>
+    </mc:Fallback>
+  </mc:AlternateContent>
+</p:sld>
+</file>
+
+<file path=ppt/slides/slide11.xml><?xml version="1.0" encoding="utf-8"?>
+<p:sld xmlns:a="http://schemas.openxmlformats.org/drawingml/2006/main" xmlns:r="http://schemas.openxmlformats.org/officeDocument/2006/relationships" xmlns:p="http://schemas.openxmlformats.org/presentationml/2006/main">
+  <p:cSld>
+    <p:spTree>
+      <p:nvGrpSpPr>
+        <p:cNvPr id="1" name=""/>
+        <p:cNvGrpSpPr/>
+        <p:nvPr/>
+      </p:nvGrpSpPr>
+      <p:grpSpPr>
+        <a:xfrm>
+          <a:off x="0" y="0"/>
+          <a:ext cx="0" cy="0"/>
+          <a:chOff x="0" y="0"/>
+          <a:chExt cx="0" cy="0"/>
+        </a:xfrm>
+      </p:grpSpPr>
+      <p:sp>
+        <p:nvSpPr>
           <p:cNvPr id="2" name="Title 1">
             <a:extLst>
               <a:ext uri="{FF2B5EF4-FFF2-40B4-BE49-F238E27FC236}">
@@ -25954,7 +26146,7 @@
             <a:fld id="{C263D6C4-4840-40CC-AC84-17E24B3B7BDE}" type="slidenum">
               <a:rPr lang="en-US" noProof="0" smtClean="0"/>
               <a:pPr/>
-              <a:t>10</a:t>
+              <a:t>11</a:t>
             </a:fld>
             <a:endParaRPr lang="en-US" noProof="0" dirty="0"/>
           </a:p>
@@ -26217,63 +26409,7 @@
                 <a:latin typeface="Arial"/>
                 <a:cs typeface="Arial"/>
               </a:rPr>
-              <a:t>The basis of </a:t>
-            </a:r>
-            <a:r>
-              <a:rPr lang="en-US" sz="1800" dirty="0">
-                <a:latin typeface="Arial"/>
-                <a:cs typeface="Arial"/>
-              </a:rPr>
-              <a:t>a </a:t>
-            </a:r>
-            <a:r>
-              <a:rPr lang="en-US" sz="1800" spc="-5" dirty="0">
-                <a:latin typeface="Arial"/>
-                <a:cs typeface="Arial"/>
-              </a:rPr>
-              <a:t>Docker C</a:t>
-            </a:r>
-            <a:r>
-              <a:rPr lang="en-US" sz="1800" dirty="0">
-                <a:latin typeface="Arial"/>
-                <a:cs typeface="Arial"/>
-              </a:rPr>
-              <a:t>ontainer. </a:t>
-            </a:r>
-            <a:r>
-              <a:rPr lang="en-US" sz="1800" spc="-5" dirty="0">
-                <a:latin typeface="Arial"/>
-                <a:cs typeface="Arial"/>
-              </a:rPr>
-              <a:t>Represents </a:t>
-            </a:r>
-            <a:r>
-              <a:rPr lang="en-US" sz="1800" dirty="0">
-                <a:latin typeface="Arial"/>
-                <a:cs typeface="Arial"/>
-              </a:rPr>
-              <a:t>a </a:t>
-            </a:r>
-            <a:r>
-              <a:rPr lang="en-US" sz="1800" spc="-5" dirty="0">
-                <a:latin typeface="Arial"/>
-                <a:cs typeface="Arial"/>
-              </a:rPr>
-              <a:t>full</a:t>
-            </a:r>
-            <a:r>
-              <a:rPr lang="en-US" sz="1800" spc="-45" dirty="0">
-                <a:latin typeface="Arial"/>
-                <a:cs typeface="Arial"/>
-              </a:rPr>
-              <a:t> </a:t>
-            </a:r>
-            <a:r>
-              <a:rPr lang="en-US" sz="1800" spc="-5" dirty="0">
-                <a:latin typeface="Arial"/>
-                <a:cs typeface="Arial"/>
-              </a:rPr>
-              <a:t>application.</a:t>
+              <a:t>Immutable (unchangeable) file that contains the source code, libraries, dependencies, tools and other files needed for an application to run.</a:t>
             </a:r>
             <a:endParaRPr lang="en-IN" sz="2000" b="1" dirty="0"/>
           </a:p>
@@ -26297,49 +26433,7 @@
                 <a:latin typeface="Arial"/>
                 <a:cs typeface="Arial"/>
               </a:rPr>
-              <a:t>The </a:t>
-            </a:r>
-            <a:r>
-              <a:rPr lang="en-US" sz="1800" dirty="0">
-                <a:latin typeface="Arial"/>
-                <a:cs typeface="Arial"/>
-              </a:rPr>
-              <a:t>standard </a:t>
-            </a:r>
-            <a:r>
-              <a:rPr lang="en-US" sz="1800" spc="-5" dirty="0">
-                <a:latin typeface="Arial"/>
-                <a:cs typeface="Arial"/>
-              </a:rPr>
-              <a:t>unit in which the application </a:t>
-            </a:r>
-            <a:r>
-              <a:rPr lang="en-US" sz="1800" dirty="0">
-                <a:latin typeface="Arial"/>
-                <a:cs typeface="Arial"/>
-              </a:rPr>
-              <a:t>service </a:t>
-            </a:r>
-            <a:r>
-              <a:rPr lang="en-US" sz="1800" spc="-5" dirty="0">
-                <a:latin typeface="Arial"/>
-                <a:cs typeface="Arial"/>
-              </a:rPr>
-              <a:t>resides and</a:t>
-            </a:r>
-            <a:r>
-              <a:rPr lang="en-US" sz="1800" spc="-75" dirty="0">
-                <a:latin typeface="Arial"/>
-                <a:cs typeface="Arial"/>
-              </a:rPr>
-              <a:t> </a:t>
-            </a:r>
-            <a:r>
-              <a:rPr lang="en-US" sz="1800" spc="-5" dirty="0">
-                <a:latin typeface="Arial"/>
-                <a:cs typeface="Arial"/>
-              </a:rPr>
-              <a:t>executes.</a:t>
+              <a:t>Virtualized Isolated Run-Time environment running on Host OS sharing the Kernel. Deployed instance of a Docker Image.</a:t>
             </a:r>
           </a:p>
           <a:p>
@@ -26506,7 +26600,7 @@
 </p:sld>
 </file>
 
-<file path=ppt/slides/slide11.xml><?xml version="1.0" encoding="utf-8"?>
+<file path=ppt/slides/slide12.xml><?xml version="1.0" encoding="utf-8"?>
 <p:sld xmlns:a="http://schemas.openxmlformats.org/drawingml/2006/main" xmlns:r="http://schemas.openxmlformats.org/officeDocument/2006/relationships" xmlns:p="http://schemas.openxmlformats.org/presentationml/2006/main">
   <p:cSld>
     <p:spTree>
@@ -26575,7 +26669,7 @@
             <a:fld id="{C263D6C4-4840-40CC-AC84-17E24B3B7BDE}" type="slidenum">
               <a:rPr lang="en-US" noProof="0" smtClean="0"/>
               <a:pPr/>
-              <a:t>11</a:t>
+              <a:t>12</a:t>
             </a:fld>
             <a:endParaRPr lang="en-US" noProof="0" dirty="0"/>
           </a:p>
@@ -26802,7 +26896,7 @@
 </p:sld>
 </file>
 
-<file path=ppt/slides/slide12.xml><?xml version="1.0" encoding="utf-8"?>
+<file path=ppt/slides/slide13.xml><?xml version="1.0" encoding="utf-8"?>
 <p:sld xmlns:a="http://schemas.openxmlformats.org/drawingml/2006/main" xmlns:r="http://schemas.openxmlformats.org/officeDocument/2006/relationships" xmlns:p="http://schemas.openxmlformats.org/presentationml/2006/main">
   <p:cSld>
     <p:spTree>
@@ -26871,7 +26965,7 @@
             <a:fld id="{C263D6C4-4840-40CC-AC84-17E24B3B7BDE}" type="slidenum">
               <a:rPr lang="en-US" noProof="0" smtClean="0"/>
               <a:pPr/>
-              <a:t>12</a:t>
+              <a:t>13</a:t>
             </a:fld>
             <a:endParaRPr lang="en-US" noProof="0" dirty="0"/>
           </a:p>
@@ -27099,7 +27193,7 @@
 </p:sld>
 </file>
 
-<file path=ppt/slides/slide13.xml><?xml version="1.0" encoding="utf-8"?>
+<file path=ppt/slides/slide14.xml><?xml version="1.0" encoding="utf-8"?>
 <p:sld xmlns:a="http://schemas.openxmlformats.org/drawingml/2006/main" xmlns:r="http://schemas.openxmlformats.org/officeDocument/2006/relationships" xmlns:p="http://schemas.openxmlformats.org/presentationml/2006/main">
   <p:cSld>
     <p:spTree>
@@ -27140,7 +27234,7 @@
             <a:fld id="{C263D6C4-4840-40CC-AC84-17E24B3B7BDE}" type="slidenum">
               <a:rPr lang="en-US" noProof="0" smtClean="0"/>
               <a:pPr/>
-              <a:t>13</a:t>
+              <a:t>14</a:t>
             </a:fld>
             <a:endParaRPr lang="en-US" noProof="0" dirty="0"/>
           </a:p>
@@ -27206,7 +27300,7 @@
 </p:sld>
 </file>
 
-<file path=ppt/slides/slide14.xml><?xml version="1.0" encoding="utf-8"?>
+<file path=ppt/slides/slide15.xml><?xml version="1.0" encoding="utf-8"?>
 <p:sld xmlns:a="http://schemas.openxmlformats.org/drawingml/2006/main" xmlns:r="http://schemas.openxmlformats.org/officeDocument/2006/relationships" xmlns:p="http://schemas.openxmlformats.org/presentationml/2006/main">
   <p:cSld>
     <p:spTree>
@@ -27288,7 +27382,7 @@
             <a:fld id="{C263D6C4-4840-40CC-AC84-17E24B3B7BDE}" type="slidenum">
               <a:rPr lang="en-US" noProof="0" smtClean="0"/>
               <a:pPr/>
-              <a:t>14</a:t>
+              <a:t>15</a:t>
             </a:fld>
             <a:endParaRPr lang="en-US" noProof="0" dirty="0"/>
           </a:p>
@@ -27763,7 +27857,7 @@
 </p:sld>
 </file>
 
-<file path=ppt/slides/slide15.xml><?xml version="1.0" encoding="utf-8"?>
+<file path=ppt/slides/slide16.xml><?xml version="1.0" encoding="utf-8"?>
 <p:sld xmlns:a="http://schemas.openxmlformats.org/drawingml/2006/main" xmlns:r="http://schemas.openxmlformats.org/officeDocument/2006/relationships" xmlns:p="http://schemas.openxmlformats.org/presentationml/2006/main">
   <p:cSld>
     <p:spTree>
@@ -27836,7 +27930,7 @@
             <a:fld id="{C263D6C4-4840-40CC-AC84-17E24B3B7BDE}" type="slidenum">
               <a:rPr lang="en-US" noProof="0" smtClean="0"/>
               <a:pPr/>
-              <a:t>15</a:t>
+              <a:t>16</a:t>
             </a:fld>
             <a:endParaRPr lang="en-US" noProof="0" dirty="0"/>
           </a:p>
@@ -28270,13 +28364,13 @@
   <p:clrMapOvr>
     <a:masterClrMapping/>
   </p:clrMapOvr>
-  <mc:AlternateContent xmlns:mc="http://schemas.openxmlformats.org/markup-compatibility/2006">
-    <mc:Choice xmlns:p14="http://schemas.microsoft.com/office/powerpoint/2010/main" Requires="p14">
+  <mc:AlternateContent xmlns:mc="http://schemas.openxmlformats.org/markup-compatibility/2006" xmlns:p14="http://schemas.microsoft.com/office/powerpoint/2010/main">
+    <mc:Choice Requires="p14">
       <p:transition spd="med" p14:dur="700">
         <p:fade/>
       </p:transition>
     </mc:Choice>
-    <mc:Fallback>
+    <mc:Fallback xmlns="">
       <p:transition spd="med">
         <p:fade/>
       </p:transition>
@@ -28285,7 +28379,7 @@
 </p:sld>
 </file>
 
-<file path=ppt/slides/slide16.xml><?xml version="1.0" encoding="utf-8"?>
+<file path=ppt/slides/slide17.xml><?xml version="1.0" encoding="utf-8"?>
 <p:sld xmlns:a="http://schemas.openxmlformats.org/drawingml/2006/main" xmlns:r="http://schemas.openxmlformats.org/officeDocument/2006/relationships" xmlns:p="http://schemas.openxmlformats.org/presentationml/2006/main">
   <p:cSld>
     <p:spTree>
@@ -28631,13 +28725,13 @@
   <p:clrMapOvr>
     <a:masterClrMapping/>
   </p:clrMapOvr>
-  <mc:AlternateContent xmlns:mc="http://schemas.openxmlformats.org/markup-compatibility/2006">
-    <mc:Choice xmlns:p14="http://schemas.microsoft.com/office/powerpoint/2010/main" Requires="p14">
+  <mc:AlternateContent xmlns:mc="http://schemas.openxmlformats.org/markup-compatibility/2006" xmlns:p14="http://schemas.microsoft.com/office/powerpoint/2010/main">
+    <mc:Choice Requires="p14">
       <p:transition spd="med" p14:dur="700">
         <p:fade/>
       </p:transition>
     </mc:Choice>
-    <mc:Fallback>
+    <mc:Fallback xmlns="">
       <p:transition spd="med">
         <p:fade/>
       </p:transition>
@@ -28646,7 +28740,7 @@
 </p:sld>
 </file>
 
-<file path=ppt/slides/slide17.xml><?xml version="1.0" encoding="utf-8"?>
+<file path=ppt/slides/slide18.xml><?xml version="1.0" encoding="utf-8"?>
 <p:sld xmlns:a="http://schemas.openxmlformats.org/drawingml/2006/main" xmlns:r="http://schemas.openxmlformats.org/officeDocument/2006/relationships" xmlns:p="http://schemas.openxmlformats.org/presentationml/2006/main">
   <p:cSld>
     <p:spTree>
@@ -28715,7 +28809,7 @@
             <a:fld id="{C263D6C4-4840-40CC-AC84-17E24B3B7BDE}" type="slidenum">
               <a:rPr lang="en-US" noProof="0" smtClean="0"/>
               <a:pPr/>
-              <a:t>17</a:t>
+              <a:t>18</a:t>
             </a:fld>
             <a:endParaRPr lang="en-US" noProof="0" dirty="0"/>
           </a:p>
@@ -29141,7 +29235,7 @@
 </p:sld>
 </file>
 
-<file path=ppt/slides/slide18.xml><?xml version="1.0" encoding="utf-8"?>
+<file path=ppt/slides/slide19.xml><?xml version="1.0" encoding="utf-8"?>
 <p:sld xmlns:a="http://schemas.openxmlformats.org/drawingml/2006/main" xmlns:r="http://schemas.openxmlformats.org/officeDocument/2006/relationships" xmlns:p="http://schemas.openxmlformats.org/presentationml/2006/main">
   <p:cSld>
     <p:spTree>
@@ -29215,7 +29309,7 @@
             <a:fld id="{C263D6C4-4840-40CC-AC84-17E24B3B7BDE}" type="slidenum">
               <a:rPr lang="en-US" noProof="0" smtClean="0"/>
               <a:pPr/>
-              <a:t>18</a:t>
+              <a:t>19</a:t>
             </a:fld>
             <a:endParaRPr lang="en-US" noProof="0" dirty="0"/>
           </a:p>
@@ -29464,273 +29558,6 @@
 </p:sld>
 </file>
 
-<file path=ppt/slides/slide19.xml><?xml version="1.0" encoding="utf-8"?>
-<p:sld xmlns:a="http://schemas.openxmlformats.org/drawingml/2006/main" xmlns:r="http://schemas.openxmlformats.org/officeDocument/2006/relationships" xmlns:p="http://schemas.openxmlformats.org/presentationml/2006/main">
-  <p:cSld>
-    <p:spTree>
-      <p:nvGrpSpPr>
-        <p:cNvPr id="1" name=""/>
-        <p:cNvGrpSpPr/>
-        <p:nvPr/>
-      </p:nvGrpSpPr>
-      <p:grpSpPr>
-        <a:xfrm>
-          <a:off x="0" y="0"/>
-          <a:ext cx="0" cy="0"/>
-          <a:chOff x="0" y="0"/>
-          <a:chExt cx="0" cy="0"/>
-        </a:xfrm>
-      </p:grpSpPr>
-      <p:sp>
-        <p:nvSpPr>
-          <p:cNvPr id="2" name="Title 1">
-            <a:extLst>
-              <a:ext uri="{FF2B5EF4-FFF2-40B4-BE49-F238E27FC236}">
-                <a16:creationId xmlns:a16="http://schemas.microsoft.com/office/drawing/2014/main" id="{C1B515F1-DDBF-49A6-A959-E39C33ABF0C3}"/>
-              </a:ext>
-            </a:extLst>
-          </p:cNvPr>
-          <p:cNvSpPr>
-            <a:spLocks noGrp="1"/>
-          </p:cNvSpPr>
-          <p:nvPr>
-            <p:ph type="title"/>
-          </p:nvPr>
-        </p:nvSpPr>
-        <p:spPr/>
-        <p:txBody>
-          <a:bodyPr/>
-          <a:lstStyle/>
-          <a:p>
-            <a:r>
-              <a:rPr lang="en-IN" dirty="0"/>
-              <a:t>Docker Run - </a:t>
-            </a:r>
-            <a:r>
-              <a:rPr lang="en-IN" sz="2400" dirty="0"/>
-              <a:t>Action</a:t>
-            </a:r>
-            <a:endParaRPr lang="en-IN" dirty="0"/>
-          </a:p>
-        </p:txBody>
-      </p:sp>
-      <p:sp>
-        <p:nvSpPr>
-          <p:cNvPr id="3" name="Slide Number Placeholder 2">
-            <a:extLst>
-              <a:ext uri="{FF2B5EF4-FFF2-40B4-BE49-F238E27FC236}">
-                <a16:creationId xmlns:a16="http://schemas.microsoft.com/office/drawing/2014/main" id="{F322BFDF-3E92-4DA7-802B-BF68F6A40138}"/>
-              </a:ext>
-            </a:extLst>
-          </p:cNvPr>
-          <p:cNvSpPr>
-            <a:spLocks noGrp="1"/>
-          </p:cNvSpPr>
-          <p:nvPr>
-            <p:ph type="sldNum" sz="quarter" idx="12"/>
-          </p:nvPr>
-        </p:nvSpPr>
-        <p:spPr/>
-        <p:txBody>
-          <a:bodyPr/>
-          <a:lstStyle/>
-          <a:p>
-            <a:fld id="{C263D6C4-4840-40CC-AC84-17E24B3B7BDE}" type="slidenum">
-              <a:rPr lang="en-US" noProof="0" smtClean="0"/>
-              <a:pPr/>
-              <a:t>19</a:t>
-            </a:fld>
-            <a:endParaRPr lang="en-US" noProof="0" dirty="0"/>
-          </a:p>
-        </p:txBody>
-      </p:sp>
-      <p:sp>
-        <p:nvSpPr>
-          <p:cNvPr id="4" name="Text Placeholder 3">
-            <a:extLst>
-              <a:ext uri="{FF2B5EF4-FFF2-40B4-BE49-F238E27FC236}">
-                <a16:creationId xmlns:a16="http://schemas.microsoft.com/office/drawing/2014/main" id="{45F49890-3BF5-4161-A54A-13C0760CD39E}"/>
-              </a:ext>
-            </a:extLst>
-          </p:cNvPr>
-          <p:cNvSpPr>
-            <a:spLocks noGrp="1"/>
-          </p:cNvSpPr>
-          <p:nvPr>
-            <p:ph type="body" sz="quarter" idx="13"/>
-          </p:nvPr>
-        </p:nvSpPr>
-        <p:spPr>
-          <a:xfrm>
-            <a:off x="444500" y="1625385"/>
-            <a:ext cx="4258129" cy="4093243"/>
-          </a:xfrm>
-        </p:spPr>
-        <p:txBody>
-          <a:bodyPr/>
-          <a:lstStyle/>
-          <a:p>
-            <a:pPr algn="just"/>
-            <a:r>
-              <a:rPr lang="en-US" sz="1800" dirty="0"/>
-              <a:t>Processes the Image file supplied and starts a Container.</a:t>
-            </a:r>
-          </a:p>
-          <a:p>
-            <a:pPr algn="just"/>
-            <a:r>
-              <a:rPr lang="en-US" sz="1800" dirty="0"/>
-              <a:t>Container started is always Isolated. </a:t>
-            </a:r>
-          </a:p>
-          <a:p>
-            <a:pPr algn="just"/>
-            <a:r>
-              <a:rPr lang="en-US" sz="1800" dirty="0"/>
-              <a:t>Container host may be local or remote. </a:t>
-            </a:r>
-          </a:p>
-          <a:p>
-            <a:pPr algn="just"/>
-            <a:r>
-              <a:rPr lang="en-US" sz="1800" dirty="0"/>
-              <a:t>Container process has its own file system, its own networking, and its own isolated process tree separate from the host.</a:t>
-            </a:r>
-            <a:endParaRPr lang="en-IN" sz="1800" dirty="0"/>
-          </a:p>
-        </p:txBody>
-      </p:sp>
-      <p:pic>
-        <p:nvPicPr>
-          <p:cNvPr id="7" name="Picture 6">
-            <a:extLst>
-              <a:ext uri="{FF2B5EF4-FFF2-40B4-BE49-F238E27FC236}">
-                <a16:creationId xmlns:a16="http://schemas.microsoft.com/office/drawing/2014/main" id="{C5C839D2-8E81-43B9-8004-1FD9062D065E}"/>
-              </a:ext>
-            </a:extLst>
-          </p:cNvPr>
-          <p:cNvPicPr>
-            <a:picLocks noChangeAspect="1"/>
-          </p:cNvPicPr>
-          <p:nvPr/>
-        </p:nvPicPr>
-        <p:blipFill rotWithShape="1">
-          <a:blip r:embed="rId2"/>
-          <a:srcRect r="11323"/>
-          <a:stretch/>
-        </p:blipFill>
-        <p:spPr>
-          <a:xfrm>
-            <a:off x="5071253" y="1471731"/>
-            <a:ext cx="6638925" cy="2200275"/>
-          </a:xfrm>
-          <a:prstGeom prst="rect">
-            <a:avLst/>
-          </a:prstGeom>
-        </p:spPr>
-      </p:pic>
-      <p:pic>
-        <p:nvPicPr>
-          <p:cNvPr id="9" name="Picture 8">
-            <a:extLst>
-              <a:ext uri="{FF2B5EF4-FFF2-40B4-BE49-F238E27FC236}">
-                <a16:creationId xmlns:a16="http://schemas.microsoft.com/office/drawing/2014/main" id="{6E1A54FC-8213-4B8E-87CE-F03EC9FFC99C}"/>
-              </a:ext>
-            </a:extLst>
-          </p:cNvPr>
-          <p:cNvPicPr>
-            <a:picLocks noChangeAspect="1"/>
-          </p:cNvPicPr>
-          <p:nvPr/>
-        </p:nvPicPr>
-        <p:blipFill>
-          <a:blip r:embed="rId3"/>
-          <a:stretch>
-            <a:fillRect/>
-          </a:stretch>
-        </p:blipFill>
-        <p:spPr>
-          <a:xfrm>
-            <a:off x="5071253" y="4331553"/>
-            <a:ext cx="6638925" cy="1323975"/>
-          </a:xfrm>
-          <a:prstGeom prst="rect">
-            <a:avLst/>
-          </a:prstGeom>
-        </p:spPr>
-      </p:pic>
-      <p:pic>
-        <p:nvPicPr>
-          <p:cNvPr id="7171" name="Picture 3" descr="Execute Icon #156008 - Free Icons Library">
-            <a:extLst>
-              <a:ext uri="{FF2B5EF4-FFF2-40B4-BE49-F238E27FC236}">
-                <a16:creationId xmlns:a16="http://schemas.microsoft.com/office/drawing/2014/main" id="{894746C8-6956-46C0-A7E4-C0E80E8DE1CD}"/>
-              </a:ext>
-            </a:extLst>
-          </p:cNvPr>
-          <p:cNvPicPr>
-            <a:picLocks noChangeAspect="1" noChangeArrowheads="1"/>
-          </p:cNvPicPr>
-          <p:nvPr/>
-        </p:nvPicPr>
-        <p:blipFill>
-          <a:blip r:embed="rId4">
-            <a:extLst>
-              <a:ext uri="{28A0092B-C50C-407E-A947-70E740481C1C}">
-                <a14:useLocalDpi xmlns:a14="http://schemas.microsoft.com/office/drawing/2010/main" val="0"/>
-              </a:ext>
-            </a:extLst>
-          </a:blip>
-          <a:srcRect/>
-          <a:stretch>
-            <a:fillRect/>
-          </a:stretch>
-        </p:blipFill>
-        <p:spPr bwMode="auto">
-          <a:xfrm>
-            <a:off x="10932367" y="447573"/>
-            <a:ext cx="726233" cy="726233"/>
-          </a:xfrm>
-          <a:prstGeom prst="rect">
-            <a:avLst/>
-          </a:prstGeom>
-          <a:noFill/>
-          <a:extLst>
-            <a:ext uri="{909E8E84-426E-40DD-AFC4-6F175D3DCCD1}">
-              <a14:hiddenFill xmlns:a14="http://schemas.microsoft.com/office/drawing/2010/main">
-                <a:solidFill>
-                  <a:srgbClr val="FFFFFF"/>
-                </a:solidFill>
-              </a14:hiddenFill>
-            </a:ext>
-          </a:extLst>
-        </p:spPr>
-      </p:pic>
-    </p:spTree>
-    <p:extLst>
-      <p:ext uri="{BB962C8B-B14F-4D97-AF65-F5344CB8AC3E}">
-        <p14:creationId xmlns:p14="http://schemas.microsoft.com/office/powerpoint/2010/main" val="2616555433"/>
-      </p:ext>
-    </p:extLst>
-  </p:cSld>
-  <p:clrMapOvr>
-    <a:masterClrMapping/>
-  </p:clrMapOvr>
-  <mc:AlternateContent xmlns:mc="http://schemas.openxmlformats.org/markup-compatibility/2006" xmlns:p14="http://schemas.microsoft.com/office/powerpoint/2010/main">
-    <mc:Choice Requires="p14">
-      <p:transition spd="med" p14:dur="700">
-        <p:fade/>
-      </p:transition>
-    </mc:Choice>
-    <mc:Fallback xmlns="">
-      <p:transition spd="med">
-        <p:fade/>
-      </p:transition>
-    </mc:Fallback>
-  </mc:AlternateContent>
-</p:sld>
-</file>
-
 <file path=ppt/slides/slide2.xml><?xml version="1.0" encoding="utf-8"?>
 <p:sld xmlns:a="http://schemas.openxmlformats.org/drawingml/2006/main" xmlns:r="http://schemas.openxmlformats.org/officeDocument/2006/relationships" xmlns:p="http://schemas.openxmlformats.org/presentationml/2006/main">
   <p:cSld>
@@ -29824,13 +29651,24 @@
         </p:nvSpPr>
         <p:spPr>
           <a:xfrm>
-            <a:off x="547136" y="2620000"/>
-            <a:ext cx="4248799" cy="2832792"/>
+            <a:off x="547136" y="2619999"/>
+            <a:ext cx="4248799" cy="3827453"/>
           </a:xfrm>
         </p:spPr>
         <p:txBody>
           <a:bodyPr/>
           <a:lstStyle/>
+          <a:p>
+            <a:pPr algn="just">
+              <a:lnSpc>
+                <a:spcPct val="150000"/>
+              </a:lnSpc>
+            </a:pPr>
+            <a:r>
+              <a:rPr lang="en-IN" sz="1800" dirty="0"/>
+              <a:t>The Problem Statement</a:t>
+            </a:r>
+          </a:p>
           <a:p>
             <a:pPr algn="just">
               <a:lnSpc>
@@ -29872,7 +29710,7 @@
             </a:pPr>
             <a:r>
               <a:rPr lang="en-IN" sz="1800" dirty="0"/>
-              <a:t>Overall Docker System Visualization and Architecture</a:t>
+              <a:t>Overall Visualization and Architecture</a:t>
             </a:r>
           </a:p>
           <a:p>
@@ -30013,7 +29851,7 @@
         </p:nvSpPr>
         <p:spPr>
           <a:xfrm>
-            <a:off x="5413184" y="2657320"/>
+            <a:off x="5535324" y="2620000"/>
             <a:ext cx="3721486" cy="3695075"/>
           </a:xfrm>
           <a:prstGeom prst="rect">
@@ -30235,7 +30073,7 @@
             </a:pPr>
             <a:r>
               <a:rPr lang="en-IN" sz="1800" dirty="0"/>
-              <a:t>Docker Build &amp; Docker Run with examples</a:t>
+              <a:t>Docker Build &amp; Docker Run</a:t>
             </a:r>
           </a:p>
           <a:p>
@@ -30268,7 +30106,18 @@
             </a:pPr>
             <a:r>
               <a:rPr lang="en-IN" sz="1800" dirty="0"/>
-              <a:t>Docker Save &amp; Load</a:t>
+              <a:t>Docker Save </a:t>
+            </a:r>
+          </a:p>
+          <a:p>
+            <a:pPr algn="just">
+              <a:lnSpc>
+                <a:spcPct val="150000"/>
+              </a:lnSpc>
+            </a:pPr>
+            <a:r>
+              <a:rPr lang="en-IN" sz="1800" dirty="0"/>
+              <a:t>Docker Load</a:t>
             </a:r>
           </a:p>
           <a:p>
@@ -30340,10 +30189,10 @@
       </p:grpSpPr>
       <p:sp>
         <p:nvSpPr>
-          <p:cNvPr id="4" name="Title 3">
-            <a:extLst>
-              <a:ext uri="{FF2B5EF4-FFF2-40B4-BE49-F238E27FC236}">
-                <a16:creationId xmlns:a16="http://schemas.microsoft.com/office/drawing/2014/main" id="{BD179B88-D43C-4A31-9A52-3498E9430782}"/>
+          <p:cNvPr id="2" name="Title 1">
+            <a:extLst>
+              <a:ext uri="{FF2B5EF4-FFF2-40B4-BE49-F238E27FC236}">
+                <a16:creationId xmlns:a16="http://schemas.microsoft.com/office/drawing/2014/main" id="{C1B515F1-DDBF-49A6-A959-E39C33ABF0C3}"/>
               </a:ext>
             </a:extLst>
           </p:cNvPr>
@@ -30354,29 +30203,29 @@
             <p:ph type="title"/>
           </p:nvPr>
         </p:nvSpPr>
-        <p:spPr>
-          <a:xfrm>
-            <a:off x="608169" y="2915816"/>
-            <a:ext cx="7781544" cy="859055"/>
-          </a:xfrm>
-        </p:spPr>
+        <p:spPr/>
         <p:txBody>
           <a:bodyPr/>
           <a:lstStyle/>
           <a:p>
             <a:r>
-              <a:rPr lang="en-US" dirty="0"/>
-              <a:t>Diving Deeper</a:t>
+              <a:rPr lang="en-IN" dirty="0"/>
+              <a:t>Docker Run - </a:t>
             </a:r>
+            <a:r>
+              <a:rPr lang="en-IN" sz="2400" dirty="0"/>
+              <a:t>Action</a:t>
+            </a:r>
+            <a:endParaRPr lang="en-IN" dirty="0"/>
           </a:p>
         </p:txBody>
       </p:sp>
       <p:sp>
         <p:nvSpPr>
-          <p:cNvPr id="2" name="Slide Number Placeholder 1">
-            <a:extLst>
-              <a:ext uri="{FF2B5EF4-FFF2-40B4-BE49-F238E27FC236}">
-                <a16:creationId xmlns:a16="http://schemas.microsoft.com/office/drawing/2014/main" id="{8B065C75-272B-4BB5-BA23-D80E8654D621}"/>
+          <p:cNvPr id="3" name="Slide Number Placeholder 2">
+            <a:extLst>
+              <a:ext uri="{FF2B5EF4-FFF2-40B4-BE49-F238E27FC236}">
+                <a16:creationId xmlns:a16="http://schemas.microsoft.com/office/drawing/2014/main" id="{F322BFDF-3E92-4DA7-802B-BF68F6A40138}"/>
               </a:ext>
             </a:extLst>
           </p:cNvPr>
@@ -30393,18 +30242,180 @@
           <a:lstStyle/>
           <a:p>
             <a:fld id="{C263D6C4-4840-40CC-AC84-17E24B3B7BDE}" type="slidenum">
-              <a:rPr lang="en-US" smtClean="0"/>
+              <a:rPr lang="en-US" noProof="0" smtClean="0"/>
               <a:pPr/>
               <a:t>20</a:t>
             </a:fld>
-            <a:endParaRPr lang="en-US" dirty="0"/>
+            <a:endParaRPr lang="en-US" noProof="0" dirty="0"/>
           </a:p>
         </p:txBody>
       </p:sp>
+      <p:sp>
+        <p:nvSpPr>
+          <p:cNvPr id="4" name="Text Placeholder 3">
+            <a:extLst>
+              <a:ext uri="{FF2B5EF4-FFF2-40B4-BE49-F238E27FC236}">
+                <a16:creationId xmlns:a16="http://schemas.microsoft.com/office/drawing/2014/main" id="{45F49890-3BF5-4161-A54A-13C0760CD39E}"/>
+              </a:ext>
+            </a:extLst>
+          </p:cNvPr>
+          <p:cNvSpPr>
+            <a:spLocks noGrp="1"/>
+          </p:cNvSpPr>
+          <p:nvPr>
+            <p:ph type="body" sz="quarter" idx="13"/>
+          </p:nvPr>
+        </p:nvSpPr>
+        <p:spPr>
+          <a:xfrm>
+            <a:off x="444500" y="1625385"/>
+            <a:ext cx="4258129" cy="4093243"/>
+          </a:xfrm>
+        </p:spPr>
+        <p:txBody>
+          <a:bodyPr/>
+          <a:lstStyle/>
+          <a:p>
+            <a:pPr algn="just"/>
+            <a:r>
+              <a:rPr lang="en-US" sz="1800" dirty="0"/>
+              <a:t>Processes the Image file supplied and starts a Container.</a:t>
+            </a:r>
+          </a:p>
+          <a:p>
+            <a:pPr algn="just"/>
+            <a:r>
+              <a:rPr lang="en-US" sz="1800" dirty="0"/>
+              <a:t>Container started is always Isolated. </a:t>
+            </a:r>
+          </a:p>
+          <a:p>
+            <a:pPr algn="just"/>
+            <a:r>
+              <a:rPr lang="en-US" sz="1800" dirty="0"/>
+              <a:t>Container host may be local or remote. </a:t>
+            </a:r>
+          </a:p>
+          <a:p>
+            <a:pPr algn="just"/>
+            <a:r>
+              <a:rPr lang="en-US" sz="1800" dirty="0"/>
+              <a:t>Container process has its own file system, its own networking, and its own isolated process tree separate from the host.</a:t>
+            </a:r>
+            <a:endParaRPr lang="en-IN" sz="1800" dirty="0"/>
+          </a:p>
+        </p:txBody>
+      </p:sp>
+      <p:pic>
+        <p:nvPicPr>
+          <p:cNvPr id="7" name="Picture 6">
+            <a:extLst>
+              <a:ext uri="{FF2B5EF4-FFF2-40B4-BE49-F238E27FC236}">
+                <a16:creationId xmlns:a16="http://schemas.microsoft.com/office/drawing/2014/main" id="{C5C839D2-8E81-43B9-8004-1FD9062D065E}"/>
+              </a:ext>
+            </a:extLst>
+          </p:cNvPr>
+          <p:cNvPicPr>
+            <a:picLocks noChangeAspect="1"/>
+          </p:cNvPicPr>
+          <p:nvPr/>
+        </p:nvPicPr>
+        <p:blipFill rotWithShape="1">
+          <a:blip r:embed="rId2"/>
+          <a:srcRect r="11323"/>
+          <a:stretch/>
+        </p:blipFill>
+        <p:spPr>
+          <a:xfrm>
+            <a:off x="5071253" y="1471731"/>
+            <a:ext cx="6638925" cy="2200275"/>
+          </a:xfrm>
+          <a:prstGeom prst="rect">
+            <a:avLst/>
+          </a:prstGeom>
+        </p:spPr>
+      </p:pic>
+      <p:pic>
+        <p:nvPicPr>
+          <p:cNvPr id="9" name="Picture 8">
+            <a:extLst>
+              <a:ext uri="{FF2B5EF4-FFF2-40B4-BE49-F238E27FC236}">
+                <a16:creationId xmlns:a16="http://schemas.microsoft.com/office/drawing/2014/main" id="{6E1A54FC-8213-4B8E-87CE-F03EC9FFC99C}"/>
+              </a:ext>
+            </a:extLst>
+          </p:cNvPr>
+          <p:cNvPicPr>
+            <a:picLocks noChangeAspect="1"/>
+          </p:cNvPicPr>
+          <p:nvPr/>
+        </p:nvPicPr>
+        <p:blipFill>
+          <a:blip r:embed="rId3"/>
+          <a:stretch>
+            <a:fillRect/>
+          </a:stretch>
+        </p:blipFill>
+        <p:spPr>
+          <a:xfrm>
+            <a:off x="5071253" y="4331553"/>
+            <a:ext cx="6638925" cy="1323975"/>
+          </a:xfrm>
+          <a:prstGeom prst="rect">
+            <a:avLst/>
+          </a:prstGeom>
+        </p:spPr>
+      </p:pic>
+      <p:pic>
+        <p:nvPicPr>
+          <p:cNvPr id="7171" name="Picture 3" descr="Execute Icon #156008 - Free Icons Library">
+            <a:extLst>
+              <a:ext uri="{FF2B5EF4-FFF2-40B4-BE49-F238E27FC236}">
+                <a16:creationId xmlns:a16="http://schemas.microsoft.com/office/drawing/2014/main" id="{894746C8-6956-46C0-A7E4-C0E80E8DE1CD}"/>
+              </a:ext>
+            </a:extLst>
+          </p:cNvPr>
+          <p:cNvPicPr>
+            <a:picLocks noChangeAspect="1" noChangeArrowheads="1"/>
+          </p:cNvPicPr>
+          <p:nvPr/>
+        </p:nvPicPr>
+        <p:blipFill>
+          <a:blip r:embed="rId4">
+            <a:extLst>
+              <a:ext uri="{28A0092B-C50C-407E-A947-70E740481C1C}">
+                <a14:useLocalDpi xmlns:a14="http://schemas.microsoft.com/office/drawing/2010/main" val="0"/>
+              </a:ext>
+            </a:extLst>
+          </a:blip>
+          <a:srcRect/>
+          <a:stretch>
+            <a:fillRect/>
+          </a:stretch>
+        </p:blipFill>
+        <p:spPr bwMode="auto">
+          <a:xfrm>
+            <a:off x="10932367" y="447573"/>
+            <a:ext cx="726233" cy="726233"/>
+          </a:xfrm>
+          <a:prstGeom prst="rect">
+            <a:avLst/>
+          </a:prstGeom>
+          <a:noFill/>
+          <a:extLst>
+            <a:ext uri="{909E8E84-426E-40DD-AFC4-6F175D3DCCD1}">
+              <a14:hiddenFill xmlns:a14="http://schemas.microsoft.com/office/drawing/2010/main">
+                <a:solidFill>
+                  <a:srgbClr val="FFFFFF"/>
+                </a:solidFill>
+              </a14:hiddenFill>
+            </a:ext>
+          </a:extLst>
+        </p:spPr>
+      </p:pic>
     </p:spTree>
     <p:extLst>
       <p:ext uri="{BB962C8B-B14F-4D97-AF65-F5344CB8AC3E}">
-        <p14:creationId xmlns:p14="http://schemas.microsoft.com/office/powerpoint/2010/main" val="709828751"/>
+        <p14:creationId xmlns:p14="http://schemas.microsoft.com/office/powerpoint/2010/main" val="2616555433"/>
       </p:ext>
     </p:extLst>
   </p:cSld>
@@ -30445,6 +30456,111 @@
       </p:grpSpPr>
       <p:sp>
         <p:nvSpPr>
+          <p:cNvPr id="4" name="Title 3">
+            <a:extLst>
+              <a:ext uri="{FF2B5EF4-FFF2-40B4-BE49-F238E27FC236}">
+                <a16:creationId xmlns:a16="http://schemas.microsoft.com/office/drawing/2014/main" id="{BD179B88-D43C-4A31-9A52-3498E9430782}"/>
+              </a:ext>
+            </a:extLst>
+          </p:cNvPr>
+          <p:cNvSpPr>
+            <a:spLocks noGrp="1"/>
+          </p:cNvSpPr>
+          <p:nvPr>
+            <p:ph type="title"/>
+          </p:nvPr>
+        </p:nvSpPr>
+        <p:spPr>
+          <a:xfrm>
+            <a:off x="608169" y="2915816"/>
+            <a:ext cx="7781544" cy="859055"/>
+          </a:xfrm>
+        </p:spPr>
+        <p:txBody>
+          <a:bodyPr/>
+          <a:lstStyle/>
+          <a:p>
+            <a:r>
+              <a:rPr lang="en-US" dirty="0"/>
+              <a:t>Diving Deeper</a:t>
+            </a:r>
+          </a:p>
+        </p:txBody>
+      </p:sp>
+      <p:sp>
+        <p:nvSpPr>
+          <p:cNvPr id="2" name="Slide Number Placeholder 1">
+            <a:extLst>
+              <a:ext uri="{FF2B5EF4-FFF2-40B4-BE49-F238E27FC236}">
+                <a16:creationId xmlns:a16="http://schemas.microsoft.com/office/drawing/2014/main" id="{8B065C75-272B-4BB5-BA23-D80E8654D621}"/>
+              </a:ext>
+            </a:extLst>
+          </p:cNvPr>
+          <p:cNvSpPr>
+            <a:spLocks noGrp="1"/>
+          </p:cNvSpPr>
+          <p:nvPr>
+            <p:ph type="sldNum" sz="quarter" idx="12"/>
+          </p:nvPr>
+        </p:nvSpPr>
+        <p:spPr/>
+        <p:txBody>
+          <a:bodyPr/>
+          <a:lstStyle/>
+          <a:p>
+            <a:fld id="{C263D6C4-4840-40CC-AC84-17E24B3B7BDE}" type="slidenum">
+              <a:rPr lang="en-US" smtClean="0"/>
+              <a:pPr/>
+              <a:t>21</a:t>
+            </a:fld>
+            <a:endParaRPr lang="en-US" dirty="0"/>
+          </a:p>
+        </p:txBody>
+      </p:sp>
+    </p:spTree>
+    <p:extLst>
+      <p:ext uri="{BB962C8B-B14F-4D97-AF65-F5344CB8AC3E}">
+        <p14:creationId xmlns:p14="http://schemas.microsoft.com/office/powerpoint/2010/main" val="709828751"/>
+      </p:ext>
+    </p:extLst>
+  </p:cSld>
+  <p:clrMapOvr>
+    <a:masterClrMapping/>
+  </p:clrMapOvr>
+  <mc:AlternateContent xmlns:mc="http://schemas.openxmlformats.org/markup-compatibility/2006" xmlns:p14="http://schemas.microsoft.com/office/powerpoint/2010/main">
+    <mc:Choice Requires="p14">
+      <p:transition spd="med" p14:dur="700">
+        <p:fade/>
+      </p:transition>
+    </mc:Choice>
+    <mc:Fallback xmlns="">
+      <p:transition spd="med">
+        <p:fade/>
+      </p:transition>
+    </mc:Fallback>
+  </mc:AlternateContent>
+</p:sld>
+</file>
+
+<file path=ppt/slides/slide22.xml><?xml version="1.0" encoding="utf-8"?>
+<p:sld xmlns:a="http://schemas.openxmlformats.org/drawingml/2006/main" xmlns:r="http://schemas.openxmlformats.org/officeDocument/2006/relationships" xmlns:p="http://schemas.openxmlformats.org/presentationml/2006/main">
+  <p:cSld>
+    <p:spTree>
+      <p:nvGrpSpPr>
+        <p:cNvPr id="1" name=""/>
+        <p:cNvGrpSpPr/>
+        <p:nvPr/>
+      </p:nvGrpSpPr>
+      <p:grpSpPr>
+        <a:xfrm>
+          <a:off x="0" y="0"/>
+          <a:ext cx="0" cy="0"/>
+          <a:chOff x="0" y="0"/>
+          <a:chExt cx="0" cy="0"/>
+        </a:xfrm>
+      </p:grpSpPr>
+      <p:sp>
+        <p:nvSpPr>
           <p:cNvPr id="2" name="Title 1">
             <a:extLst>
               <a:ext uri="{FF2B5EF4-FFF2-40B4-BE49-F238E27FC236}">
@@ -30495,7 +30611,7 @@
             <a:fld id="{C263D6C4-4840-40CC-AC84-17E24B3B7BDE}" type="slidenum">
               <a:rPr lang="en-US" noProof="0" smtClean="0"/>
               <a:pPr/>
-              <a:t>21</a:t>
+              <a:t>22</a:t>
             </a:fld>
             <a:endParaRPr lang="en-US" noProof="0" dirty="0"/>
           </a:p>
@@ -30726,7 +30842,7 @@
 </p:sld>
 </file>
 
-<file path=ppt/slides/slide22.xml><?xml version="1.0" encoding="utf-8"?>
+<file path=ppt/slides/slide23.xml><?xml version="1.0" encoding="utf-8"?>
 <p:sld xmlns:a="http://schemas.openxmlformats.org/drawingml/2006/main" xmlns:r="http://schemas.openxmlformats.org/officeDocument/2006/relationships" xmlns:p="http://schemas.openxmlformats.org/presentationml/2006/main">
   <p:cSld>
     <p:spTree>
@@ -30795,7 +30911,7 @@
             <a:fld id="{C263D6C4-4840-40CC-AC84-17E24B3B7BDE}" type="slidenum">
               <a:rPr lang="en-US" noProof="0" smtClean="0"/>
               <a:pPr/>
-              <a:t>22</a:t>
+              <a:t>23</a:t>
             </a:fld>
             <a:endParaRPr lang="en-US" noProof="0" dirty="0"/>
           </a:p>
@@ -31253,7 +31369,7 @@
 </p:sld>
 </file>
 
-<file path=ppt/slides/slide23.xml><?xml version="1.0" encoding="utf-8"?>
+<file path=ppt/slides/slide24.xml><?xml version="1.0" encoding="utf-8"?>
 <p:sld xmlns:a="http://schemas.openxmlformats.org/drawingml/2006/main" xmlns:r="http://schemas.openxmlformats.org/officeDocument/2006/relationships" xmlns:p="http://schemas.openxmlformats.org/presentationml/2006/main">
   <p:cSld>
     <p:spTree>
@@ -31322,7 +31438,7 @@
             <a:fld id="{C263D6C4-4840-40CC-AC84-17E24B3B7BDE}" type="slidenum">
               <a:rPr lang="en-US" noProof="0" smtClean="0"/>
               <a:pPr/>
-              <a:t>23</a:t>
+              <a:t>24</a:t>
             </a:fld>
             <a:endParaRPr lang="en-US" noProof="0" dirty="0"/>
           </a:p>
@@ -31535,7 +31651,7 @@
 </p:sld>
 </file>
 
-<file path=ppt/slides/slide24.xml><?xml version="1.0" encoding="utf-8"?>
+<file path=ppt/slides/slide25.xml><?xml version="1.0" encoding="utf-8"?>
 <p:sld xmlns:a="http://schemas.openxmlformats.org/drawingml/2006/main" xmlns:r="http://schemas.openxmlformats.org/officeDocument/2006/relationships" xmlns:p="http://schemas.openxmlformats.org/presentationml/2006/main">
   <p:cSld>
     <p:spTree>
@@ -31604,7 +31720,7 @@
             <a:fld id="{C263D6C4-4840-40CC-AC84-17E24B3B7BDE}" type="slidenum">
               <a:rPr lang="en-US" noProof="0" smtClean="0"/>
               <a:pPr/>
-              <a:t>24</a:t>
+              <a:t>25</a:t>
             </a:fld>
             <a:endParaRPr lang="en-US" noProof="0" dirty="0"/>
           </a:p>
@@ -31940,7 +32056,7 @@
 </p:sld>
 </file>
 
-<file path=ppt/slides/slide25.xml><?xml version="1.0" encoding="utf-8"?>
+<file path=ppt/slides/slide26.xml><?xml version="1.0" encoding="utf-8"?>
 <p:sld xmlns:a="http://schemas.openxmlformats.org/drawingml/2006/main" xmlns:r="http://schemas.openxmlformats.org/officeDocument/2006/relationships" xmlns:p="http://schemas.openxmlformats.org/presentationml/2006/main">
   <p:cSld>
     <p:spTree>
@@ -32009,7 +32125,7 @@
             <a:fld id="{C263D6C4-4840-40CC-AC84-17E24B3B7BDE}" type="slidenum">
               <a:rPr lang="en-US" noProof="0" smtClean="0"/>
               <a:pPr/>
-              <a:t>25</a:t>
+              <a:t>26</a:t>
             </a:fld>
             <a:endParaRPr lang="en-US" noProof="0" dirty="0"/>
           </a:p>
@@ -32172,7 +32288,7 @@
 </p:sld>
 </file>
 
-<file path=ppt/slides/slide26.xml><?xml version="1.0" encoding="utf-8"?>
+<file path=ppt/slides/slide27.xml><?xml version="1.0" encoding="utf-8"?>
 <p:sld xmlns:a="http://schemas.openxmlformats.org/drawingml/2006/main" xmlns:r="http://schemas.openxmlformats.org/officeDocument/2006/relationships" xmlns:p="http://schemas.openxmlformats.org/presentationml/2006/main">
   <p:cSld>
     <p:spTree>
@@ -32213,7 +32329,7 @@
             <a:fld id="{C263D6C4-4840-40CC-AC84-17E24B3B7BDE}" type="slidenum">
               <a:rPr lang="en-US" noProof="0" smtClean="0"/>
               <a:pPr/>
-              <a:t>26</a:t>
+              <a:t>27</a:t>
             </a:fld>
             <a:endParaRPr lang="en-US" noProof="0" dirty="0"/>
           </a:p>
@@ -32669,7 +32785,7 @@
 </p:sld>
 </file>
 
-<file path=ppt/slides/slide27.xml><?xml version="1.0" encoding="utf-8"?>
+<file path=ppt/slides/slide28.xml><?xml version="1.0" encoding="utf-8"?>
 <p:sld xmlns:a="http://schemas.openxmlformats.org/drawingml/2006/main" xmlns:r="http://schemas.openxmlformats.org/officeDocument/2006/relationships" xmlns:p="http://schemas.openxmlformats.org/presentationml/2006/main">
   <p:cSld>
     <p:spTree>
@@ -32821,6 +32937,176 @@
       </p:grpSpPr>
       <p:sp>
         <p:nvSpPr>
+          <p:cNvPr id="2" name="Title 1">
+            <a:extLst>
+              <a:ext uri="{FF2B5EF4-FFF2-40B4-BE49-F238E27FC236}">
+                <a16:creationId xmlns:a16="http://schemas.microsoft.com/office/drawing/2014/main" id="{4DEE5B68-0A74-4AB4-98F2-3AEAE7792AC1}"/>
+              </a:ext>
+            </a:extLst>
+          </p:cNvPr>
+          <p:cNvSpPr>
+            <a:spLocks noGrp="1"/>
+          </p:cNvSpPr>
+          <p:nvPr>
+            <p:ph type="title"/>
+          </p:nvPr>
+        </p:nvSpPr>
+        <p:spPr/>
+        <p:txBody>
+          <a:bodyPr/>
+          <a:lstStyle/>
+          <a:p>
+            <a:r>
+              <a:rPr lang="en-IN" dirty="0"/>
+              <a:t>The Problem Statement…</a:t>
+            </a:r>
+          </a:p>
+        </p:txBody>
+      </p:sp>
+      <p:sp>
+        <p:nvSpPr>
+          <p:cNvPr id="3" name="Slide Number Placeholder 2">
+            <a:extLst>
+              <a:ext uri="{FF2B5EF4-FFF2-40B4-BE49-F238E27FC236}">
+                <a16:creationId xmlns:a16="http://schemas.microsoft.com/office/drawing/2014/main" id="{134895E5-7E83-4A3B-A7F6-DFD5D6668A9D}"/>
+              </a:ext>
+            </a:extLst>
+          </p:cNvPr>
+          <p:cNvSpPr>
+            <a:spLocks noGrp="1"/>
+          </p:cNvSpPr>
+          <p:nvPr>
+            <p:ph type="sldNum" sz="quarter" idx="12"/>
+          </p:nvPr>
+        </p:nvSpPr>
+        <p:spPr/>
+        <p:txBody>
+          <a:bodyPr/>
+          <a:lstStyle/>
+          <a:p>
+            <a:fld id="{C263D6C4-4840-40CC-AC84-17E24B3B7BDE}" type="slidenum">
+              <a:rPr lang="en-US" noProof="0" smtClean="0"/>
+              <a:pPr/>
+              <a:t>3</a:t>
+            </a:fld>
+            <a:endParaRPr lang="en-US" noProof="0" dirty="0"/>
+          </a:p>
+        </p:txBody>
+      </p:sp>
+      <p:sp>
+        <p:nvSpPr>
+          <p:cNvPr id="4" name="Text Placeholder 3">
+            <a:extLst>
+              <a:ext uri="{FF2B5EF4-FFF2-40B4-BE49-F238E27FC236}">
+                <a16:creationId xmlns:a16="http://schemas.microsoft.com/office/drawing/2014/main" id="{219742A2-A5BD-42D4-9488-2F273297D45D}"/>
+              </a:ext>
+            </a:extLst>
+          </p:cNvPr>
+          <p:cNvSpPr>
+            <a:spLocks noGrp="1"/>
+          </p:cNvSpPr>
+          <p:nvPr>
+            <p:ph type="body" sz="quarter" idx="13"/>
+          </p:nvPr>
+        </p:nvSpPr>
+        <p:spPr/>
+        <p:txBody>
+          <a:bodyPr/>
+          <a:lstStyle/>
+          <a:p>
+            <a:r>
+              <a:rPr lang="en-IN" sz="2000" dirty="0"/>
+              <a:t>My code is ready but how do I ship it ?</a:t>
+            </a:r>
+          </a:p>
+          <a:p>
+            <a:r>
+              <a:rPr lang="en-IN" sz="2000" dirty="0"/>
+              <a:t>How to manage all the dependencies ?</a:t>
+            </a:r>
+          </a:p>
+          <a:p>
+            <a:r>
+              <a:rPr lang="en-IN" sz="2000" dirty="0"/>
+              <a:t>What if the end user has a different Operating System ?</a:t>
+            </a:r>
+          </a:p>
+          <a:p>
+            <a:r>
+              <a:rPr lang="en-IN" sz="2000" dirty="0"/>
+              <a:t>How do I manage the generated Artifacts ?</a:t>
+            </a:r>
+          </a:p>
+          <a:p>
+            <a:r>
+              <a:rPr lang="en-IN" sz="2000" dirty="0"/>
+              <a:t>Is there a way I can deploy my application in a One-Click fashion ?</a:t>
+            </a:r>
+          </a:p>
+        </p:txBody>
+      </p:sp>
+      <p:pic>
+        <p:nvPicPr>
+          <p:cNvPr id="6" name="Picture 5">
+            <a:extLst>
+              <a:ext uri="{FF2B5EF4-FFF2-40B4-BE49-F238E27FC236}">
+                <a16:creationId xmlns:a16="http://schemas.microsoft.com/office/drawing/2014/main" id="{6CA6CCD5-B02E-41C9-9D4F-CBC864301B48}"/>
+              </a:ext>
+            </a:extLst>
+          </p:cNvPr>
+          <p:cNvPicPr>
+            <a:picLocks noChangeAspect="1"/>
+          </p:cNvPicPr>
+          <p:nvPr/>
+        </p:nvPicPr>
+        <p:blipFill>
+          <a:blip r:embed="rId2"/>
+          <a:stretch>
+            <a:fillRect/>
+          </a:stretch>
+        </p:blipFill>
+        <p:spPr>
+          <a:xfrm>
+            <a:off x="8917377" y="1950001"/>
+            <a:ext cx="2538023" cy="2538023"/>
+          </a:xfrm>
+          <a:prstGeom prst="rect">
+            <a:avLst/>
+          </a:prstGeom>
+        </p:spPr>
+      </p:pic>
+    </p:spTree>
+    <p:extLst>
+      <p:ext uri="{BB962C8B-B14F-4D97-AF65-F5344CB8AC3E}">
+        <p14:creationId xmlns:p14="http://schemas.microsoft.com/office/powerpoint/2010/main" val="3402093636"/>
+      </p:ext>
+    </p:extLst>
+  </p:cSld>
+  <p:clrMapOvr>
+    <a:masterClrMapping/>
+  </p:clrMapOvr>
+</p:sld>
+</file>
+
+<file path=ppt/slides/slide4.xml><?xml version="1.0" encoding="utf-8"?>
+<p:sld xmlns:a="http://schemas.openxmlformats.org/drawingml/2006/main" xmlns:r="http://schemas.openxmlformats.org/officeDocument/2006/relationships" xmlns:p="http://schemas.openxmlformats.org/presentationml/2006/main">
+  <p:cSld>
+    <p:spTree>
+      <p:nvGrpSpPr>
+        <p:cNvPr id="1" name=""/>
+        <p:cNvGrpSpPr/>
+        <p:nvPr/>
+      </p:nvGrpSpPr>
+      <p:grpSpPr>
+        <a:xfrm>
+          <a:off x="0" y="0"/>
+          <a:ext cx="0" cy="0"/>
+          <a:chOff x="0" y="0"/>
+          <a:chExt cx="0" cy="0"/>
+        </a:xfrm>
+      </p:grpSpPr>
+      <p:sp>
+        <p:nvSpPr>
           <p:cNvPr id="4" name="Title 3">
             <a:extLst>
               <a:ext uri="{FF2B5EF4-FFF2-40B4-BE49-F238E27FC236}">
@@ -32878,7 +33164,7 @@
             <a:fld id="{C263D6C4-4840-40CC-AC84-17E24B3B7BDE}" type="slidenum">
               <a:rPr lang="en-US" smtClean="0"/>
               <a:pPr/>
-              <a:t>3</a:t>
+              <a:t>4</a:t>
             </a:fld>
             <a:endParaRPr lang="en-US" dirty="0"/>
           </a:p>
@@ -32909,7 +33195,7 @@
 </p:sld>
 </file>
 
-<file path=ppt/slides/slide4.xml><?xml version="1.0" encoding="utf-8"?>
+<file path=ppt/slides/slide5.xml><?xml version="1.0" encoding="utf-8"?>
 <p:sld xmlns:a="http://schemas.openxmlformats.org/drawingml/2006/main" xmlns:r="http://schemas.openxmlformats.org/officeDocument/2006/relationships" xmlns:p="http://schemas.openxmlformats.org/presentationml/2006/main">
   <p:cSld>
     <p:spTree>
@@ -32978,7 +33264,7 @@
             <a:fld id="{C263D6C4-4840-40CC-AC84-17E24B3B7BDE}" type="slidenum">
               <a:rPr lang="en-US" noProof="0" smtClean="0"/>
               <a:pPr/>
-              <a:t>4</a:t>
+              <a:t>5</a:t>
             </a:fld>
             <a:endParaRPr lang="en-US" noProof="0" dirty="0"/>
           </a:p>
@@ -33169,7 +33455,7 @@
 </p:sld>
 </file>
 
-<file path=ppt/slides/slide5.xml><?xml version="1.0" encoding="utf-8"?>
+<file path=ppt/slides/slide6.xml><?xml version="1.0" encoding="utf-8"?>
 <p:sld xmlns:a="http://schemas.openxmlformats.org/drawingml/2006/main" xmlns:r="http://schemas.openxmlformats.org/officeDocument/2006/relationships" xmlns:p="http://schemas.openxmlformats.org/presentationml/2006/main">
   <p:cSld>
     <p:spTree>
@@ -33238,7 +33524,7 @@
             <a:fld id="{C263D6C4-4840-40CC-AC84-17E24B3B7BDE}" type="slidenum">
               <a:rPr lang="en-US" noProof="0" smtClean="0"/>
               <a:pPr/>
-              <a:t>5</a:t>
+              <a:t>6</a:t>
             </a:fld>
             <a:endParaRPr lang="en-US" noProof="0" dirty="0"/>
           </a:p>
@@ -33446,7 +33732,7 @@
 </p:sld>
 </file>
 
-<file path=ppt/slides/slide6.xml><?xml version="1.0" encoding="utf-8"?>
+<file path=ppt/slides/slide7.xml><?xml version="1.0" encoding="utf-8"?>
 <p:sld xmlns:a="http://schemas.openxmlformats.org/drawingml/2006/main" xmlns:r="http://schemas.openxmlformats.org/officeDocument/2006/relationships" xmlns:p="http://schemas.openxmlformats.org/presentationml/2006/main">
   <p:cSld>
     <p:spTree>
@@ -33515,7 +33801,7 @@
             <a:fld id="{C263D6C4-4840-40CC-AC84-17E24B3B7BDE}" type="slidenum">
               <a:rPr lang="en-US" noProof="0" smtClean="0"/>
               <a:pPr/>
-              <a:t>6</a:t>
+              <a:t>7</a:t>
             </a:fld>
             <a:endParaRPr lang="en-US" noProof="0" dirty="0"/>
           </a:p>
@@ -33536,7 +33822,7 @@
           <p:nvPr/>
         </p:nvPicPr>
         <p:blipFill>
-          <a:blip r:embed="rId2"/>
+          <a:blip r:embed="rId3"/>
           <a:stretch>
             <a:fillRect/>
           </a:stretch>
@@ -33566,7 +33852,7 @@
           <p:nvPr/>
         </p:nvPicPr>
         <p:blipFill>
-          <a:blip r:embed="rId3"/>
+          <a:blip r:embed="rId4"/>
           <a:stretch>
             <a:fillRect/>
           </a:stretch>
@@ -33596,14 +33882,14 @@
           <p:nvPr>
             <p:extLst>
               <p:ext uri="{D42A27DB-BD31-4B8C-83A1-F6EECF244321}">
-                <p14:modId xmlns:p14="http://schemas.microsoft.com/office/powerpoint/2010/main" val="4096969594"/>
+                <p14:modId xmlns:p14="http://schemas.microsoft.com/office/powerpoint/2010/main" val="2769252850"/>
               </p:ext>
             </p:extLst>
           </p:nvPr>
         </p:nvGraphicFramePr>
         <p:xfrm>
           <a:off x="444500" y="1456512"/>
-          <a:ext cx="7110398" cy="4797204"/>
+          <a:ext cx="7110398" cy="4602045"/>
         </p:xfrm>
         <a:graphic>
           <a:graphicData uri="http://schemas.openxmlformats.org/drawingml/2006/table">
@@ -33976,7 +34262,7 @@
                         <a:rPr lang="en-US" dirty="0">
                           <a:effectLst/>
                         </a:rPr>
-                        <a:t>Containers can be created in seconds</a:t>
+                        <a:t>Portability is Easy</a:t>
                       </a:r>
                     </a:p>
                   </a:txBody>
@@ -33997,7 +34283,7 @@
                           <a:ea typeface="+mn-ea"/>
                           <a:cs typeface="+mn-cs"/>
                         </a:rPr>
-                        <a:t>Creating VM takes a relatively longer time</a:t>
+                        <a:t>Portability is Difficult</a:t>
                       </a:r>
                       <a:endParaRPr lang="en-IN" dirty="0"/>
                     </a:p>
@@ -34066,189 +34352,12 @@
           </a:graphicData>
         </a:graphic>
       </p:graphicFrame>
-    </p:spTree>
-    <p:extLst>
-      <p:ext uri="{BB962C8B-B14F-4D97-AF65-F5344CB8AC3E}">
-        <p14:creationId xmlns:p14="http://schemas.microsoft.com/office/powerpoint/2010/main" val="3540128305"/>
-      </p:ext>
-    </p:extLst>
-  </p:cSld>
-  <p:clrMapOvr>
-    <a:masterClrMapping/>
-  </p:clrMapOvr>
-  <mc:AlternateContent xmlns:mc="http://schemas.openxmlformats.org/markup-compatibility/2006" xmlns:p14="http://schemas.microsoft.com/office/powerpoint/2010/main">
-    <mc:Choice Requires="p14">
-      <p:transition spd="med" p14:dur="700">
-        <p:fade/>
-      </p:transition>
-    </mc:Choice>
-    <mc:Fallback xmlns="">
-      <p:transition spd="med">
-        <p:fade/>
-      </p:transition>
-    </mc:Fallback>
-  </mc:AlternateContent>
-</p:sld>
-</file>
-
-<file path=ppt/slides/slide7.xml><?xml version="1.0" encoding="utf-8"?>
-<p:sld xmlns:a="http://schemas.openxmlformats.org/drawingml/2006/main" xmlns:r="http://schemas.openxmlformats.org/officeDocument/2006/relationships" xmlns:p="http://schemas.openxmlformats.org/presentationml/2006/main">
-  <p:cSld>
-    <p:spTree>
-      <p:nvGrpSpPr>
-        <p:cNvPr id="1" name=""/>
-        <p:cNvGrpSpPr/>
-        <p:nvPr/>
-      </p:nvGrpSpPr>
-      <p:grpSpPr>
-        <a:xfrm>
-          <a:off x="0" y="0"/>
-          <a:ext cx="0" cy="0"/>
-          <a:chOff x="0" y="0"/>
-          <a:chExt cx="0" cy="0"/>
-        </a:xfrm>
-      </p:grpSpPr>
-      <p:sp>
-        <p:nvSpPr>
-          <p:cNvPr id="2" name="Title 1">
-            <a:extLst>
-              <a:ext uri="{FF2B5EF4-FFF2-40B4-BE49-F238E27FC236}">
-                <a16:creationId xmlns:a16="http://schemas.microsoft.com/office/drawing/2014/main" id="{D14C0BAE-77AE-4698-AAA8-C37677E2620C}"/>
-              </a:ext>
-            </a:extLst>
-          </p:cNvPr>
-          <p:cNvSpPr>
-            <a:spLocks noGrp="1"/>
-          </p:cNvSpPr>
-          <p:nvPr>
-            <p:ph type="title"/>
-          </p:nvPr>
-        </p:nvSpPr>
-        <p:spPr/>
-        <p:txBody>
-          <a:bodyPr/>
-          <a:lstStyle/>
-          <a:p>
-            <a:r>
-              <a:rPr lang="en-IN" dirty="0"/>
-              <a:t>The Overall Docker Picture</a:t>
-            </a:r>
-          </a:p>
-        </p:txBody>
-      </p:sp>
-      <p:sp>
-        <p:nvSpPr>
-          <p:cNvPr id="3" name="Slide Number Placeholder 2">
-            <a:extLst>
-              <a:ext uri="{FF2B5EF4-FFF2-40B4-BE49-F238E27FC236}">
-                <a16:creationId xmlns:a16="http://schemas.microsoft.com/office/drawing/2014/main" id="{21886A26-6261-43C5-B813-F99132FD167D}"/>
-              </a:ext>
-            </a:extLst>
-          </p:cNvPr>
-          <p:cNvSpPr>
-            <a:spLocks noGrp="1"/>
-          </p:cNvSpPr>
-          <p:nvPr>
-            <p:ph type="sldNum" sz="quarter" idx="12"/>
-          </p:nvPr>
-        </p:nvSpPr>
-        <p:spPr/>
-        <p:txBody>
-          <a:bodyPr/>
-          <a:lstStyle/>
-          <a:p>
-            <a:fld id="{C263D6C4-4840-40CC-AC84-17E24B3B7BDE}" type="slidenum">
-              <a:rPr lang="en-US" noProof="0" smtClean="0"/>
-              <a:pPr/>
-              <a:t>7</a:t>
-            </a:fld>
-            <a:endParaRPr lang="en-US" noProof="0" dirty="0"/>
-          </a:p>
-        </p:txBody>
-      </p:sp>
-      <p:pic>
-        <p:nvPicPr>
-          <p:cNvPr id="6" name="Picture 5">
-            <a:extLst>
-              <a:ext uri="{FF2B5EF4-FFF2-40B4-BE49-F238E27FC236}">
-                <a16:creationId xmlns:a16="http://schemas.microsoft.com/office/drawing/2014/main" id="{AA9E2A51-8B0B-4352-8D78-2459A631B2A0}"/>
-              </a:ext>
-            </a:extLst>
-          </p:cNvPr>
-          <p:cNvPicPr>
-            <a:picLocks noChangeAspect="1"/>
-          </p:cNvPicPr>
-          <p:nvPr/>
-        </p:nvPicPr>
-        <p:blipFill>
-          <a:blip r:embed="rId2"/>
-          <a:stretch>
-            <a:fillRect/>
-          </a:stretch>
-        </p:blipFill>
-        <p:spPr>
-          <a:xfrm>
-            <a:off x="793750" y="1278384"/>
-            <a:ext cx="10515600" cy="5282214"/>
-          </a:xfrm>
-          <a:prstGeom prst="rect">
-            <a:avLst/>
-          </a:prstGeom>
-        </p:spPr>
-      </p:pic>
-      <p:pic>
-        <p:nvPicPr>
-          <p:cNvPr id="2050" name="Picture 2" descr="Neural - Free computer icons">
-            <a:extLst>
-              <a:ext uri="{FF2B5EF4-FFF2-40B4-BE49-F238E27FC236}">
-                <a16:creationId xmlns:a16="http://schemas.microsoft.com/office/drawing/2014/main" id="{50CFBAC6-5EE4-4F80-86DD-9FD0C8115274}"/>
-              </a:ext>
-            </a:extLst>
-          </p:cNvPr>
-          <p:cNvPicPr>
-            <a:picLocks noChangeAspect="1" noChangeArrowheads="1"/>
-          </p:cNvPicPr>
-          <p:nvPr/>
-        </p:nvPicPr>
-        <p:blipFill>
-          <a:blip r:embed="rId3">
-            <a:extLst>
-              <a:ext uri="{28A0092B-C50C-407E-A947-70E740481C1C}">
-                <a14:useLocalDpi xmlns:a14="http://schemas.microsoft.com/office/drawing/2010/main" val="0"/>
-              </a:ext>
-            </a:extLst>
-          </a:blip>
-          <a:srcRect/>
-          <a:stretch>
-            <a:fillRect/>
-          </a:stretch>
-        </p:blipFill>
-        <p:spPr bwMode="auto">
-          <a:xfrm>
-            <a:off x="10644265" y="478147"/>
-            <a:ext cx="665085" cy="665085"/>
-          </a:xfrm>
-          <a:prstGeom prst="rect">
-            <a:avLst/>
-          </a:prstGeom>
-          <a:noFill/>
-          <a:extLst>
-            <a:ext uri="{909E8E84-426E-40DD-AFC4-6F175D3DCCD1}">
-              <a14:hiddenFill xmlns:a14="http://schemas.microsoft.com/office/drawing/2010/main">
-                <a:solidFill>
-                  <a:srgbClr val="FFFFFF"/>
-                </a:solidFill>
-              </a14:hiddenFill>
-            </a:ext>
-          </a:extLst>
-        </p:spPr>
-      </p:pic>
       <p:sp>
         <p:nvSpPr>
           <p:cNvPr id="4" name="TextBox 3">
             <a:extLst>
               <a:ext uri="{FF2B5EF4-FFF2-40B4-BE49-F238E27FC236}">
-                <a16:creationId xmlns:a16="http://schemas.microsoft.com/office/drawing/2014/main" id="{D572978E-62AE-4864-B358-A132726E7557}"/>
+                <a16:creationId xmlns:a16="http://schemas.microsoft.com/office/drawing/2014/main" id="{CC7E927D-3560-4E8F-92B1-D293F3783B7B}"/>
               </a:ext>
             </a:extLst>
           </p:cNvPr>
@@ -34257,8 +34366,8 @@
         </p:nvSpPr>
         <p:spPr>
           <a:xfrm>
-            <a:off x="3536302" y="4851915"/>
-            <a:ext cx="979714" cy="307777"/>
+            <a:off x="5822890" y="6315075"/>
+            <a:ext cx="1732008" cy="369332"/>
           </a:xfrm>
           <a:prstGeom prst="rect">
             <a:avLst/>
@@ -34271,56 +34380,41 @@
           </a:bodyPr>
           <a:lstStyle/>
           <a:p>
-            <a:pPr algn="ctr"/>
             <a:r>
-              <a:rPr lang="en-IN" sz="1400" dirty="0"/>
-              <a:t>Images</a:t>
+              <a:rPr lang="en-IN" dirty="0">
+                <a:solidFill>
+                  <a:schemeClr val="bg1"/>
+                </a:solidFill>
+              </a:rPr>
+              <a:t>More : @ </a:t>
             </a:r>
-            <a:endParaRPr lang="en-IN" dirty="0"/>
-          </a:p>
-        </p:txBody>
-      </p:sp>
-      <p:sp>
-        <p:nvSpPr>
-          <p:cNvPr id="7" name="TextBox 6">
-            <a:extLst>
-              <a:ext uri="{FF2B5EF4-FFF2-40B4-BE49-F238E27FC236}">
-                <a16:creationId xmlns:a16="http://schemas.microsoft.com/office/drawing/2014/main" id="{9E4A4B06-BD7C-4753-B628-74319F7DF589}"/>
-              </a:ext>
-            </a:extLst>
-          </p:cNvPr>
-          <p:cNvSpPr txBox="1"/>
-          <p:nvPr/>
-        </p:nvSpPr>
-        <p:spPr>
-          <a:xfrm>
-            <a:off x="5066522" y="5900054"/>
-            <a:ext cx="1903445" cy="307777"/>
-          </a:xfrm>
-          <a:prstGeom prst="rect">
-            <a:avLst/>
-          </a:prstGeom>
-          <a:noFill/>
-        </p:spPr>
-        <p:txBody>
-          <a:bodyPr wrap="square" rtlCol="0">
-            <a:spAutoFit/>
-          </a:bodyPr>
-          <a:lstStyle/>
-          <a:p>
-            <a:pPr algn="ctr"/>
             <a:r>
-              <a:rPr lang="en-IN" sz="1400" dirty="0"/>
-              <a:t>Docker Hub</a:t>
+              <a:rPr lang="en-IN" dirty="0">
+                <a:solidFill>
+                  <a:schemeClr val="bg1"/>
+                </a:solidFill>
+                <a:hlinkClick r:id="rId5">
+                  <a:extLst>
+                    <a:ext uri="{A12FA001-AC4F-418D-AE19-62706E023703}">
+                      <ahyp:hlinkClr xmlns:ahyp="http://schemas.microsoft.com/office/drawing/2018/hyperlinkcolor" val="tx"/>
+                    </a:ext>
+                  </a:extLst>
+                </a:hlinkClick>
+              </a:rPr>
+              <a:t>Here</a:t>
             </a:r>
-            <a:endParaRPr lang="en-IN" dirty="0"/>
+            <a:endParaRPr lang="en-IN" dirty="0">
+              <a:solidFill>
+                <a:schemeClr val="bg1"/>
+              </a:solidFill>
+            </a:endParaRPr>
           </a:p>
         </p:txBody>
       </p:sp>
     </p:spTree>
     <p:extLst>
       <p:ext uri="{BB962C8B-B14F-4D97-AF65-F5344CB8AC3E}">
-        <p14:creationId xmlns:p14="http://schemas.microsoft.com/office/powerpoint/2010/main" val="2129037777"/>
+        <p14:creationId xmlns:p14="http://schemas.microsoft.com/office/powerpoint/2010/main" val="3540128305"/>
       </p:ext>
     </p:extLst>
   </p:cSld>
@@ -34364,7 +34458,7 @@
           <p:cNvPr id="2" name="Title 1">
             <a:extLst>
               <a:ext uri="{FF2B5EF4-FFF2-40B4-BE49-F238E27FC236}">
-                <a16:creationId xmlns:a16="http://schemas.microsoft.com/office/drawing/2014/main" id="{FC2418B8-F0CE-4472-BB43-A4914BFA25FA}"/>
+                <a16:creationId xmlns:a16="http://schemas.microsoft.com/office/drawing/2014/main" id="{D14C0BAE-77AE-4698-AAA8-C37677E2620C}"/>
               </a:ext>
             </a:extLst>
           </p:cNvPr>
@@ -34375,19 +34469,14 @@
             <p:ph type="title"/>
           </p:nvPr>
         </p:nvSpPr>
-        <p:spPr>
-          <a:xfrm>
-            <a:off x="506644" y="562191"/>
-            <a:ext cx="9471857" cy="535531"/>
-          </a:xfrm>
-        </p:spPr>
+        <p:spPr/>
         <p:txBody>
           <a:bodyPr/>
           <a:lstStyle/>
           <a:p>
             <a:r>
               <a:rPr lang="en-IN" dirty="0"/>
-              <a:t>It must be really Popular then ?</a:t>
+              <a:t>The Overall Docker Picture</a:t>
             </a:r>
           </a:p>
         </p:txBody>
@@ -34397,7 +34486,7 @@
           <p:cNvPr id="3" name="Slide Number Placeholder 2">
             <a:extLst>
               <a:ext uri="{FF2B5EF4-FFF2-40B4-BE49-F238E27FC236}">
-                <a16:creationId xmlns:a16="http://schemas.microsoft.com/office/drawing/2014/main" id="{7524FDB7-409D-445E-922B-6FDF3B44BBA8}"/>
+                <a16:creationId xmlns:a16="http://schemas.microsoft.com/office/drawing/2014/main" id="{21886A26-6261-43C5-B813-F99132FD167D}"/>
               </a:ext>
             </a:extLst>
           </p:cNvPr>
@@ -34427,7 +34516,7 @@
           <p:cNvPr id="6" name="Picture 5">
             <a:extLst>
               <a:ext uri="{FF2B5EF4-FFF2-40B4-BE49-F238E27FC236}">
-                <a16:creationId xmlns:a16="http://schemas.microsoft.com/office/drawing/2014/main" id="{75DE6978-C2B4-49E6-BBBD-424F743BDB60}"/>
+                <a16:creationId xmlns:a16="http://schemas.microsoft.com/office/drawing/2014/main" id="{AA9E2A51-8B0B-4352-8D78-2459A631B2A0}"/>
               </a:ext>
             </a:extLst>
           </p:cNvPr>
@@ -34444,8 +34533,8 @@
         </p:blipFill>
         <p:spPr>
           <a:xfrm>
-            <a:off x="620735" y="1331651"/>
-            <a:ext cx="5475266" cy="2636668"/>
+            <a:off x="793750" y="1278384"/>
+            <a:ext cx="10515600" cy="5282214"/>
           </a:xfrm>
           <a:prstGeom prst="rect">
             <a:avLst/>
@@ -34454,70 +34543,10 @@
       </p:pic>
       <p:pic>
         <p:nvPicPr>
-          <p:cNvPr id="8" name="Picture 7">
-            <a:extLst>
-              <a:ext uri="{FF2B5EF4-FFF2-40B4-BE49-F238E27FC236}">
-                <a16:creationId xmlns:a16="http://schemas.microsoft.com/office/drawing/2014/main" id="{9AF5B6F1-5CF8-4BD8-B3EB-F76471F0E5A2}"/>
-              </a:ext>
-            </a:extLst>
-          </p:cNvPr>
-          <p:cNvPicPr>
-            <a:picLocks noChangeAspect="1"/>
-          </p:cNvPicPr>
-          <p:nvPr/>
-        </p:nvPicPr>
-        <p:blipFill>
-          <a:blip r:embed="rId3"/>
-          <a:stretch>
-            <a:fillRect/>
-          </a:stretch>
-        </p:blipFill>
-        <p:spPr>
-          <a:xfrm>
-            <a:off x="6312023" y="1331650"/>
-            <a:ext cx="5346577" cy="2636668"/>
-          </a:xfrm>
-          <a:prstGeom prst="rect">
-            <a:avLst/>
-          </a:prstGeom>
-        </p:spPr>
-      </p:pic>
-      <p:pic>
-        <p:nvPicPr>
-          <p:cNvPr id="10" name="Picture 9">
-            <a:extLst>
-              <a:ext uri="{FF2B5EF4-FFF2-40B4-BE49-F238E27FC236}">
-                <a16:creationId xmlns:a16="http://schemas.microsoft.com/office/drawing/2014/main" id="{DECBE088-A7AE-47C7-9667-A3DE345EA18B}"/>
-              </a:ext>
-            </a:extLst>
-          </p:cNvPr>
-          <p:cNvPicPr>
-            <a:picLocks noChangeAspect="1"/>
-          </p:cNvPicPr>
-          <p:nvPr/>
-        </p:nvPicPr>
-        <p:blipFill>
-          <a:blip r:embed="rId4"/>
-          <a:stretch>
-            <a:fillRect/>
-          </a:stretch>
-        </p:blipFill>
-        <p:spPr>
-          <a:xfrm>
-            <a:off x="6312023" y="4158371"/>
-            <a:ext cx="5346577" cy="2339266"/>
-          </a:xfrm>
-          <a:prstGeom prst="rect">
-            <a:avLst/>
-          </a:prstGeom>
-        </p:spPr>
-      </p:pic>
-      <p:pic>
-        <p:nvPicPr>
-          <p:cNvPr id="2050" name="Picture 2">
-            <a:extLst>
-              <a:ext uri="{FF2B5EF4-FFF2-40B4-BE49-F238E27FC236}">
-                <a16:creationId xmlns:a16="http://schemas.microsoft.com/office/drawing/2014/main" id="{40D2A93E-EE4A-4D0A-B22C-EBDBCCCDF093}"/>
+          <p:cNvPr id="2050" name="Picture 2" descr="Neural - Free computer icons">
+            <a:extLst>
+              <a:ext uri="{FF2B5EF4-FFF2-40B4-BE49-F238E27FC236}">
+                <a16:creationId xmlns:a16="http://schemas.microsoft.com/office/drawing/2014/main" id="{50CFBAC6-5EE4-4F80-86DD-9FD0C8115274}"/>
               </a:ext>
             </a:extLst>
           </p:cNvPr>
@@ -34527,7 +34556,7 @@
           <p:nvPr/>
         </p:nvPicPr>
         <p:blipFill>
-          <a:blip r:embed="rId5">
+          <a:blip r:embed="rId3">
             <a:extLst>
               <a:ext uri="{28A0092B-C50C-407E-A947-70E740481C1C}">
                 <a14:useLocalDpi xmlns:a14="http://schemas.microsoft.com/office/drawing/2010/main" val="0"/>
@@ -34541,8 +34570,8 @@
         </p:blipFill>
         <p:spPr bwMode="auto">
           <a:xfrm>
-            <a:off x="625603" y="4158371"/>
-            <a:ext cx="5470398" cy="2339266"/>
+            <a:off x="10644265" y="478147"/>
+            <a:ext cx="665085" cy="665085"/>
           </a:xfrm>
           <a:prstGeom prst="rect">
             <a:avLst/>
@@ -34559,57 +34588,84 @@
           </a:extLst>
         </p:spPr>
       </p:pic>
-      <p:pic>
-        <p:nvPicPr>
-          <p:cNvPr id="1026" name="Picture 2" descr="Popular - Free shapes icons">
-            <a:extLst>
-              <a:ext uri="{FF2B5EF4-FFF2-40B4-BE49-F238E27FC236}">
-                <a16:creationId xmlns:a16="http://schemas.microsoft.com/office/drawing/2014/main" id="{B422FDC3-B8A1-434C-BD11-4DE80547E21C}"/>
-              </a:ext>
-            </a:extLst>
-          </p:cNvPr>
-          <p:cNvPicPr>
-            <a:picLocks noChangeAspect="1" noChangeArrowheads="1"/>
-          </p:cNvPicPr>
+      <p:sp>
+        <p:nvSpPr>
+          <p:cNvPr id="4" name="TextBox 3">
+            <a:extLst>
+              <a:ext uri="{FF2B5EF4-FFF2-40B4-BE49-F238E27FC236}">
+                <a16:creationId xmlns:a16="http://schemas.microsoft.com/office/drawing/2014/main" id="{D572978E-62AE-4864-B358-A132726E7557}"/>
+              </a:ext>
+            </a:extLst>
+          </p:cNvPr>
+          <p:cNvSpPr txBox="1"/>
           <p:nvPr/>
-        </p:nvPicPr>
-        <p:blipFill>
-          <a:blip r:embed="rId6">
-            <a:extLst>
-              <a:ext uri="{28A0092B-C50C-407E-A947-70E740481C1C}">
-                <a14:useLocalDpi xmlns:a14="http://schemas.microsoft.com/office/drawing/2010/main" val="0"/>
-              </a:ext>
-            </a:extLst>
-          </a:blip>
-          <a:srcRect/>
-          <a:stretch>
-            <a:fillRect/>
-          </a:stretch>
-        </p:blipFill>
-        <p:spPr bwMode="auto">
+        </p:nvSpPr>
+        <p:spPr>
           <a:xfrm>
-            <a:off x="11123069" y="562190"/>
-            <a:ext cx="535531" cy="535531"/>
+            <a:off x="3536302" y="4851915"/>
+            <a:ext cx="979714" cy="307777"/>
           </a:xfrm>
           <a:prstGeom prst="rect">
             <a:avLst/>
           </a:prstGeom>
           <a:noFill/>
-          <a:extLst>
-            <a:ext uri="{909E8E84-426E-40DD-AFC4-6F175D3DCCD1}">
-              <a14:hiddenFill xmlns:a14="http://schemas.microsoft.com/office/drawing/2010/main">
-                <a:solidFill>
-                  <a:srgbClr val="FFFFFF"/>
-                </a:solidFill>
-              </a14:hiddenFill>
-            </a:ext>
-          </a:extLst>
         </p:spPr>
-      </p:pic>
+        <p:txBody>
+          <a:bodyPr wrap="square" rtlCol="0">
+            <a:spAutoFit/>
+          </a:bodyPr>
+          <a:lstStyle/>
+          <a:p>
+            <a:pPr algn="ctr"/>
+            <a:r>
+              <a:rPr lang="en-IN" sz="1400" dirty="0"/>
+              <a:t>Images</a:t>
+            </a:r>
+            <a:endParaRPr lang="en-IN" dirty="0"/>
+          </a:p>
+        </p:txBody>
+      </p:sp>
+      <p:sp>
+        <p:nvSpPr>
+          <p:cNvPr id="7" name="TextBox 6">
+            <a:extLst>
+              <a:ext uri="{FF2B5EF4-FFF2-40B4-BE49-F238E27FC236}">
+                <a16:creationId xmlns:a16="http://schemas.microsoft.com/office/drawing/2014/main" id="{9E4A4B06-BD7C-4753-B628-74319F7DF589}"/>
+              </a:ext>
+            </a:extLst>
+          </p:cNvPr>
+          <p:cNvSpPr txBox="1"/>
+          <p:nvPr/>
+        </p:nvSpPr>
+        <p:spPr>
+          <a:xfrm>
+            <a:off x="5066522" y="5900054"/>
+            <a:ext cx="1903445" cy="307777"/>
+          </a:xfrm>
+          <a:prstGeom prst="rect">
+            <a:avLst/>
+          </a:prstGeom>
+          <a:noFill/>
+        </p:spPr>
+        <p:txBody>
+          <a:bodyPr wrap="square" rtlCol="0">
+            <a:spAutoFit/>
+          </a:bodyPr>
+          <a:lstStyle/>
+          <a:p>
+            <a:pPr algn="ctr"/>
+            <a:r>
+              <a:rPr lang="en-IN" sz="1400" dirty="0"/>
+              <a:t>Docker Hub</a:t>
+            </a:r>
+            <a:endParaRPr lang="en-IN" dirty="0"/>
+          </a:p>
+        </p:txBody>
+      </p:sp>
     </p:spTree>
     <p:extLst>
       <p:ext uri="{BB962C8B-B14F-4D97-AF65-F5344CB8AC3E}">
-        <p14:creationId xmlns:p14="http://schemas.microsoft.com/office/powerpoint/2010/main" val="76756049"/>
+        <p14:creationId xmlns:p14="http://schemas.microsoft.com/office/powerpoint/2010/main" val="2129037777"/>
       </p:ext>
     </p:extLst>
   </p:cSld>
@@ -34650,10 +34706,43 @@
       </p:grpSpPr>
       <p:sp>
         <p:nvSpPr>
+          <p:cNvPr id="2" name="Title 1">
+            <a:extLst>
+              <a:ext uri="{FF2B5EF4-FFF2-40B4-BE49-F238E27FC236}">
+                <a16:creationId xmlns:a16="http://schemas.microsoft.com/office/drawing/2014/main" id="{FC2418B8-F0CE-4472-BB43-A4914BFA25FA}"/>
+              </a:ext>
+            </a:extLst>
+          </p:cNvPr>
+          <p:cNvSpPr>
+            <a:spLocks noGrp="1"/>
+          </p:cNvSpPr>
+          <p:nvPr>
+            <p:ph type="title"/>
+          </p:nvPr>
+        </p:nvSpPr>
+        <p:spPr>
+          <a:xfrm>
+            <a:off x="506644" y="562191"/>
+            <a:ext cx="9471857" cy="535531"/>
+          </a:xfrm>
+        </p:spPr>
+        <p:txBody>
+          <a:bodyPr/>
+          <a:lstStyle/>
+          <a:p>
+            <a:r>
+              <a:rPr lang="en-IN" dirty="0"/>
+              <a:t>It must be really Popular then ?</a:t>
+            </a:r>
+          </a:p>
+        </p:txBody>
+      </p:sp>
+      <p:sp>
+        <p:nvSpPr>
           <p:cNvPr id="3" name="Slide Number Placeholder 2">
             <a:extLst>
               <a:ext uri="{FF2B5EF4-FFF2-40B4-BE49-F238E27FC236}">
-                <a16:creationId xmlns:a16="http://schemas.microsoft.com/office/drawing/2014/main" id="{7C8C6B33-923F-4577-9BB5-BA8073EB45E9}"/>
+                <a16:creationId xmlns:a16="http://schemas.microsoft.com/office/drawing/2014/main" id="{7524FDB7-409D-445E-922B-6FDF3B44BBA8}"/>
               </a:ext>
             </a:extLst>
           </p:cNvPr>
@@ -34678,45 +34767,253 @@
           </a:p>
         </p:txBody>
       </p:sp>
+      <p:pic>
+        <p:nvPicPr>
+          <p:cNvPr id="6" name="Picture 5">
+            <a:extLst>
+              <a:ext uri="{FF2B5EF4-FFF2-40B4-BE49-F238E27FC236}">
+                <a16:creationId xmlns:a16="http://schemas.microsoft.com/office/drawing/2014/main" id="{75DE6978-C2B4-49E6-BBBD-424F743BDB60}"/>
+              </a:ext>
+            </a:extLst>
+          </p:cNvPr>
+          <p:cNvPicPr>
+            <a:picLocks noChangeAspect="1"/>
+          </p:cNvPicPr>
+          <p:nvPr/>
+        </p:nvPicPr>
+        <p:blipFill>
+          <a:blip r:embed="rId2"/>
+          <a:stretch>
+            <a:fillRect/>
+          </a:stretch>
+        </p:blipFill>
+        <p:spPr>
+          <a:xfrm>
+            <a:off x="620735" y="1331651"/>
+            <a:ext cx="5475266" cy="2409926"/>
+          </a:xfrm>
+          <a:prstGeom prst="rect">
+            <a:avLst/>
+          </a:prstGeom>
+        </p:spPr>
+      </p:pic>
+      <p:pic>
+        <p:nvPicPr>
+          <p:cNvPr id="8" name="Picture 7">
+            <a:extLst>
+              <a:ext uri="{FF2B5EF4-FFF2-40B4-BE49-F238E27FC236}">
+                <a16:creationId xmlns:a16="http://schemas.microsoft.com/office/drawing/2014/main" id="{9AF5B6F1-5CF8-4BD8-B3EB-F76471F0E5A2}"/>
+              </a:ext>
+            </a:extLst>
+          </p:cNvPr>
+          <p:cNvPicPr>
+            <a:picLocks noChangeAspect="1"/>
+          </p:cNvPicPr>
+          <p:nvPr/>
+        </p:nvPicPr>
+        <p:blipFill>
+          <a:blip r:embed="rId3"/>
+          <a:stretch>
+            <a:fillRect/>
+          </a:stretch>
+        </p:blipFill>
+        <p:spPr>
+          <a:xfrm>
+            <a:off x="6312023" y="1331650"/>
+            <a:ext cx="5346577" cy="2409926"/>
+          </a:xfrm>
+          <a:prstGeom prst="rect">
+            <a:avLst/>
+          </a:prstGeom>
+        </p:spPr>
+      </p:pic>
+      <p:pic>
+        <p:nvPicPr>
+          <p:cNvPr id="10" name="Picture 9">
+            <a:extLst>
+              <a:ext uri="{FF2B5EF4-FFF2-40B4-BE49-F238E27FC236}">
+                <a16:creationId xmlns:a16="http://schemas.microsoft.com/office/drawing/2014/main" id="{DECBE088-A7AE-47C7-9667-A3DE345EA18B}"/>
+              </a:ext>
+            </a:extLst>
+          </p:cNvPr>
+          <p:cNvPicPr>
+            <a:picLocks noChangeAspect="1"/>
+          </p:cNvPicPr>
+          <p:nvPr/>
+        </p:nvPicPr>
+        <p:blipFill>
+          <a:blip r:embed="rId4"/>
+          <a:stretch>
+            <a:fillRect/>
+          </a:stretch>
+        </p:blipFill>
+        <p:spPr>
+          <a:xfrm>
+            <a:off x="6307155" y="3975809"/>
+            <a:ext cx="5346577" cy="2339266"/>
+          </a:xfrm>
+          <a:prstGeom prst="rect">
+            <a:avLst/>
+          </a:prstGeom>
+        </p:spPr>
+      </p:pic>
+      <p:pic>
+        <p:nvPicPr>
+          <p:cNvPr id="2050" name="Picture 2">
+            <a:extLst>
+              <a:ext uri="{FF2B5EF4-FFF2-40B4-BE49-F238E27FC236}">
+                <a16:creationId xmlns:a16="http://schemas.microsoft.com/office/drawing/2014/main" id="{40D2A93E-EE4A-4D0A-B22C-EBDBCCCDF093}"/>
+              </a:ext>
+            </a:extLst>
+          </p:cNvPr>
+          <p:cNvPicPr>
+            <a:picLocks noChangeAspect="1" noChangeArrowheads="1"/>
+          </p:cNvPicPr>
+          <p:nvPr/>
+        </p:nvPicPr>
+        <p:blipFill>
+          <a:blip r:embed="rId5">
+            <a:extLst>
+              <a:ext uri="{28A0092B-C50C-407E-A947-70E740481C1C}">
+                <a14:useLocalDpi xmlns:a14="http://schemas.microsoft.com/office/drawing/2010/main" val="0"/>
+              </a:ext>
+            </a:extLst>
+          </a:blip>
+          <a:srcRect/>
+          <a:stretch>
+            <a:fillRect/>
+          </a:stretch>
+        </p:blipFill>
+        <p:spPr bwMode="auto">
+          <a:xfrm>
+            <a:off x="620735" y="3975809"/>
+            <a:ext cx="5470398" cy="2339266"/>
+          </a:xfrm>
+          <a:prstGeom prst="rect">
+            <a:avLst/>
+          </a:prstGeom>
+          <a:noFill/>
+          <a:extLst>
+            <a:ext uri="{909E8E84-426E-40DD-AFC4-6F175D3DCCD1}">
+              <a14:hiddenFill xmlns:a14="http://schemas.microsoft.com/office/drawing/2010/main">
+                <a:solidFill>
+                  <a:srgbClr val="FFFFFF"/>
+                </a:solidFill>
+              </a14:hiddenFill>
+            </a:ext>
+          </a:extLst>
+        </p:spPr>
+      </p:pic>
+      <p:pic>
+        <p:nvPicPr>
+          <p:cNvPr id="1026" name="Picture 2" descr="Popular - Free shapes icons">
+            <a:extLst>
+              <a:ext uri="{FF2B5EF4-FFF2-40B4-BE49-F238E27FC236}">
+                <a16:creationId xmlns:a16="http://schemas.microsoft.com/office/drawing/2014/main" id="{B422FDC3-B8A1-434C-BD11-4DE80547E21C}"/>
+              </a:ext>
+            </a:extLst>
+          </p:cNvPr>
+          <p:cNvPicPr>
+            <a:picLocks noChangeAspect="1" noChangeArrowheads="1"/>
+          </p:cNvPicPr>
+          <p:nvPr/>
+        </p:nvPicPr>
+        <p:blipFill>
+          <a:blip r:embed="rId6">
+            <a:extLst>
+              <a:ext uri="{28A0092B-C50C-407E-A947-70E740481C1C}">
+                <a14:useLocalDpi xmlns:a14="http://schemas.microsoft.com/office/drawing/2010/main" val="0"/>
+              </a:ext>
+            </a:extLst>
+          </a:blip>
+          <a:srcRect/>
+          <a:stretch>
+            <a:fillRect/>
+          </a:stretch>
+        </p:blipFill>
+        <p:spPr bwMode="auto">
+          <a:xfrm>
+            <a:off x="11123069" y="562190"/>
+            <a:ext cx="535531" cy="535531"/>
+          </a:xfrm>
+          <a:prstGeom prst="rect">
+            <a:avLst/>
+          </a:prstGeom>
+          <a:noFill/>
+          <a:extLst>
+            <a:ext uri="{909E8E84-426E-40DD-AFC4-6F175D3DCCD1}">
+              <a14:hiddenFill xmlns:a14="http://schemas.microsoft.com/office/drawing/2010/main">
+                <a:solidFill>
+                  <a:srgbClr val="FFFFFF"/>
+                </a:solidFill>
+              </a14:hiddenFill>
+            </a:ext>
+          </a:extLst>
+        </p:spPr>
+      </p:pic>
       <p:sp>
         <p:nvSpPr>
-          <p:cNvPr id="4" name="Title 3">
-            <a:extLst>
-              <a:ext uri="{FF2B5EF4-FFF2-40B4-BE49-F238E27FC236}">
-                <a16:creationId xmlns:a16="http://schemas.microsoft.com/office/drawing/2014/main" id="{9E711C83-067D-451A-9841-EE7D32C9E887}"/>
-              </a:ext>
-            </a:extLst>
-          </p:cNvPr>
-          <p:cNvSpPr>
-            <a:spLocks noGrp="1"/>
-          </p:cNvSpPr>
-          <p:nvPr>
-            <p:ph type="title"/>
-          </p:nvPr>
+          <p:cNvPr id="4" name="TextBox 3">
+            <a:extLst>
+              <a:ext uri="{FF2B5EF4-FFF2-40B4-BE49-F238E27FC236}">
+                <a16:creationId xmlns:a16="http://schemas.microsoft.com/office/drawing/2014/main" id="{B2954100-07CB-4E38-96F0-6C88668A92C9}"/>
+              </a:ext>
+            </a:extLst>
+          </p:cNvPr>
+          <p:cNvSpPr txBox="1"/>
+          <p:nvPr/>
         </p:nvSpPr>
         <p:spPr>
           <a:xfrm>
-            <a:off x="583529" y="2740981"/>
-            <a:ext cx="7781544" cy="859055"/>
+            <a:off x="9691397" y="6337072"/>
+            <a:ext cx="1764003" cy="369332"/>
           </a:xfrm>
+          <a:prstGeom prst="rect">
+            <a:avLst/>
+          </a:prstGeom>
+          <a:noFill/>
         </p:spPr>
         <p:txBody>
-          <a:bodyPr>
-            <a:normAutofit/>
+          <a:bodyPr wrap="square" rtlCol="0">
+            <a:spAutoFit/>
           </a:bodyPr>
           <a:lstStyle/>
           <a:p>
             <a:r>
-              <a:rPr lang="en-IN" dirty="0"/>
-              <a:t>Shall we Begin ?</a:t>
+              <a:rPr lang="en-IN" dirty="0">
+                <a:solidFill>
+                  <a:schemeClr val="bg1"/>
+                </a:solidFill>
+              </a:rPr>
+              <a:t>More : @ </a:t>
             </a:r>
+            <a:r>
+              <a:rPr lang="en-IN" dirty="0">
+                <a:solidFill>
+                  <a:schemeClr val="bg1"/>
+                </a:solidFill>
+                <a:hlinkClick r:id="rId7">
+                  <a:extLst>
+                    <a:ext uri="{A12FA001-AC4F-418D-AE19-62706E023703}">
+                      <ahyp:hlinkClr xmlns:ahyp="http://schemas.microsoft.com/office/drawing/2018/hyperlinkcolor" val="tx"/>
+                    </a:ext>
+                  </a:extLst>
+                </a:hlinkClick>
+              </a:rPr>
+              <a:t>Here</a:t>
+            </a:r>
+            <a:endParaRPr lang="en-IN" dirty="0">
+              <a:solidFill>
+                <a:schemeClr val="bg1"/>
+              </a:solidFill>
+            </a:endParaRPr>
           </a:p>
         </p:txBody>
       </p:sp>
     </p:spTree>
     <p:extLst>
       <p:ext uri="{BB962C8B-B14F-4D97-AF65-F5344CB8AC3E}">
-        <p14:creationId xmlns:p14="http://schemas.microsoft.com/office/powerpoint/2010/main" val="2078919340"/>
+        <p14:creationId xmlns:p14="http://schemas.microsoft.com/office/powerpoint/2010/main" val="76756049"/>
       </p:ext>
     </p:extLst>
   </p:cSld>
@@ -35530,20 +35827,20 @@
 </file>
 
 <file path=customXml/item1.xml><?xml version="1.0" encoding="utf-8"?>
+<p:properties xmlns:p="http://schemas.microsoft.com/office/2006/metadata/properties" xmlns:xsi="http://www.w3.org/2001/XMLSchema-instance" xmlns:pc="http://schemas.microsoft.com/office/infopath/2007/PartnerControls">
+  <documentManagement>
+    <MediaServiceKeyPoints xmlns="71af3243-3dd4-4a8d-8c0d-dd76da1f02a5" xsi:nil="true"/>
+  </documentManagement>
+</p:properties>
+</file>
+
+<file path=customXml/item2.xml><?xml version="1.0" encoding="utf-8"?>
 <?mso-contentType ?>
 <FormTemplates xmlns="http://schemas.microsoft.com/sharepoint/v3/contenttype/forms">
   <Display>DocumentLibraryForm</Display>
   <Edit>DocumentLibraryForm</Edit>
   <New>DocumentLibraryForm</New>
 </FormTemplates>
-</file>
-
-<file path=customXml/item2.xml><?xml version="1.0" encoding="utf-8"?>
-<p:properties xmlns:p="http://schemas.microsoft.com/office/2006/metadata/properties" xmlns:xsi="http://www.w3.org/2001/XMLSchema-instance" xmlns:pc="http://schemas.microsoft.com/office/infopath/2007/PartnerControls">
-  <documentManagement>
-    <MediaServiceKeyPoints xmlns="71af3243-3dd4-4a8d-8c0d-dd76da1f02a5" xsi:nil="true"/>
-  </documentManagement>
-</p:properties>
 </file>
 
 <file path=customXml/item3.xml><?xml version="1.0" encoding="utf-8"?>
@@ -35758,19 +36055,19 @@
 </file>
 
 <file path=customXml/itemProps1.xml><?xml version="1.0" encoding="utf-8"?>
-<ds:datastoreItem xmlns:ds="http://schemas.openxmlformats.org/officeDocument/2006/customXml" ds:itemID="{5B26E0C9-B2AA-42E6-97B6-E1B7D9EAF129}">
+<ds:datastoreItem xmlns:ds="http://schemas.openxmlformats.org/officeDocument/2006/customXml" ds:itemID="{F5757914-1161-4661-9696-421FD6935CDD}">
   <ds:schemaRefs>
-    <ds:schemaRef ds:uri="http://schemas.microsoft.com/sharepoint/v3/contenttype/forms"/>
+    <ds:schemaRef ds:uri="http://schemas.microsoft.com/office/2006/metadata/properties"/>
+    <ds:schemaRef ds:uri="http://schemas.microsoft.com/office/infopath/2007/PartnerControls"/>
+    <ds:schemaRef ds:uri="71af3243-3dd4-4a8d-8c0d-dd76da1f02a5"/>
   </ds:schemaRefs>
 </ds:datastoreItem>
 </file>
 
 <file path=customXml/itemProps2.xml><?xml version="1.0" encoding="utf-8"?>
-<ds:datastoreItem xmlns:ds="http://schemas.openxmlformats.org/officeDocument/2006/customXml" ds:itemID="{F5757914-1161-4661-9696-421FD6935CDD}">
+<ds:datastoreItem xmlns:ds="http://schemas.openxmlformats.org/officeDocument/2006/customXml" ds:itemID="{5B26E0C9-B2AA-42E6-97B6-E1B7D9EAF129}">
   <ds:schemaRefs>
-    <ds:schemaRef ds:uri="http://schemas.microsoft.com/office/2006/metadata/properties"/>
-    <ds:schemaRef ds:uri="http://schemas.microsoft.com/office/infopath/2007/PartnerControls"/>
-    <ds:schemaRef ds:uri="71af3243-3dd4-4a8d-8c0d-dd76da1f02a5"/>
+    <ds:schemaRef ds:uri="http://schemas.microsoft.com/sharepoint/v3/contenttype/forms"/>
   </ds:schemaRefs>
 </ds:datastoreItem>
 </file>
